--- a/lectures/01.strategy/strategy.pptx
+++ b/lectures/01.strategy/strategy.pptx
@@ -5,7 +5,7 @@
     <p:sldMasterId id="2147483672" r:id="rId1"/>
   </p:sldMasterIdLst>
   <p:notesMasterIdLst>
-    <p:notesMasterId r:id="rId35"/>
+    <p:notesMasterId r:id="rId42"/>
   </p:notesMasterIdLst>
   <p:sldIdLst>
     <p:sldId id="256" r:id="rId2"/>
@@ -38,14 +38,21 @@
     <p:sldId id="283" r:id="rId29"/>
     <p:sldId id="284" r:id="rId30"/>
     <p:sldId id="285" r:id="rId31"/>
-    <p:sldId id="288" r:id="rId32"/>
-    <p:sldId id="286" r:id="rId33"/>
-    <p:sldId id="287" r:id="rId34"/>
+    <p:sldId id="286" r:id="rId32"/>
+    <p:sldId id="287" r:id="rId33"/>
+    <p:sldId id="288" r:id="rId34"/>
+    <p:sldId id="289" r:id="rId35"/>
+    <p:sldId id="290" r:id="rId36"/>
+    <p:sldId id="291" r:id="rId37"/>
+    <p:sldId id="293" r:id="rId38"/>
+    <p:sldId id="292" r:id="rId39"/>
+    <p:sldId id="294" r:id="rId40"/>
+    <p:sldId id="295" r:id="rId41"/>
   </p:sldIdLst>
   <p:sldSz cx="9144000" cy="6858000" type="screen4x3"/>
   <p:notesSz cx="6858000" cy="9144000"/>
   <p:custDataLst>
-    <p:tags r:id="rId36"/>
+    <p:tags r:id="rId43"/>
   </p:custDataLst>
   <p:defaultTextStyle>
     <a:defPPr>
@@ -243,7 +250,7 @@
           <a:p>
             <a:fld id="{2F3DCB6D-0B48-4A3D-B663-06C3F903A9D3}" type="datetimeFigureOut">
               <a:rPr lang="ru-RU" smtClean="0"/>
-              <a:t>06.09.2018</a:t>
+              <a:t>03.09.2020</a:t>
             </a:fld>
             <a:endParaRPr lang="ru-RU"/>
           </a:p>
@@ -841,7 +848,7 @@
           <a:p>
             <a:fld id="{2590F9C9-AB92-4E86-B698-DEC9BF4350FF}" type="datetimeFigureOut">
               <a:rPr lang="ru-RU" smtClean="0"/>
-              <a:t>06.09.2018</a:t>
+              <a:t>03.09.2020</a:t>
             </a:fld>
             <a:endParaRPr lang="ru-RU"/>
           </a:p>
@@ -1065,7 +1072,7 @@
           <a:p>
             <a:fld id="{2590F9C9-AB92-4E86-B698-DEC9BF4350FF}" type="datetimeFigureOut">
               <a:rPr lang="ru-RU" smtClean="0"/>
-              <a:t>06.09.2018</a:t>
+              <a:t>03.09.2020</a:t>
             </a:fld>
             <a:endParaRPr lang="ru-RU"/>
           </a:p>
@@ -1337,7 +1344,7 @@
           <a:p>
             <a:fld id="{2590F9C9-AB92-4E86-B698-DEC9BF4350FF}" type="datetimeFigureOut">
               <a:rPr lang="ru-RU" smtClean="0"/>
-              <a:t>06.09.2018</a:t>
+              <a:t>03.09.2020</a:t>
             </a:fld>
             <a:endParaRPr lang="ru-RU"/>
           </a:p>
@@ -1512,7 +1519,7 @@
           <a:p>
             <a:fld id="{2590F9C9-AB92-4E86-B698-DEC9BF4350FF}" type="datetimeFigureOut">
               <a:rPr lang="ru-RU" smtClean="0"/>
-              <a:t>06.09.2018</a:t>
+              <a:t>03.09.2020</a:t>
             </a:fld>
             <a:endParaRPr lang="ru-RU"/>
           </a:p>
@@ -1873,7 +1880,7 @@
           <a:p>
             <a:fld id="{2590F9C9-AB92-4E86-B698-DEC9BF4350FF}" type="datetimeFigureOut">
               <a:rPr lang="ru-RU" smtClean="0"/>
-              <a:t>06.09.2018</a:t>
+              <a:t>03.09.2020</a:t>
             </a:fld>
             <a:endParaRPr lang="ru-RU"/>
           </a:p>
@@ -2165,7 +2172,7 @@
           <a:p>
             <a:fld id="{2590F9C9-AB92-4E86-B698-DEC9BF4350FF}" type="datetimeFigureOut">
               <a:rPr lang="ru-RU" smtClean="0"/>
-              <a:t>06.09.2018</a:t>
+              <a:t>03.09.2020</a:t>
             </a:fld>
             <a:endParaRPr lang="ru-RU"/>
           </a:p>
@@ -2587,7 +2594,7 @@
           <a:p>
             <a:fld id="{2590F9C9-AB92-4E86-B698-DEC9BF4350FF}" type="datetimeFigureOut">
               <a:rPr lang="ru-RU" smtClean="0"/>
-              <a:t>06.09.2018</a:t>
+              <a:t>03.09.2020</a:t>
             </a:fld>
             <a:endParaRPr lang="ru-RU"/>
           </a:p>
@@ -2700,7 +2707,7 @@
           <a:p>
             <a:fld id="{2590F9C9-AB92-4E86-B698-DEC9BF4350FF}" type="datetimeFigureOut">
               <a:rPr lang="ru-RU" smtClean="0"/>
-              <a:t>06.09.2018</a:t>
+              <a:t>03.09.2020</a:t>
             </a:fld>
             <a:endParaRPr lang="ru-RU"/>
           </a:p>
@@ -2797,7 +2804,7 @@
           <a:p>
             <a:fld id="{2590F9C9-AB92-4E86-B698-DEC9BF4350FF}" type="datetimeFigureOut">
               <a:rPr lang="ru-RU" smtClean="0"/>
-              <a:t>06.09.2018</a:t>
+              <a:t>03.09.2020</a:t>
             </a:fld>
             <a:endParaRPr lang="ru-RU"/>
           </a:p>
@@ -3082,7 +3089,7 @@
           <a:p>
             <a:fld id="{2590F9C9-AB92-4E86-B698-DEC9BF4350FF}" type="datetimeFigureOut">
               <a:rPr lang="ru-RU" smtClean="0"/>
-              <a:t>06.09.2018</a:t>
+              <a:t>03.09.2020</a:t>
             </a:fld>
             <a:endParaRPr lang="ru-RU"/>
           </a:p>
@@ -3444,7 +3451,7 @@
           <a:p>
             <a:fld id="{2590F9C9-AB92-4E86-B698-DEC9BF4350FF}" type="datetimeFigureOut">
               <a:rPr lang="ru-RU" smtClean="0"/>
-              <a:t>06.09.2018</a:t>
+              <a:t>03.09.2020</a:t>
             </a:fld>
             <a:endParaRPr lang="ru-RU"/>
           </a:p>
@@ -3869,7 +3876,7 @@
           <a:p>
             <a:fld id="{2590F9C9-AB92-4E86-B698-DEC9BF4350FF}" type="datetimeFigureOut">
               <a:rPr lang="ru-RU" smtClean="0"/>
-              <a:t>06.09.2018</a:t>
+              <a:t>03.09.2020</a:t>
             </a:fld>
             <a:endParaRPr lang="ru-RU"/>
           </a:p>
@@ -9383,6 +9390,66 @@
           </a:prstGeom>
         </p:spPr>
       </p:pic>
+      <p:sp>
+        <p:nvSpPr>
+          <p:cNvPr id="6" name="TextBox 5"/>
+          <p:cNvSpPr txBox="1"/>
+          <p:nvPr/>
+        </p:nvSpPr>
+        <p:spPr>
+          <a:xfrm>
+            <a:off x="1475656" y="1651266"/>
+            <a:ext cx="1872208" cy="369332"/>
+          </a:xfrm>
+          <a:prstGeom prst="rect">
+            <a:avLst/>
+          </a:prstGeom>
+          <a:noFill/>
+        </p:spPr>
+        <p:txBody>
+          <a:bodyPr wrap="square" rtlCol="0">
+            <a:spAutoFit/>
+          </a:bodyPr>
+          <a:lstStyle/>
+          <a:p>
+            <a:r>
+              <a:rPr lang="ru-RU" dirty="0" smtClean="0"/>
+              <a:t>Базовый класс</a:t>
+            </a:r>
+            <a:endParaRPr lang="ru-RU" dirty="0"/>
+          </a:p>
+        </p:txBody>
+      </p:sp>
+      <p:sp>
+        <p:nvSpPr>
+          <p:cNvPr id="7" name="TextBox 6"/>
+          <p:cNvSpPr txBox="1"/>
+          <p:nvPr/>
+        </p:nvSpPr>
+        <p:spPr>
+          <a:xfrm>
+            <a:off x="2699792" y="5085184"/>
+            <a:ext cx="2232248" cy="369332"/>
+          </a:xfrm>
+          <a:prstGeom prst="rect">
+            <a:avLst/>
+          </a:prstGeom>
+          <a:noFill/>
+        </p:spPr>
+        <p:txBody>
+          <a:bodyPr wrap="square" rtlCol="0">
+            <a:spAutoFit/>
+          </a:bodyPr>
+          <a:lstStyle/>
+          <a:p>
+            <a:r>
+              <a:rPr lang="ru-RU" dirty="0" smtClean="0"/>
+              <a:t>Классы-наследники</a:t>
+            </a:r>
+            <a:endParaRPr lang="ru-RU" dirty="0"/>
+          </a:p>
+        </p:txBody>
+      </p:sp>
     </p:spTree>
     <p:extLst>
       <p:ext uri="{BB962C8B-B14F-4D97-AF65-F5344CB8AC3E}">
@@ -9546,6 +9613,1211 @@
       </p:grpSpPr>
       <p:sp>
         <p:nvSpPr>
+          <p:cNvPr id="3" name="Заголовок 2"/>
+          <p:cNvSpPr>
+            <a:spLocks noGrp="1"/>
+          </p:cNvSpPr>
+          <p:nvPr>
+            <p:ph type="title"/>
+          </p:nvPr>
+        </p:nvSpPr>
+        <p:spPr/>
+        <p:txBody>
+          <a:bodyPr>
+            <a:normAutofit fontScale="90000"/>
+          </a:bodyPr>
+          <a:lstStyle/>
+          <a:p>
+            <a:r>
+              <a:rPr lang="ru-RU" dirty="0" smtClean="0"/>
+              <a:t>Альтернативные способы реализации паттерна в </a:t>
+            </a:r>
+            <a:r>
+              <a:rPr lang="en-US" dirty="0" smtClean="0"/>
+              <a:t>C++11</a:t>
+            </a:r>
+            <a:endParaRPr lang="ru-RU" dirty="0"/>
+          </a:p>
+        </p:txBody>
+      </p:sp>
+      <p:sp>
+        <p:nvSpPr>
+          <p:cNvPr id="4" name="Объект 3"/>
+          <p:cNvSpPr>
+            <a:spLocks noGrp="1"/>
+          </p:cNvSpPr>
+          <p:nvPr>
+            <p:ph idx="1"/>
+          </p:nvPr>
+        </p:nvSpPr>
+        <p:spPr/>
+        <p:txBody>
+          <a:bodyPr/>
+          <a:lstStyle/>
+          <a:p>
+            <a:r>
+              <a:rPr lang="ru-RU" dirty="0" smtClean="0"/>
+              <a:t>Использование </a:t>
+            </a:r>
+            <a:r>
+              <a:rPr lang="en-US" dirty="0" err="1" smtClean="0"/>
+              <a:t>std</a:t>
+            </a:r>
+            <a:r>
+              <a:rPr lang="en-US" dirty="0" smtClean="0"/>
+              <a:t>::function </a:t>
+            </a:r>
+            <a:r>
+              <a:rPr lang="ru-RU" dirty="0" smtClean="0"/>
+              <a:t>вместо иерархии классов</a:t>
+            </a:r>
+          </a:p>
+          <a:p>
+            <a:r>
+              <a:rPr lang="ru-RU" dirty="0" smtClean="0"/>
+              <a:t>Шаблоны функций</a:t>
+            </a:r>
+            <a:endParaRPr lang="ru-RU" dirty="0"/>
+          </a:p>
+        </p:txBody>
+      </p:sp>
+    </p:spTree>
+    <p:extLst>
+      <p:ext uri="{BB962C8B-B14F-4D97-AF65-F5344CB8AC3E}">
+        <p14:creationId xmlns:p14="http://schemas.microsoft.com/office/powerpoint/2010/main" val="3253108535"/>
+      </p:ext>
+    </p:extLst>
+  </p:cSld>
+  <p:clrMapOvr>
+    <a:masterClrMapping/>
+  </p:clrMapOvr>
+  <p:timing>
+    <p:tnLst>
+      <p:par>
+        <p:cTn id="1" dur="indefinite" restart="never" nodeType="tmRoot"/>
+      </p:par>
+    </p:tnLst>
+  </p:timing>
+</p:sld>
+</file>
+
+<file path=ppt/slides/slide32.xml><?xml version="1.0" encoding="utf-8"?>
+<p:sld xmlns:a="http://schemas.openxmlformats.org/drawingml/2006/main" xmlns:r="http://schemas.openxmlformats.org/officeDocument/2006/relationships" xmlns:p="http://schemas.openxmlformats.org/presentationml/2006/main">
+  <p:cSld>
+    <p:spTree>
+      <p:nvGrpSpPr>
+        <p:cNvPr id="1" name=""/>
+        <p:cNvGrpSpPr/>
+        <p:nvPr/>
+      </p:nvGrpSpPr>
+      <p:grpSpPr>
+        <a:xfrm>
+          <a:off x="0" y="0"/>
+          <a:ext cx="0" cy="0"/>
+          <a:chOff x="0" y="0"/>
+          <a:chExt cx="0" cy="0"/>
+        </a:xfrm>
+      </p:grpSpPr>
+      <p:sp>
+        <p:nvSpPr>
+          <p:cNvPr id="4" name="Заголовок 3"/>
+          <p:cNvSpPr>
+            <a:spLocks noGrp="1"/>
+          </p:cNvSpPr>
+          <p:nvPr>
+            <p:ph type="title"/>
+          </p:nvPr>
+        </p:nvSpPr>
+        <p:spPr/>
+        <p:txBody>
+          <a:bodyPr>
+            <a:normAutofit fontScale="90000"/>
+          </a:bodyPr>
+          <a:lstStyle/>
+          <a:p>
+            <a:r>
+              <a:rPr lang="ru-RU" dirty="0" smtClean="0"/>
+              <a:t>Пример: передача стратегии сравнения элементов в</a:t>
+            </a:r>
+            <a:r>
+              <a:rPr lang="en-US" dirty="0" smtClean="0"/>
+              <a:t> </a:t>
+            </a:r>
+            <a:r>
+              <a:rPr lang="en-US" dirty="0" err="1" smtClean="0"/>
+              <a:t>std</a:t>
+            </a:r>
+            <a:r>
+              <a:rPr lang="en-US" dirty="0" smtClean="0"/>
+              <a:t>::sort</a:t>
+            </a:r>
+            <a:endParaRPr lang="ru-RU" dirty="0"/>
+          </a:p>
+        </p:txBody>
+      </p:sp>
+      <p:sp>
+        <p:nvSpPr>
+          <p:cNvPr id="6" name="Прямоугольник 5"/>
+          <p:cNvSpPr/>
+          <p:nvPr/>
+        </p:nvSpPr>
+        <p:spPr>
+          <a:xfrm>
+            <a:off x="238969" y="1556792"/>
+            <a:ext cx="8640960" cy="5189113"/>
+          </a:xfrm>
+          <a:prstGeom prst="rect">
+            <a:avLst/>
+          </a:prstGeom>
+        </p:spPr>
+        <p:txBody>
+          <a:bodyPr wrap="square">
+            <a:spAutoFit/>
+          </a:bodyPr>
+          <a:lstStyle/>
+          <a:p>
+            <a:pPr defTabSz="266700">
+              <a:lnSpc>
+                <a:spcPct val="115000"/>
+              </a:lnSpc>
+              <a:spcAft>
+                <a:spcPts val="0"/>
+              </a:spcAft>
+            </a:pPr>
+            <a:r>
+              <a:rPr lang="en-US" dirty="0">
+                <a:solidFill>
+                  <a:srgbClr val="0000FF"/>
+                </a:solidFill>
+                <a:latin typeface="Consolas"/>
+                <a:ea typeface="Calibri"/>
+                <a:cs typeface="Times New Roman"/>
+              </a:rPr>
+              <a:t>#include</a:t>
+            </a:r>
+            <a:r>
+              <a:rPr lang="en-US" dirty="0">
+                <a:solidFill>
+                  <a:srgbClr val="000000"/>
+                </a:solidFill>
+                <a:latin typeface="Consolas"/>
+                <a:ea typeface="Calibri"/>
+                <a:cs typeface="Times New Roman"/>
+              </a:rPr>
+              <a:t> </a:t>
+            </a:r>
+            <a:r>
+              <a:rPr lang="en-US" dirty="0">
+                <a:solidFill>
+                  <a:srgbClr val="A31515"/>
+                </a:solidFill>
+                <a:latin typeface="Consolas"/>
+                <a:ea typeface="Calibri"/>
+                <a:cs typeface="Times New Roman"/>
+              </a:rPr>
+              <a:t>&lt;algorithm&gt;</a:t>
+            </a:r>
+            <a:endParaRPr lang="ru-RU" sz="2400" dirty="0">
+              <a:ea typeface="Calibri"/>
+              <a:cs typeface="Times New Roman"/>
+            </a:endParaRPr>
+          </a:p>
+          <a:p>
+            <a:pPr defTabSz="266700">
+              <a:lnSpc>
+                <a:spcPct val="115000"/>
+              </a:lnSpc>
+              <a:spcAft>
+                <a:spcPts val="0"/>
+              </a:spcAft>
+            </a:pPr>
+            <a:r>
+              <a:rPr lang="en-US" dirty="0">
+                <a:solidFill>
+                  <a:srgbClr val="0000FF"/>
+                </a:solidFill>
+                <a:latin typeface="Consolas"/>
+                <a:ea typeface="Calibri"/>
+                <a:cs typeface="Times New Roman"/>
+              </a:rPr>
+              <a:t>#include</a:t>
+            </a:r>
+            <a:r>
+              <a:rPr lang="en-US" dirty="0">
+                <a:solidFill>
+                  <a:srgbClr val="000000"/>
+                </a:solidFill>
+                <a:latin typeface="Consolas"/>
+                <a:ea typeface="Calibri"/>
+                <a:cs typeface="Times New Roman"/>
+              </a:rPr>
+              <a:t> </a:t>
+            </a:r>
+            <a:r>
+              <a:rPr lang="en-US" dirty="0">
+                <a:solidFill>
+                  <a:srgbClr val="A31515"/>
+                </a:solidFill>
+                <a:latin typeface="Consolas"/>
+                <a:ea typeface="Calibri"/>
+                <a:cs typeface="Times New Roman"/>
+              </a:rPr>
+              <a:t>&lt;functional&gt;</a:t>
+            </a:r>
+            <a:endParaRPr lang="ru-RU" sz="2400" dirty="0">
+              <a:ea typeface="Calibri"/>
+              <a:cs typeface="Times New Roman"/>
+            </a:endParaRPr>
+          </a:p>
+          <a:p>
+            <a:pPr defTabSz="266700">
+              <a:lnSpc>
+                <a:spcPct val="115000"/>
+              </a:lnSpc>
+              <a:spcAft>
+                <a:spcPts val="0"/>
+              </a:spcAft>
+            </a:pPr>
+            <a:r>
+              <a:rPr lang="en-US" dirty="0">
+                <a:solidFill>
+                  <a:srgbClr val="000000"/>
+                </a:solidFill>
+                <a:latin typeface="Consolas"/>
+                <a:ea typeface="Calibri"/>
+                <a:cs typeface="Times New Roman"/>
+              </a:rPr>
+              <a:t> </a:t>
+            </a:r>
+            <a:endParaRPr lang="ru-RU" sz="2400" dirty="0">
+              <a:ea typeface="Calibri"/>
+              <a:cs typeface="Times New Roman"/>
+            </a:endParaRPr>
+          </a:p>
+          <a:p>
+            <a:pPr defTabSz="266700">
+              <a:lnSpc>
+                <a:spcPct val="115000"/>
+              </a:lnSpc>
+              <a:spcAft>
+                <a:spcPts val="0"/>
+              </a:spcAft>
+            </a:pPr>
+            <a:r>
+              <a:rPr lang="en-US" dirty="0">
+                <a:solidFill>
+                  <a:srgbClr val="0000FF"/>
+                </a:solidFill>
+                <a:latin typeface="Consolas"/>
+                <a:ea typeface="Calibri"/>
+                <a:cs typeface="Times New Roman"/>
+              </a:rPr>
+              <a:t>using</a:t>
+            </a:r>
+            <a:r>
+              <a:rPr lang="en-US" dirty="0">
+                <a:solidFill>
+                  <a:srgbClr val="000000"/>
+                </a:solidFill>
+                <a:latin typeface="Consolas"/>
+                <a:ea typeface="Calibri"/>
+                <a:cs typeface="Times New Roman"/>
+              </a:rPr>
+              <a:t> </a:t>
+            </a:r>
+            <a:r>
+              <a:rPr lang="en-US" dirty="0">
+                <a:solidFill>
+                  <a:srgbClr val="0000FF"/>
+                </a:solidFill>
+                <a:latin typeface="Consolas"/>
+                <a:ea typeface="Calibri"/>
+                <a:cs typeface="Times New Roman"/>
+              </a:rPr>
+              <a:t>namespace</a:t>
+            </a:r>
+            <a:r>
+              <a:rPr lang="en-US" dirty="0">
+                <a:solidFill>
+                  <a:srgbClr val="000000"/>
+                </a:solidFill>
+                <a:latin typeface="Consolas"/>
+                <a:ea typeface="Calibri"/>
+                <a:cs typeface="Times New Roman"/>
+              </a:rPr>
+              <a:t> </a:t>
+            </a:r>
+            <a:r>
+              <a:rPr lang="en-US" dirty="0" err="1">
+                <a:solidFill>
+                  <a:srgbClr val="000000"/>
+                </a:solidFill>
+                <a:latin typeface="Consolas"/>
+                <a:ea typeface="Calibri"/>
+                <a:cs typeface="Times New Roman"/>
+              </a:rPr>
+              <a:t>std</a:t>
+            </a:r>
+            <a:r>
+              <a:rPr lang="en-US" dirty="0" smtClean="0">
+                <a:solidFill>
+                  <a:srgbClr val="000000"/>
+                </a:solidFill>
+                <a:latin typeface="Consolas"/>
+                <a:ea typeface="Calibri"/>
+                <a:cs typeface="Times New Roman"/>
+              </a:rPr>
+              <a:t>;</a:t>
+            </a:r>
+            <a:endParaRPr lang="ru-RU" sz="2400" dirty="0">
+              <a:ea typeface="Calibri"/>
+              <a:cs typeface="Times New Roman"/>
+            </a:endParaRPr>
+          </a:p>
+          <a:p>
+            <a:pPr defTabSz="266700">
+              <a:lnSpc>
+                <a:spcPct val="115000"/>
+              </a:lnSpc>
+              <a:spcAft>
+                <a:spcPts val="0"/>
+              </a:spcAft>
+            </a:pPr>
+            <a:r>
+              <a:rPr lang="en-US" dirty="0">
+                <a:solidFill>
+                  <a:srgbClr val="0000FF"/>
+                </a:solidFill>
+                <a:latin typeface="Consolas"/>
+                <a:ea typeface="Calibri"/>
+                <a:cs typeface="Times New Roman"/>
+              </a:rPr>
+              <a:t>void</a:t>
+            </a:r>
+            <a:r>
+              <a:rPr lang="en-US" dirty="0">
+                <a:solidFill>
+                  <a:srgbClr val="000000"/>
+                </a:solidFill>
+                <a:latin typeface="Consolas"/>
+                <a:ea typeface="Calibri"/>
+                <a:cs typeface="Times New Roman"/>
+              </a:rPr>
+              <a:t> main()</a:t>
+            </a:r>
+            <a:endParaRPr lang="ru-RU" sz="2400" dirty="0">
+              <a:ea typeface="Calibri"/>
+              <a:cs typeface="Times New Roman"/>
+            </a:endParaRPr>
+          </a:p>
+          <a:p>
+            <a:pPr defTabSz="266700">
+              <a:lnSpc>
+                <a:spcPct val="115000"/>
+              </a:lnSpc>
+              <a:spcAft>
+                <a:spcPts val="0"/>
+              </a:spcAft>
+            </a:pPr>
+            <a:r>
+              <a:rPr lang="en-US" dirty="0">
+                <a:solidFill>
+                  <a:srgbClr val="000000"/>
+                </a:solidFill>
+                <a:latin typeface="Consolas"/>
+                <a:ea typeface="Calibri"/>
+                <a:cs typeface="Times New Roman"/>
+              </a:rPr>
+              <a:t>{</a:t>
+            </a:r>
+            <a:endParaRPr lang="ru-RU" sz="2400" dirty="0">
+              <a:ea typeface="Calibri"/>
+              <a:cs typeface="Times New Roman"/>
+            </a:endParaRPr>
+          </a:p>
+          <a:p>
+            <a:pPr defTabSz="266700">
+              <a:lnSpc>
+                <a:spcPct val="115000"/>
+              </a:lnSpc>
+              <a:spcAft>
+                <a:spcPts val="0"/>
+              </a:spcAft>
+            </a:pPr>
+            <a:r>
+              <a:rPr lang="en-US" dirty="0">
+                <a:solidFill>
+                  <a:srgbClr val="000000"/>
+                </a:solidFill>
+                <a:latin typeface="Consolas"/>
+                <a:ea typeface="Calibri"/>
+                <a:cs typeface="Times New Roman"/>
+              </a:rPr>
+              <a:t>	</a:t>
+            </a:r>
+            <a:r>
+              <a:rPr lang="en-US" dirty="0" err="1">
+                <a:solidFill>
+                  <a:srgbClr val="0000FF"/>
+                </a:solidFill>
+                <a:latin typeface="Consolas"/>
+                <a:ea typeface="Calibri"/>
+                <a:cs typeface="Times New Roman"/>
+              </a:rPr>
+              <a:t>int</a:t>
+            </a:r>
+            <a:r>
+              <a:rPr lang="en-US" dirty="0">
+                <a:solidFill>
+                  <a:srgbClr val="000000"/>
+                </a:solidFill>
+                <a:latin typeface="Consolas"/>
+                <a:ea typeface="Calibri"/>
+                <a:cs typeface="Times New Roman"/>
+              </a:rPr>
+              <a:t> numbers[] = {6, 3, 2, 1, 3, 4};</a:t>
+            </a:r>
+            <a:endParaRPr lang="ru-RU" sz="2400" dirty="0">
+              <a:ea typeface="Calibri"/>
+              <a:cs typeface="Times New Roman"/>
+            </a:endParaRPr>
+          </a:p>
+          <a:p>
+            <a:pPr defTabSz="266700">
+              <a:lnSpc>
+                <a:spcPct val="115000"/>
+              </a:lnSpc>
+              <a:spcAft>
+                <a:spcPts val="0"/>
+              </a:spcAft>
+            </a:pPr>
+            <a:r>
+              <a:rPr lang="en-US" dirty="0">
+                <a:solidFill>
+                  <a:srgbClr val="000000"/>
+                </a:solidFill>
+                <a:latin typeface="Consolas"/>
+                <a:ea typeface="Calibri"/>
+                <a:cs typeface="Times New Roman"/>
+              </a:rPr>
+              <a:t>	sort(begin(numbers), end(numbers), </a:t>
+            </a:r>
+            <a:endParaRPr lang="en-US" dirty="0" smtClean="0">
+              <a:solidFill>
+                <a:srgbClr val="000000"/>
+              </a:solidFill>
+              <a:latin typeface="Consolas"/>
+              <a:ea typeface="Calibri"/>
+              <a:cs typeface="Times New Roman"/>
+            </a:endParaRPr>
+          </a:p>
+          <a:p>
+            <a:pPr defTabSz="266700">
+              <a:lnSpc>
+                <a:spcPct val="115000"/>
+              </a:lnSpc>
+              <a:spcAft>
+                <a:spcPts val="0"/>
+              </a:spcAft>
+            </a:pPr>
+            <a:r>
+              <a:rPr lang="en-US" dirty="0">
+                <a:solidFill>
+                  <a:srgbClr val="000000"/>
+                </a:solidFill>
+                <a:latin typeface="Consolas"/>
+                <a:ea typeface="Calibri"/>
+                <a:cs typeface="Times New Roman"/>
+              </a:rPr>
+              <a:t>	</a:t>
+            </a:r>
+            <a:r>
+              <a:rPr lang="en-US" dirty="0" smtClean="0">
+                <a:solidFill>
+                  <a:srgbClr val="000000"/>
+                </a:solidFill>
+                <a:latin typeface="Consolas"/>
+                <a:ea typeface="Calibri"/>
+                <a:cs typeface="Times New Roman"/>
+              </a:rPr>
+              <a:t>		[](</a:t>
+            </a:r>
+            <a:r>
+              <a:rPr lang="en-US" dirty="0" err="1">
+                <a:solidFill>
+                  <a:srgbClr val="0000FF"/>
+                </a:solidFill>
+                <a:latin typeface="Consolas"/>
+                <a:ea typeface="Calibri"/>
+                <a:cs typeface="Times New Roman"/>
+              </a:rPr>
+              <a:t>int</a:t>
+            </a:r>
+            <a:r>
+              <a:rPr lang="en-US" dirty="0">
+                <a:solidFill>
+                  <a:srgbClr val="000000"/>
+                </a:solidFill>
+                <a:latin typeface="Consolas"/>
+                <a:ea typeface="Calibri"/>
+                <a:cs typeface="Times New Roman"/>
+              </a:rPr>
+              <a:t> </a:t>
+            </a:r>
+            <a:r>
+              <a:rPr lang="en-US" dirty="0">
+                <a:solidFill>
+                  <a:srgbClr val="808080"/>
+                </a:solidFill>
+                <a:latin typeface="Consolas"/>
+                <a:ea typeface="Calibri"/>
+                <a:cs typeface="Times New Roman"/>
+              </a:rPr>
+              <a:t>x</a:t>
+            </a:r>
+            <a:r>
+              <a:rPr lang="en-US" dirty="0">
+                <a:solidFill>
+                  <a:srgbClr val="000000"/>
+                </a:solidFill>
+                <a:latin typeface="Consolas"/>
+                <a:ea typeface="Calibri"/>
+                <a:cs typeface="Times New Roman"/>
+              </a:rPr>
+              <a:t>, </a:t>
+            </a:r>
+            <a:r>
+              <a:rPr lang="en-US" dirty="0" err="1">
+                <a:solidFill>
+                  <a:srgbClr val="0000FF"/>
+                </a:solidFill>
+                <a:latin typeface="Consolas"/>
+                <a:ea typeface="Calibri"/>
+                <a:cs typeface="Times New Roman"/>
+              </a:rPr>
+              <a:t>int</a:t>
+            </a:r>
+            <a:r>
+              <a:rPr lang="en-US" dirty="0">
+                <a:solidFill>
+                  <a:srgbClr val="000000"/>
+                </a:solidFill>
+                <a:latin typeface="Consolas"/>
+                <a:ea typeface="Calibri"/>
+                <a:cs typeface="Times New Roman"/>
+              </a:rPr>
+              <a:t> </a:t>
+            </a:r>
+            <a:r>
+              <a:rPr lang="en-US" dirty="0">
+                <a:solidFill>
+                  <a:srgbClr val="808080"/>
+                </a:solidFill>
+                <a:latin typeface="Consolas"/>
+                <a:ea typeface="Calibri"/>
+                <a:cs typeface="Times New Roman"/>
+              </a:rPr>
+              <a:t>y</a:t>
+            </a:r>
+            <a:r>
+              <a:rPr lang="en-US" dirty="0">
+                <a:solidFill>
+                  <a:srgbClr val="000000"/>
+                </a:solidFill>
+                <a:latin typeface="Consolas"/>
+                <a:ea typeface="Calibri"/>
+                <a:cs typeface="Times New Roman"/>
+              </a:rPr>
+              <a:t>) { </a:t>
+            </a:r>
+            <a:r>
+              <a:rPr lang="en-US" dirty="0">
+                <a:solidFill>
+                  <a:srgbClr val="0000FF"/>
+                </a:solidFill>
+                <a:latin typeface="Consolas"/>
+                <a:ea typeface="Calibri"/>
+                <a:cs typeface="Times New Roman"/>
+              </a:rPr>
+              <a:t>return</a:t>
+            </a:r>
+            <a:r>
+              <a:rPr lang="en-US" dirty="0">
+                <a:solidFill>
+                  <a:srgbClr val="000000"/>
+                </a:solidFill>
+                <a:latin typeface="Consolas"/>
+                <a:ea typeface="Calibri"/>
+                <a:cs typeface="Times New Roman"/>
+              </a:rPr>
+              <a:t> </a:t>
+            </a:r>
+            <a:r>
+              <a:rPr lang="en-US" dirty="0">
+                <a:solidFill>
+                  <a:srgbClr val="808080"/>
+                </a:solidFill>
+                <a:latin typeface="Consolas"/>
+                <a:ea typeface="Calibri"/>
+                <a:cs typeface="Times New Roman"/>
+              </a:rPr>
+              <a:t>x</a:t>
+            </a:r>
+            <a:r>
+              <a:rPr lang="en-US" dirty="0">
+                <a:solidFill>
+                  <a:srgbClr val="000000"/>
+                </a:solidFill>
+                <a:latin typeface="Consolas"/>
+                <a:ea typeface="Calibri"/>
+                <a:cs typeface="Times New Roman"/>
+              </a:rPr>
+              <a:t> &lt; </a:t>
+            </a:r>
+            <a:r>
+              <a:rPr lang="en-US" dirty="0">
+                <a:solidFill>
+                  <a:srgbClr val="808080"/>
+                </a:solidFill>
+                <a:latin typeface="Consolas"/>
+                <a:ea typeface="Calibri"/>
+                <a:cs typeface="Times New Roman"/>
+              </a:rPr>
+              <a:t>y</a:t>
+            </a:r>
+            <a:r>
+              <a:rPr lang="en-US" dirty="0">
+                <a:solidFill>
+                  <a:srgbClr val="000000"/>
+                </a:solidFill>
+                <a:latin typeface="Consolas"/>
+                <a:ea typeface="Calibri"/>
+                <a:cs typeface="Times New Roman"/>
+              </a:rPr>
+              <a:t>; });</a:t>
+            </a:r>
+            <a:endParaRPr lang="ru-RU" sz="2400" dirty="0">
+              <a:ea typeface="Calibri"/>
+              <a:cs typeface="Times New Roman"/>
+            </a:endParaRPr>
+          </a:p>
+          <a:p>
+            <a:pPr defTabSz="266700">
+              <a:lnSpc>
+                <a:spcPct val="115000"/>
+              </a:lnSpc>
+              <a:spcAft>
+                <a:spcPts val="0"/>
+              </a:spcAft>
+            </a:pPr>
+            <a:r>
+              <a:rPr lang="en-US" dirty="0">
+                <a:solidFill>
+                  <a:srgbClr val="000000"/>
+                </a:solidFill>
+                <a:latin typeface="Consolas"/>
+                <a:ea typeface="Calibri"/>
+                <a:cs typeface="Times New Roman"/>
+              </a:rPr>
+              <a:t>	</a:t>
+            </a:r>
+            <a:endParaRPr lang="ru-RU" sz="2400" dirty="0">
+              <a:ea typeface="Calibri"/>
+              <a:cs typeface="Times New Roman"/>
+            </a:endParaRPr>
+          </a:p>
+          <a:p>
+            <a:pPr defTabSz="266700">
+              <a:lnSpc>
+                <a:spcPct val="115000"/>
+              </a:lnSpc>
+              <a:spcAft>
+                <a:spcPts val="0"/>
+              </a:spcAft>
+            </a:pPr>
+            <a:r>
+              <a:rPr lang="en-US" dirty="0">
+                <a:solidFill>
+                  <a:srgbClr val="000000"/>
+                </a:solidFill>
+                <a:latin typeface="Consolas"/>
+                <a:ea typeface="Calibri"/>
+                <a:cs typeface="Times New Roman"/>
+              </a:rPr>
+              <a:t>	sort(begin(numbers), end(numbers), </a:t>
+            </a:r>
+            <a:r>
+              <a:rPr lang="en-US" dirty="0">
+                <a:solidFill>
+                  <a:srgbClr val="2B91AF"/>
+                </a:solidFill>
+                <a:latin typeface="Consolas"/>
+                <a:ea typeface="Calibri"/>
+                <a:cs typeface="Times New Roman"/>
+              </a:rPr>
+              <a:t>less</a:t>
+            </a:r>
+            <a:r>
+              <a:rPr lang="en-US" dirty="0">
+                <a:solidFill>
+                  <a:srgbClr val="000000"/>
+                </a:solidFill>
+                <a:latin typeface="Consolas"/>
+                <a:ea typeface="Calibri"/>
+                <a:cs typeface="Times New Roman"/>
+              </a:rPr>
+              <a:t>&lt;</a:t>
+            </a:r>
+            <a:r>
+              <a:rPr lang="en-US" dirty="0" err="1">
+                <a:solidFill>
+                  <a:srgbClr val="0000FF"/>
+                </a:solidFill>
+                <a:latin typeface="Consolas"/>
+                <a:ea typeface="Calibri"/>
+                <a:cs typeface="Times New Roman"/>
+              </a:rPr>
+              <a:t>int</a:t>
+            </a:r>
+            <a:r>
+              <a:rPr lang="en-US" dirty="0">
+                <a:solidFill>
+                  <a:srgbClr val="000000"/>
+                </a:solidFill>
+                <a:latin typeface="Consolas"/>
+                <a:ea typeface="Calibri"/>
+                <a:cs typeface="Times New Roman"/>
+              </a:rPr>
+              <a:t>&gt;());</a:t>
+            </a:r>
+            <a:endParaRPr lang="ru-RU" sz="2400" dirty="0">
+              <a:ea typeface="Calibri"/>
+              <a:cs typeface="Times New Roman"/>
+            </a:endParaRPr>
+          </a:p>
+          <a:p>
+            <a:pPr defTabSz="266700">
+              <a:lnSpc>
+                <a:spcPct val="115000"/>
+              </a:lnSpc>
+              <a:spcAft>
+                <a:spcPts val="0"/>
+              </a:spcAft>
+            </a:pPr>
+            <a:r>
+              <a:rPr lang="en-US" dirty="0">
+                <a:solidFill>
+                  <a:srgbClr val="000000"/>
+                </a:solidFill>
+                <a:latin typeface="Consolas"/>
+                <a:ea typeface="Calibri"/>
+                <a:cs typeface="Times New Roman"/>
+              </a:rPr>
+              <a:t> </a:t>
+            </a:r>
+            <a:endParaRPr lang="ru-RU" sz="2400" dirty="0">
+              <a:ea typeface="Calibri"/>
+              <a:cs typeface="Times New Roman"/>
+            </a:endParaRPr>
+          </a:p>
+          <a:p>
+            <a:pPr defTabSz="266700">
+              <a:lnSpc>
+                <a:spcPct val="115000"/>
+              </a:lnSpc>
+              <a:spcAft>
+                <a:spcPts val="0"/>
+              </a:spcAft>
+            </a:pPr>
+            <a:r>
+              <a:rPr lang="en-US" dirty="0">
+                <a:solidFill>
+                  <a:srgbClr val="000000"/>
+                </a:solidFill>
+                <a:latin typeface="Consolas"/>
+                <a:ea typeface="Calibri"/>
+                <a:cs typeface="Times New Roman"/>
+              </a:rPr>
+              <a:t>	</a:t>
+            </a:r>
+            <a:r>
+              <a:rPr lang="en-US" dirty="0">
+                <a:solidFill>
+                  <a:srgbClr val="2B91AF"/>
+                </a:solidFill>
+                <a:latin typeface="Consolas"/>
+                <a:ea typeface="Calibri"/>
+                <a:cs typeface="Times New Roman"/>
+              </a:rPr>
+              <a:t>function</a:t>
+            </a:r>
+            <a:r>
+              <a:rPr lang="en-US" dirty="0">
+                <a:solidFill>
+                  <a:srgbClr val="000000"/>
+                </a:solidFill>
+                <a:latin typeface="Consolas"/>
+                <a:ea typeface="Calibri"/>
+                <a:cs typeface="Times New Roman"/>
+              </a:rPr>
+              <a:t>&lt;</a:t>
+            </a:r>
+            <a:r>
+              <a:rPr lang="en-US" dirty="0">
+                <a:solidFill>
+                  <a:srgbClr val="0000FF"/>
+                </a:solidFill>
+                <a:latin typeface="Consolas"/>
+                <a:ea typeface="Calibri"/>
+                <a:cs typeface="Times New Roman"/>
+              </a:rPr>
+              <a:t>bool</a:t>
+            </a:r>
+            <a:r>
+              <a:rPr lang="en-US" dirty="0">
+                <a:solidFill>
+                  <a:srgbClr val="000000"/>
+                </a:solidFill>
+                <a:latin typeface="Consolas"/>
+                <a:ea typeface="Calibri"/>
+                <a:cs typeface="Times New Roman"/>
+              </a:rPr>
+              <a:t>(</a:t>
+            </a:r>
+            <a:r>
+              <a:rPr lang="en-US" dirty="0" err="1">
+                <a:solidFill>
+                  <a:srgbClr val="0000FF"/>
+                </a:solidFill>
+                <a:latin typeface="Consolas"/>
+                <a:ea typeface="Calibri"/>
+                <a:cs typeface="Times New Roman"/>
+              </a:rPr>
+              <a:t>int</a:t>
+            </a:r>
+            <a:r>
+              <a:rPr lang="en-US" dirty="0">
+                <a:solidFill>
+                  <a:srgbClr val="000000"/>
+                </a:solidFill>
+                <a:latin typeface="Consolas"/>
+                <a:ea typeface="Calibri"/>
+                <a:cs typeface="Times New Roman"/>
+              </a:rPr>
+              <a:t>, </a:t>
+            </a:r>
+            <a:r>
+              <a:rPr lang="en-US" dirty="0" err="1">
+                <a:solidFill>
+                  <a:srgbClr val="0000FF"/>
+                </a:solidFill>
+                <a:latin typeface="Consolas"/>
+                <a:ea typeface="Calibri"/>
+                <a:cs typeface="Times New Roman"/>
+              </a:rPr>
+              <a:t>int</a:t>
+            </a:r>
+            <a:r>
+              <a:rPr lang="en-US" dirty="0">
+                <a:solidFill>
+                  <a:srgbClr val="000000"/>
+                </a:solidFill>
+                <a:latin typeface="Consolas"/>
+                <a:ea typeface="Calibri"/>
+                <a:cs typeface="Times New Roman"/>
+              </a:rPr>
+              <a:t>)&gt; compare = </a:t>
+            </a:r>
+            <a:endParaRPr lang="en-US" dirty="0" smtClean="0">
+              <a:solidFill>
+                <a:srgbClr val="000000"/>
+              </a:solidFill>
+              <a:latin typeface="Consolas"/>
+              <a:ea typeface="Calibri"/>
+              <a:cs typeface="Times New Roman"/>
+            </a:endParaRPr>
+          </a:p>
+          <a:p>
+            <a:pPr defTabSz="266700">
+              <a:lnSpc>
+                <a:spcPct val="115000"/>
+              </a:lnSpc>
+              <a:spcAft>
+                <a:spcPts val="0"/>
+              </a:spcAft>
+            </a:pPr>
+            <a:r>
+              <a:rPr lang="en-US" dirty="0">
+                <a:solidFill>
+                  <a:srgbClr val="000000"/>
+                </a:solidFill>
+                <a:latin typeface="Consolas"/>
+                <a:ea typeface="Calibri"/>
+                <a:cs typeface="Times New Roman"/>
+              </a:rPr>
+              <a:t>	</a:t>
+            </a:r>
+            <a:r>
+              <a:rPr lang="en-US" dirty="0" smtClean="0">
+                <a:solidFill>
+                  <a:srgbClr val="000000"/>
+                </a:solidFill>
+                <a:latin typeface="Consolas"/>
+                <a:ea typeface="Calibri"/>
+                <a:cs typeface="Times New Roman"/>
+              </a:rPr>
+              <a:t>	[](</a:t>
+            </a:r>
+            <a:r>
+              <a:rPr lang="en-US" dirty="0" err="1">
+                <a:solidFill>
+                  <a:srgbClr val="0000FF"/>
+                </a:solidFill>
+                <a:latin typeface="Consolas"/>
+                <a:ea typeface="Calibri"/>
+                <a:cs typeface="Times New Roman"/>
+              </a:rPr>
+              <a:t>int</a:t>
+            </a:r>
+            <a:r>
+              <a:rPr lang="en-US" dirty="0">
+                <a:solidFill>
+                  <a:srgbClr val="000000"/>
+                </a:solidFill>
+                <a:latin typeface="Consolas"/>
+                <a:ea typeface="Calibri"/>
+                <a:cs typeface="Times New Roman"/>
+              </a:rPr>
+              <a:t> </a:t>
+            </a:r>
+            <a:r>
+              <a:rPr lang="en-US" dirty="0">
+                <a:solidFill>
+                  <a:srgbClr val="808080"/>
+                </a:solidFill>
+                <a:latin typeface="Consolas"/>
+                <a:ea typeface="Calibri"/>
+                <a:cs typeface="Times New Roman"/>
+              </a:rPr>
+              <a:t>x</a:t>
+            </a:r>
+            <a:r>
+              <a:rPr lang="en-US" dirty="0">
+                <a:solidFill>
+                  <a:srgbClr val="000000"/>
+                </a:solidFill>
+                <a:latin typeface="Consolas"/>
+                <a:ea typeface="Calibri"/>
+                <a:cs typeface="Times New Roman"/>
+              </a:rPr>
+              <a:t>, </a:t>
+            </a:r>
+            <a:r>
+              <a:rPr lang="en-US" dirty="0" err="1">
+                <a:solidFill>
+                  <a:srgbClr val="0000FF"/>
+                </a:solidFill>
+                <a:latin typeface="Consolas"/>
+                <a:ea typeface="Calibri"/>
+                <a:cs typeface="Times New Roman"/>
+              </a:rPr>
+              <a:t>int</a:t>
+            </a:r>
+            <a:r>
+              <a:rPr lang="en-US" dirty="0">
+                <a:solidFill>
+                  <a:srgbClr val="000000"/>
+                </a:solidFill>
+                <a:latin typeface="Consolas"/>
+                <a:ea typeface="Calibri"/>
+                <a:cs typeface="Times New Roman"/>
+              </a:rPr>
+              <a:t> </a:t>
+            </a:r>
+            <a:r>
+              <a:rPr lang="en-US" dirty="0">
+                <a:solidFill>
+                  <a:srgbClr val="808080"/>
+                </a:solidFill>
+                <a:latin typeface="Consolas"/>
+                <a:ea typeface="Calibri"/>
+                <a:cs typeface="Times New Roman"/>
+              </a:rPr>
+              <a:t>y</a:t>
+            </a:r>
+            <a:r>
+              <a:rPr lang="en-US" dirty="0">
+                <a:solidFill>
+                  <a:srgbClr val="000000"/>
+                </a:solidFill>
+                <a:latin typeface="Consolas"/>
+                <a:ea typeface="Calibri"/>
+                <a:cs typeface="Times New Roman"/>
+              </a:rPr>
+              <a:t>) { </a:t>
+            </a:r>
+            <a:r>
+              <a:rPr lang="en-US" dirty="0" smtClean="0">
+                <a:solidFill>
+                  <a:srgbClr val="0000FF"/>
+                </a:solidFill>
+                <a:latin typeface="Consolas"/>
+                <a:ea typeface="Calibri"/>
+                <a:cs typeface="Times New Roman"/>
+              </a:rPr>
+              <a:t>return</a:t>
+            </a:r>
+            <a:r>
+              <a:rPr lang="en-US" dirty="0" smtClean="0">
+                <a:solidFill>
+                  <a:srgbClr val="000000"/>
+                </a:solidFill>
+                <a:latin typeface="Consolas"/>
+                <a:ea typeface="Calibri"/>
+                <a:cs typeface="Times New Roman"/>
+              </a:rPr>
+              <a:t> </a:t>
+            </a:r>
+            <a:r>
+              <a:rPr lang="en-US" dirty="0">
+                <a:solidFill>
+                  <a:srgbClr val="808080"/>
+                </a:solidFill>
+                <a:latin typeface="Consolas"/>
+                <a:ea typeface="Calibri"/>
+                <a:cs typeface="Times New Roman"/>
+              </a:rPr>
+              <a:t>x</a:t>
+            </a:r>
+            <a:r>
+              <a:rPr lang="en-US" dirty="0">
+                <a:solidFill>
+                  <a:srgbClr val="000000"/>
+                </a:solidFill>
+                <a:latin typeface="Consolas"/>
+                <a:ea typeface="Calibri"/>
+                <a:cs typeface="Times New Roman"/>
+              </a:rPr>
+              <a:t> &lt; </a:t>
+            </a:r>
+            <a:r>
+              <a:rPr lang="en-US" dirty="0">
+                <a:solidFill>
+                  <a:srgbClr val="808080"/>
+                </a:solidFill>
+                <a:latin typeface="Consolas"/>
+                <a:ea typeface="Calibri"/>
+                <a:cs typeface="Times New Roman"/>
+              </a:rPr>
+              <a:t>y</a:t>
+            </a:r>
+            <a:r>
+              <a:rPr lang="en-US" dirty="0">
+                <a:solidFill>
+                  <a:srgbClr val="000000"/>
+                </a:solidFill>
+                <a:latin typeface="Consolas"/>
+                <a:ea typeface="Calibri"/>
+                <a:cs typeface="Times New Roman"/>
+              </a:rPr>
+              <a:t>; };</a:t>
+            </a:r>
+            <a:endParaRPr lang="ru-RU" sz="2400" dirty="0">
+              <a:ea typeface="Calibri"/>
+              <a:cs typeface="Times New Roman"/>
+            </a:endParaRPr>
+          </a:p>
+          <a:p>
+            <a:pPr defTabSz="266700">
+              <a:lnSpc>
+                <a:spcPct val="115000"/>
+              </a:lnSpc>
+              <a:spcAft>
+                <a:spcPts val="0"/>
+              </a:spcAft>
+            </a:pPr>
+            <a:r>
+              <a:rPr lang="en-US" dirty="0">
+                <a:solidFill>
+                  <a:srgbClr val="000000"/>
+                </a:solidFill>
+                <a:latin typeface="Consolas"/>
+                <a:ea typeface="Calibri"/>
+                <a:cs typeface="Times New Roman"/>
+              </a:rPr>
+              <a:t>	sort(begin(numbers), end(numbers), compare);</a:t>
+            </a:r>
+            <a:endParaRPr lang="ru-RU" sz="2400" dirty="0">
+              <a:ea typeface="Calibri"/>
+              <a:cs typeface="Times New Roman"/>
+            </a:endParaRPr>
+          </a:p>
+          <a:p>
+            <a:pPr defTabSz="266700">
+              <a:lnSpc>
+                <a:spcPct val="115000"/>
+              </a:lnSpc>
+              <a:spcAft>
+                <a:spcPts val="1000"/>
+              </a:spcAft>
+            </a:pPr>
+            <a:r>
+              <a:rPr lang="ru-RU" dirty="0">
+                <a:solidFill>
+                  <a:srgbClr val="000000"/>
+                </a:solidFill>
+                <a:latin typeface="Consolas"/>
+                <a:ea typeface="Calibri"/>
+                <a:cs typeface="Times New Roman"/>
+              </a:rPr>
+              <a:t>}</a:t>
+            </a:r>
+            <a:endParaRPr lang="ru-RU" sz="2400" dirty="0">
+              <a:ea typeface="Calibri"/>
+              <a:cs typeface="Times New Roman"/>
+            </a:endParaRPr>
+          </a:p>
+        </p:txBody>
+      </p:sp>
+    </p:spTree>
+    <p:extLst>
+      <p:ext uri="{BB962C8B-B14F-4D97-AF65-F5344CB8AC3E}">
+        <p14:creationId xmlns:p14="http://schemas.microsoft.com/office/powerpoint/2010/main" val="1948081101"/>
+      </p:ext>
+    </p:extLst>
+  </p:cSld>
+  <p:clrMapOvr>
+    <a:masterClrMapping/>
+  </p:clrMapOvr>
+  <p:timing>
+    <p:tnLst>
+      <p:par>
+        <p:cTn id="1" dur="indefinite" restart="never" nodeType="tmRoot"/>
+      </p:par>
+    </p:tnLst>
+  </p:timing>
+</p:sld>
+</file>
+
+<file path=ppt/slides/slide33.xml><?xml version="1.0" encoding="utf-8"?>
+<p:sld xmlns:a="http://schemas.openxmlformats.org/drawingml/2006/main" xmlns:r="http://schemas.openxmlformats.org/officeDocument/2006/relationships" xmlns:p="http://schemas.openxmlformats.org/presentationml/2006/main">
+  <p:cSld>
+    <p:spTree>
+      <p:nvGrpSpPr>
+        <p:cNvPr id="1" name=""/>
+        <p:cNvGrpSpPr/>
+        <p:nvPr/>
+      </p:nvGrpSpPr>
+      <p:grpSpPr>
+        <a:xfrm>
+          <a:off x="0" y="0"/>
+          <a:ext cx="0" cy="0"/>
+          <a:chOff x="0" y="0"/>
+          <a:chExt cx="0" cy="0"/>
+        </a:xfrm>
+      </p:grpSpPr>
+      <p:sp>
+        <p:nvSpPr>
           <p:cNvPr id="2" name="Title 1"/>
           <p:cNvSpPr>
             <a:spLocks noGrp="1"/>
@@ -9649,7 +10921,7 @@
 </p:sld>
 </file>
 
-<file path=ppt/slides/slide32.xml><?xml version="1.0" encoding="utf-8"?>
+<file path=ppt/slides/slide34.xml><?xml version="1.0" encoding="utf-8"?>
 <p:sld xmlns:a="http://schemas.openxmlformats.org/drawingml/2006/main" xmlns:r="http://schemas.openxmlformats.org/officeDocument/2006/relationships" xmlns:p="http://schemas.openxmlformats.org/presentationml/2006/main">
   <p:cSld>
     <p:spTree>
@@ -9668,7 +10940,7 @@
       </p:grpSpPr>
       <p:sp>
         <p:nvSpPr>
-          <p:cNvPr id="3" name="Заголовок 2"/>
+          <p:cNvPr id="2" name="Title 1"/>
           <p:cNvSpPr>
             <a:spLocks noGrp="1"/>
           </p:cNvSpPr>
@@ -9678,18 +10950,12 @@
         </p:nvSpPr>
         <p:spPr/>
         <p:txBody>
-          <a:bodyPr>
-            <a:normAutofit fontScale="90000"/>
-          </a:bodyPr>
+          <a:bodyPr/>
           <a:lstStyle/>
           <a:p>
             <a:r>
               <a:rPr lang="ru-RU" dirty="0" smtClean="0"/>
-              <a:t>Альтернативные способы реализации паттерна в </a:t>
-            </a:r>
-            <a:r>
-              <a:rPr lang="en-US" dirty="0" smtClean="0"/>
-              <a:t>C++11</a:t>
+              <a:t>Еще пример</a:t>
             </a:r>
             <a:endParaRPr lang="ru-RU" dirty="0"/>
           </a:p>
@@ -9697,7 +10963,7 @@
       </p:sp>
       <p:sp>
         <p:nvSpPr>
-          <p:cNvPr id="4" name="Объект 3"/>
+          <p:cNvPr id="3" name="Content Placeholder 2"/>
           <p:cNvSpPr>
             <a:spLocks noGrp="1"/>
           </p:cNvSpPr>
@@ -9712,34 +10978,311 @@
           <a:p>
             <a:r>
               <a:rPr lang="ru-RU" dirty="0" smtClean="0"/>
-              <a:t>Использование </a:t>
-            </a:r>
-            <a:r>
-              <a:rPr lang="en-US" dirty="0" err="1" smtClean="0"/>
-              <a:t>std</a:t>
-            </a:r>
-            <a:r>
-              <a:rPr lang="en-US" dirty="0" smtClean="0"/>
-              <a:t>::function </a:t>
-            </a:r>
+              <a:t>Графический редактор, позволяющий использовать различные типы фигур</a:t>
+            </a:r>
+          </a:p>
+          <a:p>
+            <a:pPr lvl="1"/>
             <a:r>
               <a:rPr lang="ru-RU" dirty="0" smtClean="0"/>
-              <a:t>вместо иерархии классов</a:t>
-            </a:r>
-          </a:p>
-          <a:p>
+              <a:t>Прямоугольники, эллипсы и т.п.</a:t>
+            </a:r>
+          </a:p>
+          <a:p>
+            <a:pPr lvl="1"/>
             <a:r>
               <a:rPr lang="ru-RU" dirty="0" smtClean="0"/>
-              <a:t>Шаблоны функций</a:t>
-            </a:r>
+              <a:t>У каждой фигуры есть цвет и прямоугольник, задающий границы</a:t>
+            </a:r>
+          </a:p>
+          <a:p>
             <a:endParaRPr lang="ru-RU" dirty="0"/>
           </a:p>
         </p:txBody>
       </p:sp>
+      <p:grpSp>
+        <p:nvGrpSpPr>
+          <p:cNvPr id="11" name="Group 10"/>
+          <p:cNvGrpSpPr/>
+          <p:nvPr/>
+        </p:nvGrpSpPr>
+        <p:grpSpPr>
+          <a:xfrm>
+            <a:off x="5608114" y="4869160"/>
+            <a:ext cx="2852317" cy="1656184"/>
+            <a:chOff x="3995936" y="3933056"/>
+            <a:chExt cx="4464496" cy="2592288"/>
+          </a:xfrm>
+        </p:grpSpPr>
+        <p:sp>
+          <p:nvSpPr>
+            <p:cNvPr id="4" name="Rectangle 3"/>
+            <p:cNvSpPr/>
+            <p:nvPr/>
+          </p:nvSpPr>
+          <p:spPr>
+            <a:xfrm>
+              <a:off x="3995936" y="3933056"/>
+              <a:ext cx="4464496" cy="2592288"/>
+            </a:xfrm>
+            <a:prstGeom prst="rect">
+              <a:avLst/>
+            </a:prstGeom>
+            <a:noFill/>
+          </p:spPr>
+          <p:style>
+            <a:lnRef idx="2">
+              <a:schemeClr val="accent1">
+                <a:shade val="50000"/>
+              </a:schemeClr>
+            </a:lnRef>
+            <a:fillRef idx="1">
+              <a:schemeClr val="accent1"/>
+            </a:fillRef>
+            <a:effectRef idx="0">
+              <a:schemeClr val="accent1"/>
+            </a:effectRef>
+            <a:fontRef idx="minor">
+              <a:schemeClr val="lt1"/>
+            </a:fontRef>
+          </p:style>
+          <p:txBody>
+            <a:bodyPr rtlCol="0" anchor="ctr"/>
+            <a:lstStyle/>
+            <a:p>
+              <a:pPr algn="ctr"/>
+              <a:endParaRPr lang="ru-RU"/>
+            </a:p>
+          </p:txBody>
+        </p:sp>
+        <p:grpSp>
+          <p:nvGrpSpPr>
+            <p:cNvPr id="10" name="Group 9"/>
+            <p:cNvGrpSpPr/>
+            <p:nvPr/>
+          </p:nvGrpSpPr>
+          <p:grpSpPr>
+            <a:xfrm>
+              <a:off x="5004048" y="4095963"/>
+              <a:ext cx="2772308" cy="2101348"/>
+              <a:chOff x="2339752" y="4314276"/>
+              <a:chExt cx="2772308" cy="2101348"/>
+            </a:xfrm>
+          </p:grpSpPr>
+          <p:sp>
+            <p:nvSpPr>
+              <p:cNvPr id="5" name="Rectangle 4"/>
+              <p:cNvSpPr/>
+              <p:nvPr/>
+            </p:nvSpPr>
+            <p:spPr>
+              <a:xfrm>
+                <a:off x="2663788" y="5460048"/>
+                <a:ext cx="1656184" cy="955576"/>
+              </a:xfrm>
+              <a:prstGeom prst="rect">
+                <a:avLst/>
+              </a:prstGeom>
+              <a:ln>
+                <a:solidFill>
+                  <a:srgbClr val="00B0F0"/>
+                </a:solidFill>
+              </a:ln>
+            </p:spPr>
+            <p:style>
+              <a:lnRef idx="2">
+                <a:schemeClr val="accent1">
+                  <a:shade val="50000"/>
+                </a:schemeClr>
+              </a:lnRef>
+              <a:fillRef idx="1">
+                <a:schemeClr val="accent1"/>
+              </a:fillRef>
+              <a:effectRef idx="0">
+                <a:schemeClr val="accent1"/>
+              </a:effectRef>
+              <a:fontRef idx="minor">
+                <a:schemeClr val="lt1"/>
+              </a:fontRef>
+            </p:style>
+            <p:txBody>
+              <a:bodyPr rtlCol="0" anchor="ctr"/>
+              <a:lstStyle/>
+              <a:p>
+                <a:pPr algn="ctr"/>
+                <a:endParaRPr lang="ru-RU"/>
+              </a:p>
+            </p:txBody>
+          </p:sp>
+          <p:sp>
+            <p:nvSpPr>
+              <p:cNvPr id="6" name="Isosceles Triangle 5"/>
+              <p:cNvSpPr/>
+              <p:nvPr/>
+            </p:nvSpPr>
+            <p:spPr>
+              <a:xfrm>
+                <a:off x="2339752" y="4653136"/>
+                <a:ext cx="2304256" cy="792088"/>
+              </a:xfrm>
+              <a:prstGeom prst="triangle">
+                <a:avLst/>
+              </a:prstGeom>
+              <a:solidFill>
+                <a:srgbClr val="00B0F0"/>
+              </a:solidFill>
+            </p:spPr>
+            <p:style>
+              <a:lnRef idx="2">
+                <a:schemeClr val="accent1">
+                  <a:shade val="50000"/>
+                </a:schemeClr>
+              </a:lnRef>
+              <a:fillRef idx="1">
+                <a:schemeClr val="accent1"/>
+              </a:fillRef>
+              <a:effectRef idx="0">
+                <a:schemeClr val="accent1"/>
+              </a:effectRef>
+              <a:fontRef idx="minor">
+                <a:schemeClr val="lt1"/>
+              </a:fontRef>
+            </p:style>
+            <p:txBody>
+              <a:bodyPr rtlCol="0" anchor="ctr"/>
+              <a:lstStyle/>
+              <a:p>
+                <a:pPr algn="ctr"/>
+                <a:endParaRPr lang="ru-RU"/>
+              </a:p>
+            </p:txBody>
+          </p:sp>
+          <p:sp>
+            <p:nvSpPr>
+              <p:cNvPr id="9" name="Oval 8"/>
+              <p:cNvSpPr/>
+              <p:nvPr/>
+            </p:nvSpPr>
+            <p:spPr>
+              <a:xfrm>
+                <a:off x="4463988" y="4314276"/>
+                <a:ext cx="648072" cy="648072"/>
+              </a:xfrm>
+              <a:prstGeom prst="ellipse">
+                <a:avLst/>
+              </a:prstGeom>
+              <a:solidFill>
+                <a:srgbClr val="FFFF00"/>
+              </a:solidFill>
+            </p:spPr>
+            <p:style>
+              <a:lnRef idx="2">
+                <a:schemeClr val="accent1">
+                  <a:shade val="50000"/>
+                </a:schemeClr>
+              </a:lnRef>
+              <a:fillRef idx="1">
+                <a:schemeClr val="accent1"/>
+              </a:fillRef>
+              <a:effectRef idx="0">
+                <a:schemeClr val="accent1"/>
+              </a:effectRef>
+              <a:fontRef idx="minor">
+                <a:schemeClr val="lt1"/>
+              </a:fontRef>
+            </p:style>
+            <p:txBody>
+              <a:bodyPr rtlCol="0" anchor="ctr"/>
+              <a:lstStyle/>
+              <a:p>
+                <a:pPr algn="ctr"/>
+                <a:endParaRPr lang="ru-RU"/>
+              </a:p>
+            </p:txBody>
+          </p:sp>
+        </p:grpSp>
+      </p:grpSp>
     </p:spTree>
     <p:extLst>
       <p:ext uri="{BB962C8B-B14F-4D97-AF65-F5344CB8AC3E}">
-        <p14:creationId xmlns:p14="http://schemas.microsoft.com/office/powerpoint/2010/main" val="3253108535"/>
+        <p14:creationId xmlns:p14="http://schemas.microsoft.com/office/powerpoint/2010/main" val="335349852"/>
+      </p:ext>
+    </p:extLst>
+  </p:cSld>
+  <p:clrMapOvr>
+    <a:masterClrMapping/>
+  </p:clrMapOvr>
+</p:sld>
+</file>
+
+<file path=ppt/slides/slide35.xml><?xml version="1.0" encoding="utf-8"?>
+<p:sld xmlns:a="http://schemas.openxmlformats.org/drawingml/2006/main" xmlns:r="http://schemas.openxmlformats.org/officeDocument/2006/relationships" xmlns:p="http://schemas.openxmlformats.org/presentationml/2006/main">
+  <p:cSld>
+    <p:spTree>
+      <p:nvGrpSpPr>
+        <p:cNvPr id="1" name=""/>
+        <p:cNvGrpSpPr/>
+        <p:nvPr/>
+      </p:nvGrpSpPr>
+      <p:grpSpPr>
+        <a:xfrm>
+          <a:off x="0" y="0"/>
+          <a:ext cx="0" cy="0"/>
+          <a:chOff x="0" y="0"/>
+          <a:chExt cx="0" cy="0"/>
+        </a:xfrm>
+      </p:grpSpPr>
+      <p:sp>
+        <p:nvSpPr>
+          <p:cNvPr id="4" name="Title 3"/>
+          <p:cNvSpPr>
+            <a:spLocks noGrp="1"/>
+          </p:cNvSpPr>
+          <p:nvPr>
+            <p:ph type="title"/>
+          </p:nvPr>
+        </p:nvSpPr>
+        <p:spPr/>
+        <p:txBody>
+          <a:bodyPr/>
+          <a:lstStyle/>
+          <a:p>
+            <a:r>
+              <a:rPr lang="ru-RU" dirty="0" smtClean="0"/>
+              <a:t>Первоначальная архитектура</a:t>
+            </a:r>
+            <a:endParaRPr lang="ru-RU" dirty="0"/>
+          </a:p>
+        </p:txBody>
+      </p:sp>
+      <p:pic>
+        <p:nvPicPr>
+          <p:cNvPr id="5" name="Picture 4"/>
+          <p:cNvPicPr>
+            <a:picLocks noChangeAspect="1"/>
+          </p:cNvPicPr>
+          <p:nvPr/>
+        </p:nvPicPr>
+        <p:blipFill>
+          <a:blip r:embed="rId2"/>
+          <a:stretch>
+            <a:fillRect/>
+          </a:stretch>
+        </p:blipFill>
+        <p:spPr>
+          <a:xfrm>
+            <a:off x="353833" y="2492896"/>
+            <a:ext cx="8667264" cy="3672408"/>
+          </a:xfrm>
+          <a:prstGeom prst="rect">
+            <a:avLst/>
+          </a:prstGeom>
+        </p:spPr>
+      </p:pic>
+    </p:spTree>
+    <p:extLst>
+      <p:ext uri="{BB962C8B-B14F-4D97-AF65-F5344CB8AC3E}">
+        <p14:creationId xmlns:p14="http://schemas.microsoft.com/office/powerpoint/2010/main" val="3678431597"/>
       </p:ext>
     </p:extLst>
   </p:cSld>
@@ -9756,7 +11299,7 @@
 </p:sld>
 </file>
 
-<file path=ppt/slides/slide33.xml><?xml version="1.0" encoding="utf-8"?>
+<file path=ppt/slides/slide36.xml><?xml version="1.0" encoding="utf-8"?>
 <p:sld xmlns:a="http://schemas.openxmlformats.org/drawingml/2006/main" xmlns:r="http://schemas.openxmlformats.org/officeDocument/2006/relationships" xmlns:p="http://schemas.openxmlformats.org/presentationml/2006/main">
   <p:cSld>
     <p:spTree>
@@ -9775,7 +11318,7 @@
       </p:grpSpPr>
       <p:sp>
         <p:nvSpPr>
-          <p:cNvPr id="4" name="Заголовок 3"/>
+          <p:cNvPr id="3" name="Title 2"/>
           <p:cNvSpPr>
             <a:spLocks noGrp="1"/>
           </p:cNvSpPr>
@@ -9785,26 +11328,269 @@
         </p:nvSpPr>
         <p:spPr/>
         <p:txBody>
-          <a:bodyPr>
-            <a:normAutofit fontScale="90000"/>
-          </a:bodyPr>
+          <a:bodyPr/>
           <a:lstStyle/>
           <a:p>
             <a:r>
               <a:rPr lang="ru-RU" dirty="0" smtClean="0"/>
-              <a:t>Пример: передача стратегии сравнения элементов в</a:t>
+              <a:t>Пришли новые требования</a:t>
+            </a:r>
+            <a:endParaRPr lang="ru-RU" dirty="0"/>
+          </a:p>
+        </p:txBody>
+      </p:sp>
+      <p:sp>
+        <p:nvSpPr>
+          <p:cNvPr id="4" name="Content Placeholder 3"/>
+          <p:cNvSpPr>
+            <a:spLocks noGrp="1"/>
+          </p:cNvSpPr>
+          <p:nvPr>
+            <p:ph idx="1"/>
+          </p:nvPr>
+        </p:nvSpPr>
+        <p:spPr/>
+        <p:txBody>
+          <a:bodyPr/>
+          <a:lstStyle/>
+          <a:p>
+            <a:r>
+              <a:rPr lang="ru-RU" dirty="0" smtClean="0"/>
+              <a:t>Добавить возможность изменять тип уже добавленных на холст фигур</a:t>
+            </a:r>
+          </a:p>
+        </p:txBody>
+      </p:sp>
+    </p:spTree>
+    <p:extLst>
+      <p:ext uri="{BB962C8B-B14F-4D97-AF65-F5344CB8AC3E}">
+        <p14:creationId xmlns:p14="http://schemas.microsoft.com/office/powerpoint/2010/main" val="2948198386"/>
+      </p:ext>
+    </p:extLst>
+  </p:cSld>
+  <p:clrMapOvr>
+    <a:masterClrMapping/>
+  </p:clrMapOvr>
+</p:sld>
+</file>
+
+<file path=ppt/slides/slide37.xml><?xml version="1.0" encoding="utf-8"?>
+<p:sld xmlns:a="http://schemas.openxmlformats.org/drawingml/2006/main" xmlns:r="http://schemas.openxmlformats.org/officeDocument/2006/relationships" xmlns:p="http://schemas.openxmlformats.org/presentationml/2006/main">
+  <p:cSld>
+    <p:spTree>
+      <p:nvGrpSpPr>
+        <p:cNvPr id="1" name=""/>
+        <p:cNvGrpSpPr/>
+        <p:nvPr/>
+      </p:nvGrpSpPr>
+      <p:grpSpPr>
+        <a:xfrm>
+          <a:off x="0" y="0"/>
+          <a:ext cx="0" cy="0"/>
+          <a:chOff x="0" y="0"/>
+          <a:chExt cx="0" cy="0"/>
+        </a:xfrm>
+      </p:grpSpPr>
+      <p:sp>
+        <p:nvSpPr>
+          <p:cNvPr id="2" name="Title 1"/>
+          <p:cNvSpPr>
+            <a:spLocks noGrp="1"/>
+          </p:cNvSpPr>
+          <p:nvPr>
+            <p:ph type="title"/>
+          </p:nvPr>
+        </p:nvSpPr>
+        <p:spPr/>
+        <p:txBody>
+          <a:bodyPr/>
+          <a:lstStyle/>
+          <a:p>
+            <a:r>
+              <a:rPr lang="ru-RU" dirty="0" smtClean="0"/>
+              <a:t>Анализ текущей архитектуры</a:t>
+            </a:r>
+            <a:endParaRPr lang="ru-RU" dirty="0"/>
+          </a:p>
+        </p:txBody>
+      </p:sp>
+      <p:sp>
+        <p:nvSpPr>
+          <p:cNvPr id="3" name="Content Placeholder 2"/>
+          <p:cNvSpPr>
+            <a:spLocks noGrp="1"/>
+          </p:cNvSpPr>
+          <p:nvPr>
+            <p:ph idx="1"/>
+          </p:nvPr>
+        </p:nvSpPr>
+        <p:spPr/>
+        <p:txBody>
+          <a:bodyPr/>
+          <a:lstStyle/>
+          <a:p>
+            <a:r>
+              <a:rPr lang="ru-RU" dirty="0" smtClean="0"/>
+              <a:t>Мы можем менять задавать способ рисования фигуры при её создании, а после создания – нет</a:t>
+            </a:r>
+          </a:p>
+          <a:p>
+            <a:pPr lvl="1"/>
+            <a:r>
+              <a:rPr lang="ru-RU" dirty="0" smtClean="0"/>
+              <a:t>Наследование создаёт жёсткую связь между классами</a:t>
+            </a:r>
+          </a:p>
+        </p:txBody>
+      </p:sp>
+    </p:spTree>
+    <p:extLst>
+      <p:ext uri="{BB962C8B-B14F-4D97-AF65-F5344CB8AC3E}">
+        <p14:creationId xmlns:p14="http://schemas.microsoft.com/office/powerpoint/2010/main" val="207021597"/>
+      </p:ext>
+    </p:extLst>
+  </p:cSld>
+  <p:clrMapOvr>
+    <a:masterClrMapping/>
+  </p:clrMapOvr>
+</p:sld>
+</file>
+
+<file path=ppt/slides/slide38.xml><?xml version="1.0" encoding="utf-8"?>
+<p:sld xmlns:a="http://schemas.openxmlformats.org/drawingml/2006/main" xmlns:r="http://schemas.openxmlformats.org/officeDocument/2006/relationships" xmlns:p="http://schemas.openxmlformats.org/presentationml/2006/main">
+  <p:cSld>
+    <p:spTree>
+      <p:nvGrpSpPr>
+        <p:cNvPr id="1" name=""/>
+        <p:cNvGrpSpPr/>
+        <p:nvPr/>
+      </p:nvGrpSpPr>
+      <p:grpSpPr>
+        <a:xfrm>
+          <a:off x="0" y="0"/>
+          <a:ext cx="0" cy="0"/>
+          <a:chOff x="0" y="0"/>
+          <a:chExt cx="0" cy="0"/>
+        </a:xfrm>
+      </p:grpSpPr>
+      <p:sp>
+        <p:nvSpPr>
+          <p:cNvPr id="2" name="Title 1"/>
+          <p:cNvSpPr>
+            <a:spLocks noGrp="1"/>
+          </p:cNvSpPr>
+          <p:nvPr>
+            <p:ph type="title"/>
+          </p:nvPr>
+        </p:nvSpPr>
+        <p:spPr/>
+        <p:txBody>
+          <a:bodyPr/>
+          <a:lstStyle/>
+          <a:p>
+            <a:r>
+              <a:rPr lang="ru-RU" dirty="0" smtClean="0"/>
+              <a:t>Улучшаем архитектуру</a:t>
+            </a:r>
+            <a:endParaRPr lang="ru-RU" dirty="0"/>
+          </a:p>
+        </p:txBody>
+      </p:sp>
+      <p:sp>
+        <p:nvSpPr>
+          <p:cNvPr id="3" name="Content Placeholder 2"/>
+          <p:cNvSpPr>
+            <a:spLocks noGrp="1"/>
+          </p:cNvSpPr>
+          <p:nvPr>
+            <p:ph idx="1"/>
+          </p:nvPr>
+        </p:nvSpPr>
+        <p:spPr/>
+        <p:txBody>
+          <a:bodyPr/>
+          <a:lstStyle/>
+          <a:p>
+            <a:r>
+              <a:rPr lang="ru-RU" dirty="0" smtClean="0"/>
+              <a:t>Архитектура должна позволять заменять способ рисования фигуры в </a:t>
             </a:r>
             <a:r>
               <a:rPr lang="en-US" dirty="0" smtClean="0"/>
-              <a:t> </a:t>
-            </a:r>
-            <a:r>
-              <a:rPr lang="en-US" dirty="0" err="1" smtClean="0"/>
-              <a:t>std</a:t>
-            </a:r>
-            <a:r>
-              <a:rPr lang="en-US" dirty="0" smtClean="0"/>
-              <a:t>::sort</a:t>
+              <a:t>runtime</a:t>
+            </a:r>
+            <a:endParaRPr lang="ru-RU" dirty="0" smtClean="0"/>
+          </a:p>
+          <a:p>
+            <a:pPr lvl="1"/>
+            <a:r>
+              <a:rPr lang="ru-RU" dirty="0" smtClean="0"/>
+              <a:t>Отделяем поведение рисования от фигуры</a:t>
+            </a:r>
+          </a:p>
+          <a:p>
+            <a:pPr lvl="2"/>
+            <a:r>
+              <a:rPr lang="ru-RU" dirty="0" smtClean="0"/>
+              <a:t>Фигура будет делегировать своё рисование внешнему объекту</a:t>
+            </a:r>
+          </a:p>
+          <a:p>
+            <a:r>
+              <a:rPr lang="ru-RU" dirty="0" smtClean="0"/>
+              <a:t>Объект, ответственный за рисование – стратегия</a:t>
+            </a:r>
+          </a:p>
+        </p:txBody>
+      </p:sp>
+    </p:spTree>
+    <p:extLst>
+      <p:ext uri="{BB962C8B-B14F-4D97-AF65-F5344CB8AC3E}">
+        <p14:creationId xmlns:p14="http://schemas.microsoft.com/office/powerpoint/2010/main" val="2509563248"/>
+      </p:ext>
+    </p:extLst>
+  </p:cSld>
+  <p:clrMapOvr>
+    <a:masterClrMapping/>
+  </p:clrMapOvr>
+</p:sld>
+</file>
+
+<file path=ppt/slides/slide39.xml><?xml version="1.0" encoding="utf-8"?>
+<p:sld xmlns:a="http://schemas.openxmlformats.org/drawingml/2006/main" xmlns:r="http://schemas.openxmlformats.org/officeDocument/2006/relationships" xmlns:p="http://schemas.openxmlformats.org/presentationml/2006/main">
+  <p:cSld>
+    <p:spTree>
+      <p:nvGrpSpPr>
+        <p:cNvPr id="1" name=""/>
+        <p:cNvGrpSpPr/>
+        <p:nvPr/>
+      </p:nvGrpSpPr>
+      <p:grpSpPr>
+        <a:xfrm>
+          <a:off x="0" y="0"/>
+          <a:ext cx="0" cy="0"/>
+          <a:chOff x="0" y="0"/>
+          <a:chExt cx="0" cy="0"/>
+        </a:xfrm>
+      </p:grpSpPr>
+      <p:sp>
+        <p:nvSpPr>
+          <p:cNvPr id="2" name="Title 1"/>
+          <p:cNvSpPr>
+            <a:spLocks noGrp="1"/>
+          </p:cNvSpPr>
+          <p:nvPr>
+            <p:ph type="title"/>
+          </p:nvPr>
+        </p:nvSpPr>
+        <p:spPr/>
+        <p:txBody>
+          <a:bodyPr/>
+          <a:lstStyle/>
+          <a:p>
+            <a:r>
+              <a:rPr lang="ru-RU" dirty="0" smtClean="0"/>
+              <a:t>Стратегия рисования</a:t>
             </a:r>
             <a:endParaRPr lang="ru-RU" dirty="0"/>
           </a:p>
@@ -9812,1032 +11598,124 @@
       </p:sp>
       <p:sp>
         <p:nvSpPr>
-          <p:cNvPr id="6" name="Прямоугольник 5"/>
-          <p:cNvSpPr/>
+          <p:cNvPr id="5" name="TextBox 4"/>
+          <p:cNvSpPr txBox="1"/>
           <p:nvPr/>
         </p:nvSpPr>
         <p:spPr>
           <a:xfrm>
-            <a:off x="238969" y="1556792"/>
-            <a:ext cx="8640960" cy="5189113"/>
+            <a:off x="2555776" y="2062589"/>
+            <a:ext cx="3024336" cy="923330"/>
+          </a:xfrm>
+          <a:prstGeom prst="rect">
+            <a:avLst/>
+          </a:prstGeom>
+          <a:noFill/>
+        </p:spPr>
+        <p:txBody>
+          <a:bodyPr wrap="square" rtlCol="0">
+            <a:spAutoFit/>
+          </a:bodyPr>
+          <a:lstStyle/>
+          <a:p>
+            <a:r>
+              <a:rPr lang="ru-RU" dirty="0" smtClean="0"/>
+              <a:t>Задаёт интерфейс стратегии рисования визуальных объектов на холсте</a:t>
+            </a:r>
+            <a:endParaRPr lang="ru-RU" dirty="0"/>
+          </a:p>
+        </p:txBody>
+      </p:sp>
+      <p:pic>
+        <p:nvPicPr>
+          <p:cNvPr id="6" name="Picture 5"/>
+          <p:cNvPicPr>
+            <a:picLocks noChangeAspect="1"/>
+          </p:cNvPicPr>
+          <p:nvPr/>
+        </p:nvPicPr>
+        <p:blipFill>
+          <a:blip r:embed="rId2"/>
+          <a:stretch>
+            <a:fillRect/>
+          </a:stretch>
+        </p:blipFill>
+        <p:spPr>
+          <a:xfrm>
+            <a:off x="107504" y="2708920"/>
+            <a:ext cx="8928992" cy="3556371"/>
           </a:xfrm>
           <a:prstGeom prst="rect">
             <a:avLst/>
           </a:prstGeom>
         </p:spPr>
-        <p:txBody>
-          <a:bodyPr wrap="square">
+      </p:pic>
+      <p:sp>
+        <p:nvSpPr>
+          <p:cNvPr id="7" name="TextBox 6"/>
+          <p:cNvSpPr txBox="1"/>
+          <p:nvPr/>
+        </p:nvSpPr>
+        <p:spPr>
+          <a:xfrm>
+            <a:off x="6048176" y="1877923"/>
+            <a:ext cx="3110069" cy="646331"/>
+          </a:xfrm>
+          <a:prstGeom prst="rect">
+            <a:avLst/>
+          </a:prstGeom>
+          <a:noFill/>
+        </p:spPr>
+        <p:txBody>
+          <a:bodyPr wrap="square" rtlCol="0">
             <a:spAutoFit/>
           </a:bodyPr>
           <a:lstStyle/>
           <a:p>
-            <a:pPr defTabSz="266700">
-              <a:lnSpc>
-                <a:spcPct val="115000"/>
-              </a:lnSpc>
-              <a:spcAft>
-                <a:spcPts val="0"/>
-              </a:spcAft>
-            </a:pPr>
-            <a:r>
-              <a:rPr lang="en-US" dirty="0">
-                <a:solidFill>
-                  <a:srgbClr val="0000FF"/>
-                </a:solidFill>
-                <a:latin typeface="Consolas"/>
-                <a:ea typeface="Calibri"/>
-                <a:cs typeface="Times New Roman"/>
-              </a:rPr>
-              <a:t>#include</a:t>
-            </a:r>
-            <a:r>
-              <a:rPr lang="en-US" dirty="0">
-                <a:solidFill>
-                  <a:srgbClr val="000000"/>
-                </a:solidFill>
-                <a:latin typeface="Consolas"/>
-                <a:ea typeface="Calibri"/>
-                <a:cs typeface="Times New Roman"/>
-              </a:rPr>
-              <a:t> </a:t>
-            </a:r>
-            <a:r>
-              <a:rPr lang="en-US" dirty="0">
-                <a:solidFill>
-                  <a:srgbClr val="A31515"/>
-                </a:solidFill>
-                <a:latin typeface="Consolas"/>
-                <a:ea typeface="Calibri"/>
-                <a:cs typeface="Times New Roman"/>
-              </a:rPr>
-              <a:t>&lt;algorithm&gt;</a:t>
-            </a:r>
-            <a:endParaRPr lang="ru-RU" sz="2400" dirty="0">
-              <a:ea typeface="Calibri"/>
-              <a:cs typeface="Times New Roman"/>
-            </a:endParaRPr>
-          </a:p>
-          <a:p>
-            <a:pPr defTabSz="266700">
-              <a:lnSpc>
-                <a:spcPct val="115000"/>
-              </a:lnSpc>
-              <a:spcAft>
-                <a:spcPts val="0"/>
-              </a:spcAft>
-            </a:pPr>
-            <a:r>
-              <a:rPr lang="en-US" dirty="0">
-                <a:solidFill>
-                  <a:srgbClr val="0000FF"/>
-                </a:solidFill>
-                <a:latin typeface="Consolas"/>
-                <a:ea typeface="Calibri"/>
-                <a:cs typeface="Times New Roman"/>
-              </a:rPr>
-              <a:t>#include</a:t>
-            </a:r>
-            <a:r>
-              <a:rPr lang="en-US" dirty="0">
-                <a:solidFill>
-                  <a:srgbClr val="000000"/>
-                </a:solidFill>
-                <a:latin typeface="Consolas"/>
-                <a:ea typeface="Calibri"/>
-                <a:cs typeface="Times New Roman"/>
-              </a:rPr>
-              <a:t> </a:t>
-            </a:r>
-            <a:r>
-              <a:rPr lang="en-US" dirty="0">
-                <a:solidFill>
-                  <a:srgbClr val="A31515"/>
-                </a:solidFill>
-                <a:latin typeface="Consolas"/>
-                <a:ea typeface="Calibri"/>
-                <a:cs typeface="Times New Roman"/>
-              </a:rPr>
-              <a:t>&lt;functional&gt;</a:t>
-            </a:r>
-            <a:endParaRPr lang="ru-RU" sz="2400" dirty="0">
-              <a:ea typeface="Calibri"/>
-              <a:cs typeface="Times New Roman"/>
-            </a:endParaRPr>
-          </a:p>
-          <a:p>
-            <a:pPr defTabSz="266700">
-              <a:lnSpc>
-                <a:spcPct val="115000"/>
-              </a:lnSpc>
-              <a:spcAft>
-                <a:spcPts val="0"/>
-              </a:spcAft>
-            </a:pPr>
-            <a:r>
-              <a:rPr lang="en-US" dirty="0">
-                <a:solidFill>
-                  <a:srgbClr val="000000"/>
-                </a:solidFill>
-                <a:latin typeface="Consolas"/>
-                <a:ea typeface="Calibri"/>
-                <a:cs typeface="Times New Roman"/>
-              </a:rPr>
-              <a:t> </a:t>
-            </a:r>
-            <a:endParaRPr lang="ru-RU" sz="2400" dirty="0">
-              <a:ea typeface="Calibri"/>
-              <a:cs typeface="Times New Roman"/>
-            </a:endParaRPr>
-          </a:p>
-          <a:p>
-            <a:pPr defTabSz="266700">
-              <a:lnSpc>
-                <a:spcPct val="115000"/>
-              </a:lnSpc>
-              <a:spcAft>
-                <a:spcPts val="0"/>
-              </a:spcAft>
-            </a:pPr>
-            <a:r>
-              <a:rPr lang="en-US" dirty="0">
-                <a:solidFill>
-                  <a:srgbClr val="0000FF"/>
-                </a:solidFill>
-                <a:latin typeface="Consolas"/>
-                <a:ea typeface="Calibri"/>
-                <a:cs typeface="Times New Roman"/>
-              </a:rPr>
-              <a:t>using</a:t>
-            </a:r>
-            <a:r>
-              <a:rPr lang="en-US" dirty="0">
-                <a:solidFill>
-                  <a:srgbClr val="000000"/>
-                </a:solidFill>
-                <a:latin typeface="Consolas"/>
-                <a:ea typeface="Calibri"/>
-                <a:cs typeface="Times New Roman"/>
-              </a:rPr>
-              <a:t> </a:t>
-            </a:r>
-            <a:r>
-              <a:rPr lang="en-US" dirty="0">
-                <a:solidFill>
-                  <a:srgbClr val="0000FF"/>
-                </a:solidFill>
-                <a:latin typeface="Consolas"/>
-                <a:ea typeface="Calibri"/>
-                <a:cs typeface="Times New Roman"/>
-              </a:rPr>
-              <a:t>namespace</a:t>
-            </a:r>
-            <a:r>
-              <a:rPr lang="en-US" dirty="0">
-                <a:solidFill>
-                  <a:srgbClr val="000000"/>
-                </a:solidFill>
-                <a:latin typeface="Consolas"/>
-                <a:ea typeface="Calibri"/>
-                <a:cs typeface="Times New Roman"/>
-              </a:rPr>
-              <a:t> </a:t>
-            </a:r>
-            <a:r>
-              <a:rPr lang="en-US" dirty="0" err="1">
-                <a:solidFill>
-                  <a:srgbClr val="000000"/>
-                </a:solidFill>
-                <a:latin typeface="Consolas"/>
-                <a:ea typeface="Calibri"/>
-                <a:cs typeface="Times New Roman"/>
-              </a:rPr>
-              <a:t>std</a:t>
-            </a:r>
-            <a:r>
-              <a:rPr lang="en-US" dirty="0" smtClean="0">
-                <a:solidFill>
-                  <a:srgbClr val="000000"/>
-                </a:solidFill>
-                <a:latin typeface="Consolas"/>
-                <a:ea typeface="Calibri"/>
-                <a:cs typeface="Times New Roman"/>
-              </a:rPr>
-              <a:t>;</a:t>
-            </a:r>
-            <a:endParaRPr lang="ru-RU" sz="2400" dirty="0">
-              <a:ea typeface="Calibri"/>
-              <a:cs typeface="Times New Roman"/>
-            </a:endParaRPr>
-          </a:p>
-          <a:p>
-            <a:pPr defTabSz="266700">
-              <a:lnSpc>
-                <a:spcPct val="115000"/>
-              </a:lnSpc>
-              <a:spcAft>
-                <a:spcPts val="0"/>
-              </a:spcAft>
-            </a:pPr>
-            <a:r>
-              <a:rPr lang="en-US" dirty="0">
-                <a:solidFill>
-                  <a:srgbClr val="0000FF"/>
-                </a:solidFill>
-                <a:latin typeface="Consolas"/>
-                <a:ea typeface="Calibri"/>
-                <a:cs typeface="Times New Roman"/>
-              </a:rPr>
-              <a:t>void</a:t>
-            </a:r>
-            <a:r>
-              <a:rPr lang="en-US" dirty="0">
-                <a:solidFill>
-                  <a:srgbClr val="000000"/>
-                </a:solidFill>
-                <a:latin typeface="Consolas"/>
-                <a:ea typeface="Calibri"/>
-                <a:cs typeface="Times New Roman"/>
-              </a:rPr>
-              <a:t> main()</a:t>
-            </a:r>
-            <a:endParaRPr lang="ru-RU" sz="2400" dirty="0">
-              <a:ea typeface="Calibri"/>
-              <a:cs typeface="Times New Roman"/>
-            </a:endParaRPr>
-          </a:p>
-          <a:p>
-            <a:pPr defTabSz="266700">
-              <a:lnSpc>
-                <a:spcPct val="115000"/>
-              </a:lnSpc>
-              <a:spcAft>
-                <a:spcPts val="0"/>
-              </a:spcAft>
-            </a:pPr>
-            <a:r>
-              <a:rPr lang="en-US" dirty="0">
-                <a:solidFill>
-                  <a:srgbClr val="000000"/>
-                </a:solidFill>
-                <a:latin typeface="Consolas"/>
-                <a:ea typeface="Calibri"/>
-                <a:cs typeface="Times New Roman"/>
-              </a:rPr>
-              <a:t>{</a:t>
-            </a:r>
-            <a:endParaRPr lang="ru-RU" sz="2400" dirty="0">
-              <a:ea typeface="Calibri"/>
-              <a:cs typeface="Times New Roman"/>
-            </a:endParaRPr>
-          </a:p>
-          <a:p>
-            <a:pPr defTabSz="266700">
-              <a:lnSpc>
-                <a:spcPct val="115000"/>
-              </a:lnSpc>
-              <a:spcAft>
-                <a:spcPts val="0"/>
-              </a:spcAft>
-            </a:pPr>
-            <a:r>
-              <a:rPr lang="en-US" dirty="0">
-                <a:solidFill>
-                  <a:srgbClr val="000000"/>
-                </a:solidFill>
-                <a:latin typeface="Consolas"/>
-                <a:ea typeface="Calibri"/>
-                <a:cs typeface="Times New Roman"/>
-              </a:rPr>
-              <a:t>	</a:t>
-            </a:r>
-            <a:r>
-              <a:rPr lang="en-US" dirty="0" err="1">
-                <a:solidFill>
-                  <a:srgbClr val="0000FF"/>
-                </a:solidFill>
-                <a:latin typeface="Consolas"/>
-                <a:ea typeface="Calibri"/>
-                <a:cs typeface="Times New Roman"/>
-              </a:rPr>
-              <a:t>int</a:t>
-            </a:r>
-            <a:r>
-              <a:rPr lang="en-US" dirty="0">
-                <a:solidFill>
-                  <a:srgbClr val="000000"/>
-                </a:solidFill>
-                <a:latin typeface="Consolas"/>
-                <a:ea typeface="Calibri"/>
-                <a:cs typeface="Times New Roman"/>
-              </a:rPr>
-              <a:t> numbers[] = {6, 3, 2, 1, 3, 4};</a:t>
-            </a:r>
-            <a:endParaRPr lang="ru-RU" sz="2400" dirty="0">
-              <a:ea typeface="Calibri"/>
-              <a:cs typeface="Times New Roman"/>
-            </a:endParaRPr>
-          </a:p>
-          <a:p>
-            <a:pPr defTabSz="266700">
-              <a:lnSpc>
-                <a:spcPct val="115000"/>
-              </a:lnSpc>
-              <a:spcAft>
-                <a:spcPts val="0"/>
-              </a:spcAft>
-            </a:pPr>
-            <a:r>
-              <a:rPr lang="en-US" dirty="0">
-                <a:solidFill>
-                  <a:srgbClr val="000000"/>
-                </a:solidFill>
-                <a:latin typeface="Consolas"/>
-                <a:ea typeface="Calibri"/>
-                <a:cs typeface="Times New Roman"/>
-              </a:rPr>
-              <a:t>	sort(begin(numbers), end(numbers), </a:t>
-            </a:r>
-            <a:endParaRPr lang="en-US" dirty="0" smtClean="0">
-              <a:solidFill>
-                <a:srgbClr val="000000"/>
-              </a:solidFill>
-              <a:latin typeface="Consolas"/>
-              <a:ea typeface="Calibri"/>
-              <a:cs typeface="Times New Roman"/>
-            </a:endParaRPr>
-          </a:p>
-          <a:p>
-            <a:pPr defTabSz="266700">
-              <a:lnSpc>
-                <a:spcPct val="115000"/>
-              </a:lnSpc>
-              <a:spcAft>
-                <a:spcPts val="0"/>
-              </a:spcAft>
-            </a:pPr>
-            <a:r>
-              <a:rPr lang="en-US" dirty="0">
-                <a:solidFill>
-                  <a:srgbClr val="000000"/>
-                </a:solidFill>
-                <a:latin typeface="Consolas"/>
-                <a:ea typeface="Calibri"/>
-                <a:cs typeface="Times New Roman"/>
-              </a:rPr>
-              <a:t>	</a:t>
-            </a:r>
-            <a:r>
-              <a:rPr lang="en-US" dirty="0" smtClean="0">
-                <a:solidFill>
-                  <a:srgbClr val="000000"/>
-                </a:solidFill>
-                <a:latin typeface="Consolas"/>
-                <a:ea typeface="Calibri"/>
-                <a:cs typeface="Times New Roman"/>
-              </a:rPr>
-              <a:t>		[](</a:t>
-            </a:r>
-            <a:r>
-              <a:rPr lang="en-US" dirty="0" err="1">
-                <a:solidFill>
-                  <a:srgbClr val="0000FF"/>
-                </a:solidFill>
-                <a:latin typeface="Consolas"/>
-                <a:ea typeface="Calibri"/>
-                <a:cs typeface="Times New Roman"/>
-              </a:rPr>
-              <a:t>int</a:t>
-            </a:r>
-            <a:r>
-              <a:rPr lang="en-US" dirty="0">
-                <a:solidFill>
-                  <a:srgbClr val="000000"/>
-                </a:solidFill>
-                <a:latin typeface="Consolas"/>
-                <a:ea typeface="Calibri"/>
-                <a:cs typeface="Times New Roman"/>
-              </a:rPr>
-              <a:t> </a:t>
-            </a:r>
-            <a:r>
-              <a:rPr lang="en-US" dirty="0">
-                <a:solidFill>
-                  <a:srgbClr val="808080"/>
-                </a:solidFill>
-                <a:latin typeface="Consolas"/>
-                <a:ea typeface="Calibri"/>
-                <a:cs typeface="Times New Roman"/>
-              </a:rPr>
-              <a:t>x</a:t>
-            </a:r>
-            <a:r>
-              <a:rPr lang="en-US" dirty="0">
-                <a:solidFill>
-                  <a:srgbClr val="000000"/>
-                </a:solidFill>
-                <a:latin typeface="Consolas"/>
-                <a:ea typeface="Calibri"/>
-                <a:cs typeface="Times New Roman"/>
-              </a:rPr>
-              <a:t>, </a:t>
-            </a:r>
-            <a:r>
-              <a:rPr lang="en-US" dirty="0" err="1">
-                <a:solidFill>
-                  <a:srgbClr val="0000FF"/>
-                </a:solidFill>
-                <a:latin typeface="Consolas"/>
-                <a:ea typeface="Calibri"/>
-                <a:cs typeface="Times New Roman"/>
-              </a:rPr>
-              <a:t>int</a:t>
-            </a:r>
-            <a:r>
-              <a:rPr lang="en-US" dirty="0">
-                <a:solidFill>
-                  <a:srgbClr val="000000"/>
-                </a:solidFill>
-                <a:latin typeface="Consolas"/>
-                <a:ea typeface="Calibri"/>
-                <a:cs typeface="Times New Roman"/>
-              </a:rPr>
-              <a:t> </a:t>
-            </a:r>
-            <a:r>
-              <a:rPr lang="en-US" dirty="0">
-                <a:solidFill>
-                  <a:srgbClr val="808080"/>
-                </a:solidFill>
-                <a:latin typeface="Consolas"/>
-                <a:ea typeface="Calibri"/>
-                <a:cs typeface="Times New Roman"/>
-              </a:rPr>
-              <a:t>y</a:t>
-            </a:r>
-            <a:r>
-              <a:rPr lang="en-US" dirty="0">
-                <a:solidFill>
-                  <a:srgbClr val="000000"/>
-                </a:solidFill>
-                <a:latin typeface="Consolas"/>
-                <a:ea typeface="Calibri"/>
-                <a:cs typeface="Times New Roman"/>
-              </a:rPr>
-              <a:t>) { </a:t>
-            </a:r>
-            <a:r>
-              <a:rPr lang="en-US" dirty="0">
-                <a:solidFill>
-                  <a:srgbClr val="0000FF"/>
-                </a:solidFill>
-                <a:latin typeface="Consolas"/>
-                <a:ea typeface="Calibri"/>
-                <a:cs typeface="Times New Roman"/>
-              </a:rPr>
-              <a:t>return</a:t>
-            </a:r>
-            <a:r>
-              <a:rPr lang="en-US" dirty="0">
-                <a:solidFill>
-                  <a:srgbClr val="000000"/>
-                </a:solidFill>
-                <a:latin typeface="Consolas"/>
-                <a:ea typeface="Calibri"/>
-                <a:cs typeface="Times New Roman"/>
-              </a:rPr>
-              <a:t> </a:t>
-            </a:r>
-            <a:r>
-              <a:rPr lang="en-US" dirty="0">
-                <a:solidFill>
-                  <a:srgbClr val="808080"/>
-                </a:solidFill>
-                <a:latin typeface="Consolas"/>
-                <a:ea typeface="Calibri"/>
-                <a:cs typeface="Times New Roman"/>
-              </a:rPr>
-              <a:t>x</a:t>
-            </a:r>
-            <a:r>
-              <a:rPr lang="en-US" dirty="0">
-                <a:solidFill>
-                  <a:srgbClr val="000000"/>
-                </a:solidFill>
-                <a:latin typeface="Consolas"/>
-                <a:ea typeface="Calibri"/>
-                <a:cs typeface="Times New Roman"/>
-              </a:rPr>
-              <a:t> &lt; </a:t>
-            </a:r>
-            <a:r>
-              <a:rPr lang="en-US" dirty="0">
-                <a:solidFill>
-                  <a:srgbClr val="808080"/>
-                </a:solidFill>
-                <a:latin typeface="Consolas"/>
-                <a:ea typeface="Calibri"/>
-                <a:cs typeface="Times New Roman"/>
-              </a:rPr>
-              <a:t>y</a:t>
-            </a:r>
-            <a:r>
-              <a:rPr lang="en-US" dirty="0">
-                <a:solidFill>
-                  <a:srgbClr val="000000"/>
-                </a:solidFill>
-                <a:latin typeface="Consolas"/>
-                <a:ea typeface="Calibri"/>
-                <a:cs typeface="Times New Roman"/>
-              </a:rPr>
-              <a:t>; });</a:t>
-            </a:r>
-            <a:endParaRPr lang="ru-RU" sz="2400" dirty="0">
-              <a:ea typeface="Calibri"/>
-              <a:cs typeface="Times New Roman"/>
-            </a:endParaRPr>
-          </a:p>
-          <a:p>
-            <a:pPr defTabSz="266700">
-              <a:lnSpc>
-                <a:spcPct val="115000"/>
-              </a:lnSpc>
-              <a:spcAft>
-                <a:spcPts val="0"/>
-              </a:spcAft>
-            </a:pPr>
-            <a:r>
-              <a:rPr lang="en-US" dirty="0">
-                <a:solidFill>
-                  <a:srgbClr val="000000"/>
-                </a:solidFill>
-                <a:latin typeface="Consolas"/>
-                <a:ea typeface="Calibri"/>
-                <a:cs typeface="Times New Roman"/>
-              </a:rPr>
-              <a:t>	</a:t>
-            </a:r>
-            <a:endParaRPr lang="ru-RU" sz="2400" dirty="0">
-              <a:ea typeface="Calibri"/>
-              <a:cs typeface="Times New Roman"/>
-            </a:endParaRPr>
-          </a:p>
-          <a:p>
-            <a:pPr defTabSz="266700">
-              <a:lnSpc>
-                <a:spcPct val="115000"/>
-              </a:lnSpc>
-              <a:spcAft>
-                <a:spcPts val="0"/>
-              </a:spcAft>
-            </a:pPr>
-            <a:r>
-              <a:rPr lang="en-US" dirty="0">
-                <a:solidFill>
-                  <a:srgbClr val="000000"/>
-                </a:solidFill>
-                <a:latin typeface="Consolas"/>
-                <a:ea typeface="Calibri"/>
-                <a:cs typeface="Times New Roman"/>
-              </a:rPr>
-              <a:t>	sort(begin(numbers), end(numbers), </a:t>
-            </a:r>
-            <a:r>
-              <a:rPr lang="en-US" dirty="0">
-                <a:solidFill>
-                  <a:srgbClr val="2B91AF"/>
-                </a:solidFill>
-                <a:latin typeface="Consolas"/>
-                <a:ea typeface="Calibri"/>
-                <a:cs typeface="Times New Roman"/>
-              </a:rPr>
-              <a:t>less</a:t>
-            </a:r>
-            <a:r>
-              <a:rPr lang="en-US" dirty="0">
-                <a:solidFill>
-                  <a:srgbClr val="000000"/>
-                </a:solidFill>
-                <a:latin typeface="Consolas"/>
-                <a:ea typeface="Calibri"/>
-                <a:cs typeface="Times New Roman"/>
-              </a:rPr>
-              <a:t>&lt;</a:t>
-            </a:r>
-            <a:r>
-              <a:rPr lang="en-US" dirty="0" err="1">
-                <a:solidFill>
-                  <a:srgbClr val="0000FF"/>
-                </a:solidFill>
-                <a:latin typeface="Consolas"/>
-                <a:ea typeface="Calibri"/>
-                <a:cs typeface="Times New Roman"/>
-              </a:rPr>
-              <a:t>int</a:t>
-            </a:r>
-            <a:r>
-              <a:rPr lang="en-US" dirty="0">
-                <a:solidFill>
-                  <a:srgbClr val="000000"/>
-                </a:solidFill>
-                <a:latin typeface="Consolas"/>
-                <a:ea typeface="Calibri"/>
-                <a:cs typeface="Times New Roman"/>
-              </a:rPr>
-              <a:t>&gt;());</a:t>
-            </a:r>
-            <a:endParaRPr lang="ru-RU" sz="2400" dirty="0">
-              <a:ea typeface="Calibri"/>
-              <a:cs typeface="Times New Roman"/>
-            </a:endParaRPr>
-          </a:p>
-          <a:p>
-            <a:pPr defTabSz="266700">
-              <a:lnSpc>
-                <a:spcPct val="115000"/>
-              </a:lnSpc>
-              <a:spcAft>
-                <a:spcPts val="0"/>
-              </a:spcAft>
-            </a:pPr>
-            <a:r>
-              <a:rPr lang="en-US" dirty="0">
-                <a:solidFill>
-                  <a:srgbClr val="000000"/>
-                </a:solidFill>
-                <a:latin typeface="Consolas"/>
-                <a:ea typeface="Calibri"/>
-                <a:cs typeface="Times New Roman"/>
-              </a:rPr>
-              <a:t> </a:t>
-            </a:r>
-            <a:endParaRPr lang="ru-RU" sz="2400" dirty="0">
-              <a:ea typeface="Calibri"/>
-              <a:cs typeface="Times New Roman"/>
-            </a:endParaRPr>
-          </a:p>
-          <a:p>
-            <a:pPr defTabSz="266700">
-              <a:lnSpc>
-                <a:spcPct val="115000"/>
-              </a:lnSpc>
-              <a:spcAft>
-                <a:spcPts val="0"/>
-              </a:spcAft>
-            </a:pPr>
-            <a:r>
-              <a:rPr lang="en-US" dirty="0">
-                <a:solidFill>
-                  <a:srgbClr val="000000"/>
-                </a:solidFill>
-                <a:latin typeface="Consolas"/>
-                <a:ea typeface="Calibri"/>
-                <a:cs typeface="Times New Roman"/>
-              </a:rPr>
-              <a:t>	</a:t>
-            </a:r>
-            <a:r>
-              <a:rPr lang="en-US" dirty="0">
-                <a:solidFill>
-                  <a:srgbClr val="2B91AF"/>
-                </a:solidFill>
-                <a:latin typeface="Consolas"/>
-                <a:ea typeface="Calibri"/>
-                <a:cs typeface="Times New Roman"/>
-              </a:rPr>
-              <a:t>function</a:t>
-            </a:r>
-            <a:r>
-              <a:rPr lang="en-US" dirty="0">
-                <a:solidFill>
-                  <a:srgbClr val="000000"/>
-                </a:solidFill>
-                <a:latin typeface="Consolas"/>
-                <a:ea typeface="Calibri"/>
-                <a:cs typeface="Times New Roman"/>
-              </a:rPr>
-              <a:t>&lt;</a:t>
-            </a:r>
-            <a:r>
-              <a:rPr lang="en-US" dirty="0">
-                <a:solidFill>
-                  <a:srgbClr val="0000FF"/>
-                </a:solidFill>
-                <a:latin typeface="Consolas"/>
-                <a:ea typeface="Calibri"/>
-                <a:cs typeface="Times New Roman"/>
-              </a:rPr>
-              <a:t>bool</a:t>
-            </a:r>
-            <a:r>
-              <a:rPr lang="en-US" dirty="0">
-                <a:solidFill>
-                  <a:srgbClr val="000000"/>
-                </a:solidFill>
-                <a:latin typeface="Consolas"/>
-                <a:ea typeface="Calibri"/>
-                <a:cs typeface="Times New Roman"/>
-              </a:rPr>
-              <a:t>(</a:t>
-            </a:r>
-            <a:r>
-              <a:rPr lang="en-US" dirty="0" err="1">
-                <a:solidFill>
-                  <a:srgbClr val="0000FF"/>
-                </a:solidFill>
-                <a:latin typeface="Consolas"/>
-                <a:ea typeface="Calibri"/>
-                <a:cs typeface="Times New Roman"/>
-              </a:rPr>
-              <a:t>int</a:t>
-            </a:r>
-            <a:r>
-              <a:rPr lang="en-US" dirty="0">
-                <a:solidFill>
-                  <a:srgbClr val="000000"/>
-                </a:solidFill>
-                <a:latin typeface="Consolas"/>
-                <a:ea typeface="Calibri"/>
-                <a:cs typeface="Times New Roman"/>
-              </a:rPr>
-              <a:t>, </a:t>
-            </a:r>
-            <a:r>
-              <a:rPr lang="en-US" dirty="0" err="1">
-                <a:solidFill>
-                  <a:srgbClr val="0000FF"/>
-                </a:solidFill>
-                <a:latin typeface="Consolas"/>
-                <a:ea typeface="Calibri"/>
-                <a:cs typeface="Times New Roman"/>
-              </a:rPr>
-              <a:t>int</a:t>
-            </a:r>
-            <a:r>
-              <a:rPr lang="en-US" dirty="0">
-                <a:solidFill>
-                  <a:srgbClr val="000000"/>
-                </a:solidFill>
-                <a:latin typeface="Consolas"/>
-                <a:ea typeface="Calibri"/>
-                <a:cs typeface="Times New Roman"/>
-              </a:rPr>
-              <a:t>)&gt; compare = </a:t>
-            </a:r>
-            <a:endParaRPr lang="en-US" dirty="0" smtClean="0">
-              <a:solidFill>
-                <a:srgbClr val="000000"/>
-              </a:solidFill>
-              <a:latin typeface="Consolas"/>
-              <a:ea typeface="Calibri"/>
-              <a:cs typeface="Times New Roman"/>
-            </a:endParaRPr>
-          </a:p>
-          <a:p>
-            <a:pPr defTabSz="266700">
-              <a:lnSpc>
-                <a:spcPct val="115000"/>
-              </a:lnSpc>
-              <a:spcAft>
-                <a:spcPts val="0"/>
-              </a:spcAft>
-            </a:pPr>
-            <a:r>
-              <a:rPr lang="en-US" dirty="0">
-                <a:solidFill>
-                  <a:srgbClr val="000000"/>
-                </a:solidFill>
-                <a:latin typeface="Consolas"/>
-                <a:ea typeface="Calibri"/>
-                <a:cs typeface="Times New Roman"/>
-              </a:rPr>
-              <a:t>	</a:t>
-            </a:r>
-            <a:r>
-              <a:rPr lang="en-US" dirty="0" smtClean="0">
-                <a:solidFill>
-                  <a:srgbClr val="000000"/>
-                </a:solidFill>
-                <a:latin typeface="Consolas"/>
-                <a:ea typeface="Calibri"/>
-                <a:cs typeface="Times New Roman"/>
-              </a:rPr>
-              <a:t>	[](</a:t>
-            </a:r>
-            <a:r>
-              <a:rPr lang="en-US" dirty="0" err="1">
-                <a:solidFill>
-                  <a:srgbClr val="0000FF"/>
-                </a:solidFill>
-                <a:latin typeface="Consolas"/>
-                <a:ea typeface="Calibri"/>
-                <a:cs typeface="Times New Roman"/>
-              </a:rPr>
-              <a:t>int</a:t>
-            </a:r>
-            <a:r>
-              <a:rPr lang="en-US" dirty="0">
-                <a:solidFill>
-                  <a:srgbClr val="000000"/>
-                </a:solidFill>
-                <a:latin typeface="Consolas"/>
-                <a:ea typeface="Calibri"/>
-                <a:cs typeface="Times New Roman"/>
-              </a:rPr>
-              <a:t> </a:t>
-            </a:r>
-            <a:r>
-              <a:rPr lang="en-US" dirty="0">
-                <a:solidFill>
-                  <a:srgbClr val="808080"/>
-                </a:solidFill>
-                <a:latin typeface="Consolas"/>
-                <a:ea typeface="Calibri"/>
-                <a:cs typeface="Times New Roman"/>
-              </a:rPr>
-              <a:t>x</a:t>
-            </a:r>
-            <a:r>
-              <a:rPr lang="en-US" dirty="0">
-                <a:solidFill>
-                  <a:srgbClr val="000000"/>
-                </a:solidFill>
-                <a:latin typeface="Consolas"/>
-                <a:ea typeface="Calibri"/>
-                <a:cs typeface="Times New Roman"/>
-              </a:rPr>
-              <a:t>, </a:t>
-            </a:r>
-            <a:r>
-              <a:rPr lang="en-US" dirty="0" err="1">
-                <a:solidFill>
-                  <a:srgbClr val="0000FF"/>
-                </a:solidFill>
-                <a:latin typeface="Consolas"/>
-                <a:ea typeface="Calibri"/>
-                <a:cs typeface="Times New Roman"/>
-              </a:rPr>
-              <a:t>int</a:t>
-            </a:r>
-            <a:r>
-              <a:rPr lang="en-US" dirty="0">
-                <a:solidFill>
-                  <a:srgbClr val="000000"/>
-                </a:solidFill>
-                <a:latin typeface="Consolas"/>
-                <a:ea typeface="Calibri"/>
-                <a:cs typeface="Times New Roman"/>
-              </a:rPr>
-              <a:t> </a:t>
-            </a:r>
-            <a:r>
-              <a:rPr lang="en-US" dirty="0">
-                <a:solidFill>
-                  <a:srgbClr val="808080"/>
-                </a:solidFill>
-                <a:latin typeface="Consolas"/>
-                <a:ea typeface="Calibri"/>
-                <a:cs typeface="Times New Roman"/>
-              </a:rPr>
-              <a:t>y</a:t>
-            </a:r>
-            <a:r>
-              <a:rPr lang="en-US" dirty="0">
-                <a:solidFill>
-                  <a:srgbClr val="000000"/>
-                </a:solidFill>
-                <a:latin typeface="Consolas"/>
-                <a:ea typeface="Calibri"/>
-                <a:cs typeface="Times New Roman"/>
-              </a:rPr>
-              <a:t>) { </a:t>
-            </a:r>
-            <a:r>
-              <a:rPr lang="en-US" dirty="0" smtClean="0">
-                <a:solidFill>
-                  <a:srgbClr val="0000FF"/>
-                </a:solidFill>
-                <a:latin typeface="Consolas"/>
-                <a:ea typeface="Calibri"/>
-                <a:cs typeface="Times New Roman"/>
-              </a:rPr>
-              <a:t>return</a:t>
-            </a:r>
-            <a:r>
-              <a:rPr lang="en-US" dirty="0" smtClean="0">
-                <a:solidFill>
-                  <a:srgbClr val="000000"/>
-                </a:solidFill>
-                <a:latin typeface="Consolas"/>
-                <a:ea typeface="Calibri"/>
-                <a:cs typeface="Times New Roman"/>
-              </a:rPr>
-              <a:t> </a:t>
-            </a:r>
-            <a:r>
-              <a:rPr lang="en-US" dirty="0">
-                <a:solidFill>
-                  <a:srgbClr val="808080"/>
-                </a:solidFill>
-                <a:latin typeface="Consolas"/>
-                <a:ea typeface="Calibri"/>
-                <a:cs typeface="Times New Roman"/>
-              </a:rPr>
-              <a:t>x</a:t>
-            </a:r>
-            <a:r>
-              <a:rPr lang="en-US" dirty="0">
-                <a:solidFill>
-                  <a:srgbClr val="000000"/>
-                </a:solidFill>
-                <a:latin typeface="Consolas"/>
-                <a:ea typeface="Calibri"/>
-                <a:cs typeface="Times New Roman"/>
-              </a:rPr>
-              <a:t> &lt; </a:t>
-            </a:r>
-            <a:r>
-              <a:rPr lang="en-US" dirty="0">
-                <a:solidFill>
-                  <a:srgbClr val="808080"/>
-                </a:solidFill>
-                <a:latin typeface="Consolas"/>
-                <a:ea typeface="Calibri"/>
-                <a:cs typeface="Times New Roman"/>
-              </a:rPr>
-              <a:t>y</a:t>
-            </a:r>
-            <a:r>
-              <a:rPr lang="en-US" dirty="0">
-                <a:solidFill>
-                  <a:srgbClr val="000000"/>
-                </a:solidFill>
-                <a:latin typeface="Consolas"/>
-                <a:ea typeface="Calibri"/>
-                <a:cs typeface="Times New Roman"/>
-              </a:rPr>
-              <a:t>; };</a:t>
-            </a:r>
-            <a:endParaRPr lang="ru-RU" sz="2400" dirty="0">
-              <a:ea typeface="Calibri"/>
-              <a:cs typeface="Times New Roman"/>
-            </a:endParaRPr>
-          </a:p>
-          <a:p>
-            <a:pPr defTabSz="266700">
-              <a:lnSpc>
-                <a:spcPct val="115000"/>
-              </a:lnSpc>
-              <a:spcAft>
-                <a:spcPts val="0"/>
-              </a:spcAft>
-            </a:pPr>
-            <a:r>
-              <a:rPr lang="en-US" dirty="0">
-                <a:solidFill>
-                  <a:srgbClr val="000000"/>
-                </a:solidFill>
-                <a:latin typeface="Consolas"/>
-                <a:ea typeface="Calibri"/>
-                <a:cs typeface="Times New Roman"/>
-              </a:rPr>
-              <a:t>	sort(begin(numbers), end(numbers), compare);</a:t>
-            </a:r>
-            <a:endParaRPr lang="ru-RU" sz="2400" dirty="0">
-              <a:ea typeface="Calibri"/>
-              <a:cs typeface="Times New Roman"/>
-            </a:endParaRPr>
-          </a:p>
-          <a:p>
-            <a:pPr defTabSz="266700">
-              <a:lnSpc>
-                <a:spcPct val="115000"/>
-              </a:lnSpc>
-              <a:spcAft>
-                <a:spcPts val="1000"/>
-              </a:spcAft>
-            </a:pPr>
-            <a:r>
-              <a:rPr lang="ru-RU" dirty="0">
-                <a:solidFill>
-                  <a:srgbClr val="000000"/>
-                </a:solidFill>
-                <a:latin typeface="Consolas"/>
-                <a:ea typeface="Calibri"/>
-                <a:cs typeface="Times New Roman"/>
-              </a:rPr>
-              <a:t>}</a:t>
-            </a:r>
-            <a:endParaRPr lang="ru-RU" sz="2400" dirty="0">
-              <a:ea typeface="Calibri"/>
-              <a:cs typeface="Times New Roman"/>
-            </a:endParaRPr>
+            <a:pPr algn="r"/>
+            <a:r>
+              <a:rPr lang="ru-RU" dirty="0" smtClean="0"/>
+              <a:t>Предоставляет информацию о визуальном объекте</a:t>
+            </a:r>
+            <a:endParaRPr lang="ru-RU" dirty="0"/>
+          </a:p>
+        </p:txBody>
+      </p:sp>
+      <p:sp>
+        <p:nvSpPr>
+          <p:cNvPr id="8" name="TextBox 7"/>
+          <p:cNvSpPr txBox="1"/>
+          <p:nvPr/>
+        </p:nvSpPr>
+        <p:spPr>
+          <a:xfrm>
+            <a:off x="1979712" y="4941168"/>
+            <a:ext cx="4320480" cy="369332"/>
+          </a:xfrm>
+          <a:prstGeom prst="rect">
+            <a:avLst/>
+          </a:prstGeom>
+          <a:noFill/>
+        </p:spPr>
+        <p:txBody>
+          <a:bodyPr wrap="square" rtlCol="0">
+            <a:spAutoFit/>
+          </a:bodyPr>
+          <a:lstStyle/>
+          <a:p>
+            <a:pPr algn="ctr"/>
+            <a:r>
+              <a:rPr lang="ru-RU" dirty="0" smtClean="0"/>
+              <a:t>Стратегии рисования конкретных фигур</a:t>
+            </a:r>
+            <a:endParaRPr lang="ru-RU" dirty="0"/>
           </a:p>
         </p:txBody>
       </p:sp>
     </p:spTree>
     <p:extLst>
       <p:ext uri="{BB962C8B-B14F-4D97-AF65-F5344CB8AC3E}">
-        <p14:creationId xmlns:p14="http://schemas.microsoft.com/office/powerpoint/2010/main" val="1948081101"/>
+        <p14:creationId xmlns:p14="http://schemas.microsoft.com/office/powerpoint/2010/main" val="2633727272"/>
       </p:ext>
     </p:extLst>
   </p:cSld>
@@ -10847,9 +11725,196 @@
   <p:timing>
     <p:tnLst>
       <p:par>
-        <p:cTn id="1" dur="indefinite" restart="never" nodeType="tmRoot"/>
+        <p:cTn id="1" dur="indefinite" restart="never" nodeType="tmRoot">
+          <p:childTnLst>
+            <p:seq concurrent="1" nextAc="seek">
+              <p:cTn id="2" dur="indefinite" nodeType="mainSeq">
+                <p:childTnLst>
+                  <p:par>
+                    <p:cTn id="3" fill="hold">
+                      <p:stCondLst>
+                        <p:cond delay="indefinite"/>
+                      </p:stCondLst>
+                      <p:childTnLst>
+                        <p:par>
+                          <p:cTn id="4" fill="hold">
+                            <p:stCondLst>
+                              <p:cond delay="0"/>
+                            </p:stCondLst>
+                            <p:childTnLst>
+                              <p:par>
+                                <p:cTn id="5" presetID="10" presetClass="entr" presetSubtype="0" fill="hold" grpId="0" nodeType="clickEffect">
+                                  <p:stCondLst>
+                                    <p:cond delay="0"/>
+                                  </p:stCondLst>
+                                  <p:childTnLst>
+                                    <p:set>
+                                      <p:cBhvr>
+                                        <p:cTn id="6" dur="1" fill="hold">
+                                          <p:stCondLst>
+                                            <p:cond delay="0"/>
+                                          </p:stCondLst>
+                                        </p:cTn>
+                                        <p:tgtEl>
+                                          <p:spTgt spid="5"/>
+                                        </p:tgtEl>
+                                        <p:attrNameLst>
+                                          <p:attrName>style.visibility</p:attrName>
+                                        </p:attrNameLst>
+                                      </p:cBhvr>
+                                      <p:to>
+                                        <p:strVal val="visible"/>
+                                      </p:to>
+                                    </p:set>
+                                    <p:animEffect transition="in" filter="fade">
+                                      <p:cBhvr>
+                                        <p:cTn id="7" dur="500"/>
+                                        <p:tgtEl>
+                                          <p:spTgt spid="5"/>
+                                        </p:tgtEl>
+                                      </p:cBhvr>
+                                    </p:animEffect>
+                                  </p:childTnLst>
+                                </p:cTn>
+                              </p:par>
+                            </p:childTnLst>
+                          </p:cTn>
+                        </p:par>
+                      </p:childTnLst>
+                    </p:cTn>
+                  </p:par>
+                  <p:par>
+                    <p:cTn id="8" fill="hold">
+                      <p:stCondLst>
+                        <p:cond delay="indefinite"/>
+                      </p:stCondLst>
+                      <p:childTnLst>
+                        <p:par>
+                          <p:cTn id="9" fill="hold">
+                            <p:stCondLst>
+                              <p:cond delay="0"/>
+                            </p:stCondLst>
+                            <p:childTnLst>
+                              <p:par>
+                                <p:cTn id="10" presetID="10" presetClass="entr" presetSubtype="0" fill="hold" grpId="0" nodeType="clickEffect">
+                                  <p:stCondLst>
+                                    <p:cond delay="0"/>
+                                  </p:stCondLst>
+                                  <p:childTnLst>
+                                    <p:set>
+                                      <p:cBhvr>
+                                        <p:cTn id="11" dur="1" fill="hold">
+                                          <p:stCondLst>
+                                            <p:cond delay="0"/>
+                                          </p:stCondLst>
+                                        </p:cTn>
+                                        <p:tgtEl>
+                                          <p:spTgt spid="7"/>
+                                        </p:tgtEl>
+                                        <p:attrNameLst>
+                                          <p:attrName>style.visibility</p:attrName>
+                                        </p:attrNameLst>
+                                      </p:cBhvr>
+                                      <p:to>
+                                        <p:strVal val="visible"/>
+                                      </p:to>
+                                    </p:set>
+                                    <p:animEffect transition="in" filter="fade">
+                                      <p:cBhvr>
+                                        <p:cTn id="12" dur="500"/>
+                                        <p:tgtEl>
+                                          <p:spTgt spid="7"/>
+                                        </p:tgtEl>
+                                      </p:cBhvr>
+                                    </p:animEffect>
+                                  </p:childTnLst>
+                                </p:cTn>
+                              </p:par>
+                            </p:childTnLst>
+                          </p:cTn>
+                        </p:par>
+                      </p:childTnLst>
+                    </p:cTn>
+                  </p:par>
+                  <p:par>
+                    <p:cTn id="13" fill="hold">
+                      <p:stCondLst>
+                        <p:cond delay="indefinite"/>
+                      </p:stCondLst>
+                      <p:childTnLst>
+                        <p:par>
+                          <p:cTn id="14" fill="hold">
+                            <p:stCondLst>
+                              <p:cond delay="0"/>
+                            </p:stCondLst>
+                            <p:childTnLst>
+                              <p:par>
+                                <p:cTn id="15" presetID="10" presetClass="entr" presetSubtype="0" fill="hold" grpId="0" nodeType="clickEffect">
+                                  <p:stCondLst>
+                                    <p:cond delay="0"/>
+                                  </p:stCondLst>
+                                  <p:childTnLst>
+                                    <p:set>
+                                      <p:cBhvr>
+                                        <p:cTn id="16" dur="1" fill="hold">
+                                          <p:stCondLst>
+                                            <p:cond delay="0"/>
+                                          </p:stCondLst>
+                                        </p:cTn>
+                                        <p:tgtEl>
+                                          <p:spTgt spid="8"/>
+                                        </p:tgtEl>
+                                        <p:attrNameLst>
+                                          <p:attrName>style.visibility</p:attrName>
+                                        </p:attrNameLst>
+                                      </p:cBhvr>
+                                      <p:to>
+                                        <p:strVal val="visible"/>
+                                      </p:to>
+                                    </p:set>
+                                    <p:animEffect transition="in" filter="fade">
+                                      <p:cBhvr>
+                                        <p:cTn id="17" dur="500"/>
+                                        <p:tgtEl>
+                                          <p:spTgt spid="8"/>
+                                        </p:tgtEl>
+                                      </p:cBhvr>
+                                    </p:animEffect>
+                                  </p:childTnLst>
+                                </p:cTn>
+                              </p:par>
+                            </p:childTnLst>
+                          </p:cTn>
+                        </p:par>
+                      </p:childTnLst>
+                    </p:cTn>
+                  </p:par>
+                </p:childTnLst>
+              </p:cTn>
+              <p:prevCondLst>
+                <p:cond evt="onPrev" delay="0">
+                  <p:tgtEl>
+                    <p:sldTgt/>
+                  </p:tgtEl>
+                </p:cond>
+              </p:prevCondLst>
+              <p:nextCondLst>
+                <p:cond evt="onNext" delay="0">
+                  <p:tgtEl>
+                    <p:sldTgt/>
+                  </p:tgtEl>
+                </p:cond>
+              </p:nextCondLst>
+            </p:seq>
+          </p:childTnLst>
+        </p:cTn>
       </p:par>
     </p:tnLst>
+    <p:bldLst>
+      <p:bldP spid="5" grpId="0"/>
+      <p:bldP spid="7" grpId="0"/>
+      <p:bldP spid="8" grpId="0"/>
+    </p:bldLst>
   </p:timing>
 </p:sld>
 </file>
@@ -10944,6 +12009,318 @@
 </p:sld>
 </file>
 
+<file path=ppt/slides/slide40.xml><?xml version="1.0" encoding="utf-8"?>
+<p:sld xmlns:a="http://schemas.openxmlformats.org/drawingml/2006/main" xmlns:r="http://schemas.openxmlformats.org/officeDocument/2006/relationships" xmlns:p="http://schemas.openxmlformats.org/presentationml/2006/main">
+  <p:cSld>
+    <p:spTree>
+      <p:nvGrpSpPr>
+        <p:cNvPr id="1" name=""/>
+        <p:cNvGrpSpPr/>
+        <p:nvPr/>
+      </p:nvGrpSpPr>
+      <p:grpSpPr>
+        <a:xfrm>
+          <a:off x="0" y="0"/>
+          <a:ext cx="0" cy="0"/>
+          <a:chOff x="0" y="0"/>
+          <a:chExt cx="0" cy="0"/>
+        </a:xfrm>
+      </p:grpSpPr>
+      <p:pic>
+        <p:nvPicPr>
+          <p:cNvPr id="4" name="Picture 3"/>
+          <p:cNvPicPr>
+            <a:picLocks noChangeAspect="1"/>
+          </p:cNvPicPr>
+          <p:nvPr/>
+        </p:nvPicPr>
+        <p:blipFill>
+          <a:blip r:embed="rId2"/>
+          <a:stretch>
+            <a:fillRect/>
+          </a:stretch>
+        </p:blipFill>
+        <p:spPr>
+          <a:xfrm>
+            <a:off x="0" y="1124744"/>
+            <a:ext cx="8964488" cy="5352215"/>
+          </a:xfrm>
+          <a:prstGeom prst="rect">
+            <a:avLst/>
+          </a:prstGeom>
+        </p:spPr>
+      </p:pic>
+      <p:sp>
+        <p:nvSpPr>
+          <p:cNvPr id="5" name="TextBox 4"/>
+          <p:cNvSpPr txBox="1"/>
+          <p:nvPr/>
+        </p:nvSpPr>
+        <p:spPr>
+          <a:xfrm>
+            <a:off x="467544" y="360040"/>
+            <a:ext cx="3744416" cy="646331"/>
+          </a:xfrm>
+          <a:prstGeom prst="rect">
+            <a:avLst/>
+          </a:prstGeom>
+          <a:noFill/>
+        </p:spPr>
+        <p:txBody>
+          <a:bodyPr wrap="square" rtlCol="0">
+            <a:spAutoFit/>
+          </a:bodyPr>
+          <a:lstStyle/>
+          <a:p>
+            <a:r>
+              <a:rPr lang="ru-RU" dirty="0" smtClean="0"/>
+              <a:t>Фигура рисует себя при помощи текущей стратегии рисования</a:t>
+            </a:r>
+            <a:endParaRPr lang="ru-RU" dirty="0"/>
+          </a:p>
+        </p:txBody>
+      </p:sp>
+      <p:grpSp>
+        <p:nvGrpSpPr>
+          <p:cNvPr id="9" name="Group 8"/>
+          <p:cNvGrpSpPr/>
+          <p:nvPr/>
+        </p:nvGrpSpPr>
+        <p:grpSpPr>
+          <a:xfrm>
+            <a:off x="4779143" y="0"/>
+            <a:ext cx="4211960" cy="2276872"/>
+            <a:chOff x="4779143" y="0"/>
+            <a:chExt cx="4211960" cy="2276872"/>
+          </a:xfrm>
+        </p:grpSpPr>
+        <p:sp>
+          <p:nvSpPr>
+            <p:cNvPr id="6" name="TextBox 5"/>
+            <p:cNvSpPr txBox="1"/>
+            <p:nvPr/>
+          </p:nvSpPr>
+          <p:spPr>
+            <a:xfrm>
+              <a:off x="4779143" y="0"/>
+              <a:ext cx="4211960" cy="923330"/>
+            </a:xfrm>
+            <a:prstGeom prst="rect">
+              <a:avLst/>
+            </a:prstGeom>
+            <a:noFill/>
+          </p:spPr>
+          <p:txBody>
+            <a:bodyPr wrap="square" rtlCol="0">
+              <a:spAutoFit/>
+            </a:bodyPr>
+            <a:lstStyle/>
+            <a:p>
+              <a:r>
+                <a:rPr lang="ru-RU" dirty="0" smtClean="0"/>
+                <a:t>Фигура реализует  интерфейс </a:t>
+              </a:r>
+              <a:r>
+                <a:rPr lang="en-US" dirty="0" err="1" smtClean="0"/>
+                <a:t>IVisualObjectInfo</a:t>
+              </a:r>
+              <a:r>
+                <a:rPr lang="ru-RU" dirty="0" smtClean="0"/>
+                <a:t>, необходимый стратегии рисования</a:t>
+              </a:r>
+              <a:endParaRPr lang="ru-RU" dirty="0"/>
+            </a:p>
+          </p:txBody>
+        </p:sp>
+        <p:cxnSp>
+          <p:nvCxnSpPr>
+            <p:cNvPr id="8" name="Straight Arrow Connector 7"/>
+            <p:cNvCxnSpPr/>
+            <p:nvPr/>
+          </p:nvCxnSpPr>
+          <p:spPr>
+            <a:xfrm>
+              <a:off x="5148064" y="1006371"/>
+              <a:ext cx="144016" cy="1270501"/>
+            </a:xfrm>
+            <a:prstGeom prst="straightConnector1">
+              <a:avLst/>
+            </a:prstGeom>
+            <a:ln>
+              <a:solidFill>
+                <a:schemeClr val="tx1"/>
+              </a:solidFill>
+              <a:tailEnd type="triangle"/>
+            </a:ln>
+          </p:spPr>
+          <p:style>
+            <a:lnRef idx="1">
+              <a:schemeClr val="accent1"/>
+            </a:lnRef>
+            <a:fillRef idx="0">
+              <a:schemeClr val="accent1"/>
+            </a:fillRef>
+            <a:effectRef idx="0">
+              <a:schemeClr val="accent1"/>
+            </a:effectRef>
+            <a:fontRef idx="minor">
+              <a:schemeClr val="tx1"/>
+            </a:fontRef>
+          </p:style>
+        </p:cxnSp>
+      </p:grpSp>
+    </p:spTree>
+    <p:extLst>
+      <p:ext uri="{BB962C8B-B14F-4D97-AF65-F5344CB8AC3E}">
+        <p14:creationId xmlns:p14="http://schemas.microsoft.com/office/powerpoint/2010/main" val="2494683544"/>
+      </p:ext>
+    </p:extLst>
+  </p:cSld>
+  <p:clrMapOvr>
+    <a:masterClrMapping/>
+  </p:clrMapOvr>
+  <p:timing>
+    <p:tnLst>
+      <p:par>
+        <p:cTn id="1" dur="indefinite" restart="never" nodeType="tmRoot">
+          <p:childTnLst>
+            <p:seq concurrent="1" nextAc="seek">
+              <p:cTn id="2" dur="indefinite" nodeType="mainSeq">
+                <p:childTnLst>
+                  <p:par>
+                    <p:cTn id="3" fill="hold">
+                      <p:stCondLst>
+                        <p:cond delay="indefinite"/>
+                      </p:stCondLst>
+                      <p:childTnLst>
+                        <p:par>
+                          <p:cTn id="4" fill="hold">
+                            <p:stCondLst>
+                              <p:cond delay="0"/>
+                            </p:stCondLst>
+                            <p:childTnLst>
+                              <p:par>
+                                <p:cTn id="5" presetID="10" presetClass="entr" presetSubtype="0" fill="hold" grpId="0" nodeType="clickEffect">
+                                  <p:stCondLst>
+                                    <p:cond delay="0"/>
+                                  </p:stCondLst>
+                                  <p:childTnLst>
+                                    <p:set>
+                                      <p:cBhvr>
+                                        <p:cTn id="6" dur="1" fill="hold">
+                                          <p:stCondLst>
+                                            <p:cond delay="0"/>
+                                          </p:stCondLst>
+                                        </p:cTn>
+                                        <p:tgtEl>
+                                          <p:spTgt spid="5"/>
+                                        </p:tgtEl>
+                                        <p:attrNameLst>
+                                          <p:attrName>style.visibility</p:attrName>
+                                        </p:attrNameLst>
+                                      </p:cBhvr>
+                                      <p:to>
+                                        <p:strVal val="visible"/>
+                                      </p:to>
+                                    </p:set>
+                                    <p:animEffect transition="in" filter="fade">
+                                      <p:cBhvr>
+                                        <p:cTn id="7" dur="500"/>
+                                        <p:tgtEl>
+                                          <p:spTgt spid="5"/>
+                                        </p:tgtEl>
+                                      </p:cBhvr>
+                                    </p:animEffect>
+                                  </p:childTnLst>
+                                </p:cTn>
+                              </p:par>
+                            </p:childTnLst>
+                          </p:cTn>
+                        </p:par>
+                      </p:childTnLst>
+                    </p:cTn>
+                  </p:par>
+                  <p:par>
+                    <p:cTn id="8" fill="hold">
+                      <p:stCondLst>
+                        <p:cond delay="indefinite"/>
+                      </p:stCondLst>
+                      <p:childTnLst>
+                        <p:par>
+                          <p:cTn id="9" fill="hold">
+                            <p:stCondLst>
+                              <p:cond delay="0"/>
+                            </p:stCondLst>
+                            <p:childTnLst>
+                              <p:par>
+                                <p:cTn id="10" presetID="10" presetClass="entr" presetSubtype="0" fill="hold" nodeType="clickEffect">
+                                  <p:stCondLst>
+                                    <p:cond delay="0"/>
+                                  </p:stCondLst>
+                                  <p:childTnLst>
+                                    <p:set>
+                                      <p:cBhvr>
+                                        <p:cTn id="11" dur="1" fill="hold">
+                                          <p:stCondLst>
+                                            <p:cond delay="0"/>
+                                          </p:stCondLst>
+                                        </p:cTn>
+                                        <p:tgtEl>
+                                          <p:spTgt spid="9"/>
+                                        </p:tgtEl>
+                                        <p:attrNameLst>
+                                          <p:attrName>style.visibility</p:attrName>
+                                        </p:attrNameLst>
+                                      </p:cBhvr>
+                                      <p:to>
+                                        <p:strVal val="visible"/>
+                                      </p:to>
+                                    </p:set>
+                                    <p:animEffect transition="in" filter="fade">
+                                      <p:cBhvr>
+                                        <p:cTn id="12" dur="500"/>
+                                        <p:tgtEl>
+                                          <p:spTgt spid="9"/>
+                                        </p:tgtEl>
+                                      </p:cBhvr>
+                                    </p:animEffect>
+                                  </p:childTnLst>
+                                </p:cTn>
+                              </p:par>
+                            </p:childTnLst>
+                          </p:cTn>
+                        </p:par>
+                      </p:childTnLst>
+                    </p:cTn>
+                  </p:par>
+                </p:childTnLst>
+              </p:cTn>
+              <p:prevCondLst>
+                <p:cond evt="onPrev" delay="0">
+                  <p:tgtEl>
+                    <p:sldTgt/>
+                  </p:tgtEl>
+                </p:cond>
+              </p:prevCondLst>
+              <p:nextCondLst>
+                <p:cond evt="onNext" delay="0">
+                  <p:tgtEl>
+                    <p:sldTgt/>
+                  </p:tgtEl>
+                </p:cond>
+              </p:nextCondLst>
+            </p:seq>
+          </p:childTnLst>
+        </p:cTn>
+      </p:par>
+    </p:tnLst>
+    <p:bldLst>
+      <p:bldP spid="5" grpId="0"/>
+    </p:bldLst>
+  </p:timing>
+</p:sld>
+</file>
+
 <file path=ppt/slides/slide5.xml><?xml version="1.0" encoding="utf-8"?>
 <p:sld xmlns:a="http://schemas.openxmlformats.org/drawingml/2006/main" xmlns:r="http://schemas.openxmlformats.org/officeDocument/2006/relationships" xmlns:p="http://schemas.openxmlformats.org/presentationml/2006/main">
   <p:cSld>
@@ -10990,7 +12367,7 @@
       </p:sp>
       <p:pic>
         <p:nvPicPr>
-          <p:cNvPr id="3" name="Picture 2"/>
+          <p:cNvPr id="5" name="Picture 4"/>
           <p:cNvPicPr>
             <a:picLocks noChangeAspect="1"/>
           </p:cNvPicPr>
@@ -11004,8 +12381,8 @@
         </p:blipFill>
         <p:spPr>
           <a:xfrm>
-            <a:off x="179512" y="2780928"/>
-            <a:ext cx="3121369" cy="3618000"/>
+            <a:off x="457200" y="3637612"/>
+            <a:ext cx="3353704" cy="2770334"/>
           </a:xfrm>
           <a:prstGeom prst="rect">
             <a:avLst/>
@@ -11014,7 +12391,7 @@
       </p:pic>
       <p:pic>
         <p:nvPicPr>
-          <p:cNvPr id="4" name="Picture 3"/>
+          <p:cNvPr id="7" name="Picture 6"/>
           <p:cNvPicPr>
             <a:picLocks noChangeAspect="1"/>
           </p:cNvPicPr>
@@ -11028,8 +12405,8 @@
         </p:blipFill>
         <p:spPr>
           <a:xfrm>
-            <a:off x="3762504" y="1988840"/>
-            <a:ext cx="5099290" cy="3240360"/>
+            <a:off x="3923928" y="1916832"/>
+            <a:ext cx="5090984" cy="3233351"/>
           </a:xfrm>
           <a:prstGeom prst="rect">
             <a:avLst/>

--- a/lectures/01.strategy/strategy.pptx
+++ b/lectures/01.strategy/strategy.pptx
@@ -575,33 +575,7 @@
           <a:bodyPr/>
           <a:lstStyle/>
           <a:p>
-            <a:r>
-              <a:rPr lang="ru-RU" dirty="0"/>
-              <a:t>Этот курс учит вас не просто писать код, а проектировать его. В реальных проектах самое трудное — не заставить программу заработать, а сделать так, чтобы её можно было легко развивать дальше. Требования будут меняться всегда, и именно ООП даёт нам инструменты строить гибкие системы.</a:t>
-            </a:r>
-            <a:br>
-              <a:rPr lang="ru-RU" dirty="0"/>
-            </a:br>
-            <a:r>
-              <a:rPr lang="ru-RU" dirty="0"/>
-              <a:t>Мы разбираем фундаментальные принципы — такие как SOLID, композиция против наследования, слабая связанность — и тренируемся применять их в примерах. Благодаря этому вы приобретаете навык видеть архитектурные проблемы заранее и проектировать так, чтобы они не мешали развитию продукта.</a:t>
-            </a:r>
-            <a:br>
-              <a:rPr lang="ru-RU" dirty="0"/>
-            </a:br>
-            <a:r>
-              <a:rPr lang="ru-RU" dirty="0"/>
-              <a:t>Именно поэтому этот курс — ключевой шаг от «человека, который умеет </a:t>
-            </a:r>
-            <a:r>
-              <a:rPr lang="ru-RU" dirty="0" err="1"/>
-              <a:t>кодить</a:t>
-            </a:r>
-            <a:r>
-              <a:rPr lang="ru-RU" dirty="0"/>
-              <a:t>» к инженеру-программисту, который создаёт надёжные и долгоживущие системы.</a:t>
-            </a:r>
-            <a:endParaRPr lang="en-US" dirty="0"/>
+            <a:endParaRPr lang="en-US"/>
           </a:p>
         </p:txBody>
       </p:sp>
@@ -622,7 +596,7 @@
           <a:p>
             <a:fld id="{C72A1285-F988-4153-B7C5-B887A867730D}" type="slidenum">
               <a:rPr lang="ru-RU" smtClean="0"/>
-              <a:t>2</a:t>
+              <a:t>1</a:t>
             </a:fld>
             <a:endParaRPr lang="ru-RU"/>
           </a:p>
@@ -631,7 +605,7 @@
     </p:spTree>
     <p:extLst>
       <p:ext uri="{BB962C8B-B14F-4D97-AF65-F5344CB8AC3E}">
-        <p14:creationId xmlns:p14="http://schemas.microsoft.com/office/powerpoint/2010/main" val="3247544534"/>
+        <p14:creationId xmlns:p14="http://schemas.microsoft.com/office/powerpoint/2010/main" val="1560692176"/>
       </p:ext>
     </p:extLst>
   </p:cSld>
@@ -685,7 +659,43 @@
           <a:bodyPr/>
           <a:lstStyle/>
           <a:p>
-            <a:endParaRPr lang="en-US"/>
+            <a:r>
+              <a:rPr lang="ru-RU" dirty="0"/>
+              <a:t>Можно переопределить метод </a:t>
+            </a:r>
+            <a:r>
+              <a:rPr lang="en-US" dirty="0"/>
+              <a:t>Fly</a:t>
+            </a:r>
+            <a:r>
+              <a:rPr lang="ru-RU" dirty="0"/>
+              <a:t> для резиновых уток, которые не летает.</a:t>
+            </a:r>
+          </a:p>
+          <a:p>
+            <a:r>
+              <a:rPr lang="ru-RU" dirty="0"/>
+              <a:t>Однако это же придётся сделать и для деревянной утки. Более того, деревянные утки не умеют крякать. Для них также придётся переопределить метод </a:t>
+            </a:r>
+            <a:r>
+              <a:rPr lang="en-US" dirty="0"/>
+              <a:t>Quack.</a:t>
+            </a:r>
+          </a:p>
+          <a:p>
+            <a:r>
+              <a:rPr lang="ru-RU" dirty="0"/>
+              <a:t>Резиновые утки не крякают, а издают писк. Придётся переопределить </a:t>
+            </a:r>
+            <a:r>
+              <a:rPr lang="en-US" dirty="0"/>
+              <a:t>Quack </a:t>
+            </a:r>
+            <a:r>
+              <a:rPr lang="ru-RU" dirty="0"/>
+              <a:t>и для них.</a:t>
+            </a:r>
+            <a:endParaRPr lang="en-US" dirty="0"/>
           </a:p>
         </p:txBody>
       </p:sp>
@@ -706,7 +716,7 @@
           <a:p>
             <a:fld id="{C72A1285-F988-4153-B7C5-B887A867730D}" type="slidenum">
               <a:rPr lang="ru-RU" smtClean="0"/>
-              <a:t>11</a:t>
+              <a:t>10</a:t>
             </a:fld>
             <a:endParaRPr lang="ru-RU"/>
           </a:p>
@@ -715,7 +725,7 @@
     </p:spTree>
     <p:extLst>
       <p:ext uri="{BB962C8B-B14F-4D97-AF65-F5344CB8AC3E}">
-        <p14:creationId xmlns:p14="http://schemas.microsoft.com/office/powerpoint/2010/main" val="1448199744"/>
+        <p14:creationId xmlns:p14="http://schemas.microsoft.com/office/powerpoint/2010/main" val="1953917200"/>
       </p:ext>
     </p:extLst>
   </p:cSld>
@@ -769,41 +779,7 @@
           <a:bodyPr/>
           <a:lstStyle/>
           <a:p>
-            <a:r>
-              <a:rPr lang="ru-RU" dirty="0"/>
-              <a:t>Недостатки решения</a:t>
-            </a:r>
-          </a:p>
-          <a:p>
-            <a:pPr marL="171450" indent="-171450">
-              <a:buFontTx/>
-              <a:buChar char="-"/>
-            </a:pPr>
-            <a:r>
-              <a:rPr lang="ru-RU" dirty="0"/>
-              <a:t>Дублирование кода между разными классами уток</a:t>
-            </a:r>
-          </a:p>
-          <a:p>
-            <a:pPr marL="171450" indent="-171450">
-              <a:buFontTx/>
-              <a:buChar char="-"/>
-            </a:pPr>
-            <a:r>
-              <a:rPr lang="ru-RU" dirty="0"/>
-              <a:t>Потеря эффективности из-за динамического приведения типа</a:t>
-            </a:r>
-          </a:p>
-          <a:p>
-            <a:pPr marL="171450" indent="-171450">
-              <a:buFontTx/>
-              <a:buChar char="-"/>
-            </a:pPr>
-            <a:r>
-              <a:rPr lang="ru-RU" dirty="0"/>
-              <a:t>Неудобный интерфейс</a:t>
-            </a:r>
-            <a:endParaRPr lang="en-US" dirty="0"/>
+            <a:endParaRPr lang="en-US"/>
           </a:p>
         </p:txBody>
       </p:sp>
@@ -824,7 +800,7 @@
           <a:p>
             <a:fld id="{C72A1285-F988-4153-B7C5-B887A867730D}" type="slidenum">
               <a:rPr lang="ru-RU" smtClean="0"/>
-              <a:t>12</a:t>
+              <a:t>11</a:t>
             </a:fld>
             <a:endParaRPr lang="ru-RU"/>
           </a:p>
@@ -833,7 +809,7 @@
     </p:spTree>
     <p:extLst>
       <p:ext uri="{BB962C8B-B14F-4D97-AF65-F5344CB8AC3E}">
-        <p14:creationId xmlns:p14="http://schemas.microsoft.com/office/powerpoint/2010/main" val="1629537519"/>
+        <p14:creationId xmlns:p14="http://schemas.microsoft.com/office/powerpoint/2010/main" val="1448199744"/>
       </p:ext>
     </p:extLst>
   </p:cSld>
@@ -887,7 +863,41 @@
           <a:bodyPr/>
           <a:lstStyle/>
           <a:p>
-            <a:endParaRPr lang="en-US"/>
+            <a:r>
+              <a:rPr lang="ru-RU" dirty="0"/>
+              <a:t>Недостатки решения</a:t>
+            </a:r>
+          </a:p>
+          <a:p>
+            <a:pPr marL="171450" indent="-171450">
+              <a:buFontTx/>
+              <a:buChar char="-"/>
+            </a:pPr>
+            <a:r>
+              <a:rPr lang="ru-RU" dirty="0"/>
+              <a:t>Дублирование кода между разными классами уток</a:t>
+            </a:r>
+          </a:p>
+          <a:p>
+            <a:pPr marL="171450" indent="-171450">
+              <a:buFontTx/>
+              <a:buChar char="-"/>
+            </a:pPr>
+            <a:r>
+              <a:rPr lang="ru-RU" dirty="0"/>
+              <a:t>Потеря эффективности из-за динамического приведения типа</a:t>
+            </a:r>
+          </a:p>
+          <a:p>
+            <a:pPr marL="171450" indent="-171450">
+              <a:buFontTx/>
+              <a:buChar char="-"/>
+            </a:pPr>
+            <a:r>
+              <a:rPr lang="ru-RU" dirty="0"/>
+              <a:t>Неудобный интерфейс</a:t>
+            </a:r>
+            <a:endParaRPr lang="en-US" dirty="0"/>
           </a:p>
         </p:txBody>
       </p:sp>
@@ -908,7 +918,7 @@
           <a:p>
             <a:fld id="{C72A1285-F988-4153-B7C5-B887A867730D}" type="slidenum">
               <a:rPr lang="ru-RU" smtClean="0"/>
-              <a:t>13</a:t>
+              <a:t>12</a:t>
             </a:fld>
             <a:endParaRPr lang="ru-RU"/>
           </a:p>
@@ -917,7 +927,7 @@
     </p:spTree>
     <p:extLst>
       <p:ext uri="{BB962C8B-B14F-4D97-AF65-F5344CB8AC3E}">
-        <p14:creationId xmlns:p14="http://schemas.microsoft.com/office/powerpoint/2010/main" val="2692126124"/>
+        <p14:creationId xmlns:p14="http://schemas.microsoft.com/office/powerpoint/2010/main" val="1629537519"/>
       </p:ext>
     </p:extLst>
   </p:cSld>
@@ -992,7 +1002,7 @@
           <a:p>
             <a:fld id="{C72A1285-F988-4153-B7C5-B887A867730D}" type="slidenum">
               <a:rPr lang="ru-RU" smtClean="0"/>
-              <a:t>14</a:t>
+              <a:t>13</a:t>
             </a:fld>
             <a:endParaRPr lang="ru-RU"/>
           </a:p>
@@ -1001,7 +1011,7 @@
     </p:spTree>
     <p:extLst>
       <p:ext uri="{BB962C8B-B14F-4D97-AF65-F5344CB8AC3E}">
-        <p14:creationId xmlns:p14="http://schemas.microsoft.com/office/powerpoint/2010/main" val="2457072225"/>
+        <p14:creationId xmlns:p14="http://schemas.microsoft.com/office/powerpoint/2010/main" val="2692126124"/>
       </p:ext>
     </p:extLst>
   </p:cSld>
@@ -1076,7 +1086,7 @@
           <a:p>
             <a:fld id="{C72A1285-F988-4153-B7C5-B887A867730D}" type="slidenum">
               <a:rPr lang="ru-RU" smtClean="0"/>
-              <a:t>15</a:t>
+              <a:t>14</a:t>
             </a:fld>
             <a:endParaRPr lang="ru-RU"/>
           </a:p>
@@ -1085,7 +1095,7 @@
     </p:spTree>
     <p:extLst>
       <p:ext uri="{BB962C8B-B14F-4D97-AF65-F5344CB8AC3E}">
-        <p14:creationId xmlns:p14="http://schemas.microsoft.com/office/powerpoint/2010/main" val="3667986062"/>
+        <p14:creationId xmlns:p14="http://schemas.microsoft.com/office/powerpoint/2010/main" val="2457072225"/>
       </p:ext>
     </p:extLst>
   </p:cSld>
@@ -1139,7 +1149,7 @@
           <a:bodyPr/>
           <a:lstStyle/>
           <a:p>
-            <a:endParaRPr lang="en-US" dirty="0"/>
+            <a:endParaRPr lang="en-US"/>
           </a:p>
         </p:txBody>
       </p:sp>
@@ -1160,7 +1170,7 @@
           <a:p>
             <a:fld id="{C72A1285-F988-4153-B7C5-B887A867730D}" type="slidenum">
               <a:rPr lang="ru-RU" smtClean="0"/>
-              <a:t>16</a:t>
+              <a:t>15</a:t>
             </a:fld>
             <a:endParaRPr lang="ru-RU"/>
           </a:p>
@@ -1169,7 +1179,7 @@
     </p:spTree>
     <p:extLst>
       <p:ext uri="{BB962C8B-B14F-4D97-AF65-F5344CB8AC3E}">
-        <p14:creationId xmlns:p14="http://schemas.microsoft.com/office/powerpoint/2010/main" val="3424882240"/>
+        <p14:creationId xmlns:p14="http://schemas.microsoft.com/office/powerpoint/2010/main" val="3667986062"/>
       </p:ext>
     </p:extLst>
   </p:cSld>
@@ -1223,7 +1233,7 @@
           <a:bodyPr/>
           <a:lstStyle/>
           <a:p>
-            <a:endParaRPr lang="en-US"/>
+            <a:endParaRPr lang="en-US" dirty="0"/>
           </a:p>
         </p:txBody>
       </p:sp>
@@ -1244,7 +1254,7 @@
           <a:p>
             <a:fld id="{C72A1285-F988-4153-B7C5-B887A867730D}" type="slidenum">
               <a:rPr lang="ru-RU" smtClean="0"/>
-              <a:t>17</a:t>
+              <a:t>16</a:t>
             </a:fld>
             <a:endParaRPr lang="ru-RU"/>
           </a:p>
@@ -1253,7 +1263,7 @@
     </p:spTree>
     <p:extLst>
       <p:ext uri="{BB962C8B-B14F-4D97-AF65-F5344CB8AC3E}">
-        <p14:creationId xmlns:p14="http://schemas.microsoft.com/office/powerpoint/2010/main" val="644241383"/>
+        <p14:creationId xmlns:p14="http://schemas.microsoft.com/office/powerpoint/2010/main" val="3424882240"/>
       </p:ext>
     </p:extLst>
   </p:cSld>
@@ -1328,7 +1338,7 @@
           <a:p>
             <a:fld id="{C72A1285-F988-4153-B7C5-B887A867730D}" type="slidenum">
               <a:rPr lang="ru-RU" smtClean="0"/>
-              <a:t>18</a:t>
+              <a:t>17</a:t>
             </a:fld>
             <a:endParaRPr lang="ru-RU"/>
           </a:p>
@@ -1337,7 +1347,7 @@
     </p:spTree>
     <p:extLst>
       <p:ext uri="{BB962C8B-B14F-4D97-AF65-F5344CB8AC3E}">
-        <p14:creationId xmlns:p14="http://schemas.microsoft.com/office/powerpoint/2010/main" val="2375342721"/>
+        <p14:creationId xmlns:p14="http://schemas.microsoft.com/office/powerpoint/2010/main" val="644241383"/>
       </p:ext>
     </p:extLst>
   </p:cSld>
@@ -1412,7 +1422,7 @@
           <a:p>
             <a:fld id="{C72A1285-F988-4153-B7C5-B887A867730D}" type="slidenum">
               <a:rPr lang="ru-RU" smtClean="0"/>
-              <a:t>19</a:t>
+              <a:t>18</a:t>
             </a:fld>
             <a:endParaRPr lang="ru-RU"/>
           </a:p>
@@ -1421,7 +1431,7 @@
     </p:spTree>
     <p:extLst>
       <p:ext uri="{BB962C8B-B14F-4D97-AF65-F5344CB8AC3E}">
-        <p14:creationId xmlns:p14="http://schemas.microsoft.com/office/powerpoint/2010/main" val="2786080505"/>
+        <p14:creationId xmlns:p14="http://schemas.microsoft.com/office/powerpoint/2010/main" val="2375342721"/>
       </p:ext>
     </p:extLst>
   </p:cSld>
@@ -1496,7 +1506,7 @@
           <a:p>
             <a:fld id="{C72A1285-F988-4153-B7C5-B887A867730D}" type="slidenum">
               <a:rPr lang="ru-RU" smtClean="0"/>
-              <a:t>20</a:t>
+              <a:t>19</a:t>
             </a:fld>
             <a:endParaRPr lang="ru-RU"/>
           </a:p>
@@ -1505,7 +1515,7 @@
     </p:spTree>
     <p:extLst>
       <p:ext uri="{BB962C8B-B14F-4D97-AF65-F5344CB8AC3E}">
-        <p14:creationId xmlns:p14="http://schemas.microsoft.com/office/powerpoint/2010/main" val="1546554840"/>
+        <p14:creationId xmlns:p14="http://schemas.microsoft.com/office/powerpoint/2010/main" val="2786080505"/>
       </p:ext>
     </p:extLst>
   </p:cSld>
@@ -1561,21 +1571,29 @@
           <a:p>
             <a:r>
               <a:rPr lang="ru-RU" dirty="0"/>
-              <a:t>Паттерны проектирования — это не готовые куски кода, а проверенные временем решения типовых проблем. Они экономят нам время и силы, потому что вместо того, чтобы заново придумывать, как, например, разделить изменяемые и неизменяемые части программы, мы используем уже отработанный подход.</a:t>
+              <a:t>Этот курс учит вас не просто писать код, а проектировать его. В реальных проектах самое трудное — не заставить программу заработать, а сделать так, чтобы её можно было легко развивать дальше. Требования будут меняться всегда, и именно ООП даёт нам инструменты строить гибкие системы.</a:t>
             </a:r>
             <a:br>
               <a:rPr lang="ru-RU" dirty="0"/>
             </a:br>
             <a:r>
               <a:rPr lang="ru-RU" dirty="0"/>
-              <a:t>Кроме того, паттерны дают нам общий словарь. Когда мы говорим «здесь стоит применить стратегию», коллега сразу понимает, о чём речь, без длинных объяснений. Это сильно ускоряет командную работу.</a:t>
+              <a:t>Мы разбираем фундаментальные принципы — такие как SOLID, композиция против наследования, слабая связанность — и тренируемся применять их в примерах. Благодаря этому вы приобретаете навык видеть архитектурные проблемы заранее и проектировать так, чтобы они не мешали развитию продукта.</a:t>
             </a:r>
             <a:br>
               <a:rPr lang="ru-RU" dirty="0"/>
             </a:br>
             <a:r>
               <a:rPr lang="ru-RU" dirty="0"/>
-              <a:t>Знание паттернов помогает писать код, который живёт годами и выдерживает изменения требований. А это именно то, что требуется от хорошего инженера.</a:t>
+              <a:t>Именно поэтому этот курс — ключевой шаг от «человека, который умеет </a:t>
+            </a:r>
+            <a:r>
+              <a:rPr lang="ru-RU" dirty="0" err="1"/>
+              <a:t>кодить</a:t>
+            </a:r>
+            <a:r>
+              <a:rPr lang="ru-RU" dirty="0"/>
+              <a:t>» к инженеру-программисту, который создаёт надёжные и долгоживущие системы.</a:t>
             </a:r>
             <a:endParaRPr lang="en-US" dirty="0"/>
           </a:p>
@@ -1598,7 +1616,7 @@
           <a:p>
             <a:fld id="{C72A1285-F988-4153-B7C5-B887A867730D}" type="slidenum">
               <a:rPr lang="ru-RU" smtClean="0"/>
-              <a:t>3</a:t>
+              <a:t>2</a:t>
             </a:fld>
             <a:endParaRPr lang="ru-RU"/>
           </a:p>
@@ -1607,7 +1625,7 @@
     </p:spTree>
     <p:extLst>
       <p:ext uri="{BB962C8B-B14F-4D97-AF65-F5344CB8AC3E}">
-        <p14:creationId xmlns:p14="http://schemas.microsoft.com/office/powerpoint/2010/main" val="2464941237"/>
+        <p14:creationId xmlns:p14="http://schemas.microsoft.com/office/powerpoint/2010/main" val="3247544534"/>
       </p:ext>
     </p:extLst>
   </p:cSld>
@@ -1682,7 +1700,7 @@
           <a:p>
             <a:fld id="{C72A1285-F988-4153-B7C5-B887A867730D}" type="slidenum">
               <a:rPr lang="ru-RU" smtClean="0"/>
-              <a:t>21</a:t>
+              <a:t>20</a:t>
             </a:fld>
             <a:endParaRPr lang="ru-RU"/>
           </a:p>
@@ -1691,7 +1709,7 @@
     </p:spTree>
     <p:extLst>
       <p:ext uri="{BB962C8B-B14F-4D97-AF65-F5344CB8AC3E}">
-        <p14:creationId xmlns:p14="http://schemas.microsoft.com/office/powerpoint/2010/main" val="364825761"/>
+        <p14:creationId xmlns:p14="http://schemas.microsoft.com/office/powerpoint/2010/main" val="1546554840"/>
       </p:ext>
     </p:extLst>
   </p:cSld>
@@ -1766,7 +1784,7 @@
           <a:p>
             <a:fld id="{C72A1285-F988-4153-B7C5-B887A867730D}" type="slidenum">
               <a:rPr lang="ru-RU" smtClean="0"/>
-              <a:t>22</a:t>
+              <a:t>21</a:t>
             </a:fld>
             <a:endParaRPr lang="ru-RU"/>
           </a:p>
@@ -1775,7 +1793,7 @@
     </p:spTree>
     <p:extLst>
       <p:ext uri="{BB962C8B-B14F-4D97-AF65-F5344CB8AC3E}">
-        <p14:creationId xmlns:p14="http://schemas.microsoft.com/office/powerpoint/2010/main" val="1788797339"/>
+        <p14:creationId xmlns:p14="http://schemas.microsoft.com/office/powerpoint/2010/main" val="364825761"/>
       </p:ext>
     </p:extLst>
   </p:cSld>
@@ -1850,7 +1868,7 @@
           <a:p>
             <a:fld id="{C72A1285-F988-4153-B7C5-B887A867730D}" type="slidenum">
               <a:rPr lang="ru-RU" smtClean="0"/>
-              <a:t>23</a:t>
+              <a:t>22</a:t>
             </a:fld>
             <a:endParaRPr lang="ru-RU"/>
           </a:p>
@@ -1859,7 +1877,7 @@
     </p:spTree>
     <p:extLst>
       <p:ext uri="{BB962C8B-B14F-4D97-AF65-F5344CB8AC3E}">
-        <p14:creationId xmlns:p14="http://schemas.microsoft.com/office/powerpoint/2010/main" val="1926260032"/>
+        <p14:creationId xmlns:p14="http://schemas.microsoft.com/office/powerpoint/2010/main" val="1788797339"/>
       </p:ext>
     </p:extLst>
   </p:cSld>
@@ -1913,39 +1931,7 @@
           <a:bodyPr/>
           <a:lstStyle/>
           <a:p>
-            <a:r>
-              <a:rPr lang="ru-RU" dirty="0"/>
-              <a:t>1. Не всегда. Программист может предугадывать изменения ещё на этапе проектирования и сразу предусматривать возможности изменения.</a:t>
-            </a:r>
-          </a:p>
-          <a:p>
-            <a:r>
-              <a:rPr lang="ru-RU" dirty="0"/>
-              <a:t>2. В данном случае </a:t>
-            </a:r>
-            <a:r>
-              <a:rPr lang="en-US" dirty="0"/>
-              <a:t>Duck </a:t>
-            </a:r>
-            <a:r>
-              <a:rPr lang="ru-RU" dirty="0"/>
-              <a:t>лучше оставить классом. После того, как мы из него отделили изменяемые части, конекретные классы вроде </a:t>
-            </a:r>
-            <a:r>
-              <a:rPr lang="en-US" dirty="0"/>
-              <a:t>MallardDuck</a:t>
-            </a:r>
-            <a:r>
-              <a:rPr lang="ru-RU" dirty="0"/>
-              <a:t> унаследуют общие свойства и методы и переопределят методы рисования.</a:t>
-            </a:r>
-          </a:p>
-          <a:p>
-            <a:r>
-              <a:rPr lang="ru-RU" dirty="0"/>
-              <a:t>3. В нашем случае просто совпало, что классы не имеют состояния. Классы поведения могут обладать состоянием: частота взмаха крыльев, количество оставшихся сил у утки.</a:t>
-            </a:r>
-            <a:endParaRPr lang="en-US" dirty="0"/>
+            <a:endParaRPr lang="en-US"/>
           </a:p>
         </p:txBody>
       </p:sp>
@@ -1966,7 +1952,7 @@
           <a:p>
             <a:fld id="{C72A1285-F988-4153-B7C5-B887A867730D}" type="slidenum">
               <a:rPr lang="ru-RU" smtClean="0"/>
-              <a:t>24</a:t>
+              <a:t>23</a:t>
             </a:fld>
             <a:endParaRPr lang="ru-RU"/>
           </a:p>
@@ -1975,7 +1961,7 @@
     </p:spTree>
     <p:extLst>
       <p:ext uri="{BB962C8B-B14F-4D97-AF65-F5344CB8AC3E}">
-        <p14:creationId xmlns:p14="http://schemas.microsoft.com/office/powerpoint/2010/main" val="4148140674"/>
+        <p14:creationId xmlns:p14="http://schemas.microsoft.com/office/powerpoint/2010/main" val="1926260032"/>
       </p:ext>
     </p:extLst>
   </p:cSld>
@@ -2029,7 +2015,39 @@
           <a:bodyPr/>
           <a:lstStyle/>
           <a:p>
-            <a:endParaRPr lang="en-US"/>
+            <a:r>
+              <a:rPr lang="ru-RU" dirty="0"/>
+              <a:t>1. Не всегда. Программист может предугадывать изменения ещё на этапе проектирования и сразу предусматривать возможности изменения.</a:t>
+            </a:r>
+          </a:p>
+          <a:p>
+            <a:r>
+              <a:rPr lang="ru-RU" dirty="0"/>
+              <a:t>2. В данном случае </a:t>
+            </a:r>
+            <a:r>
+              <a:rPr lang="en-US" dirty="0"/>
+              <a:t>Duck </a:t>
+            </a:r>
+            <a:r>
+              <a:rPr lang="ru-RU" dirty="0"/>
+              <a:t>лучше оставить классом. После того, как мы из него отделили изменяемые части, конекретные классы вроде </a:t>
+            </a:r>
+            <a:r>
+              <a:rPr lang="en-US" dirty="0"/>
+              <a:t>MallardDuck</a:t>
+            </a:r>
+            <a:r>
+              <a:rPr lang="ru-RU" dirty="0"/>
+              <a:t> унаследуют общие свойства и методы и переопределят методы рисования.</a:t>
+            </a:r>
+          </a:p>
+          <a:p>
+            <a:r>
+              <a:rPr lang="ru-RU" dirty="0"/>
+              <a:t>3. В нашем случае просто совпало, что классы не имеют состояния. Классы поведения могут обладать состоянием: частота взмаха крыльев, количество оставшихся сил у утки.</a:t>
+            </a:r>
+            <a:endParaRPr lang="en-US" dirty="0"/>
           </a:p>
         </p:txBody>
       </p:sp>
@@ -2050,7 +2068,7 @@
           <a:p>
             <a:fld id="{C72A1285-F988-4153-B7C5-B887A867730D}" type="slidenum">
               <a:rPr lang="ru-RU" smtClean="0"/>
-              <a:t>25</a:t>
+              <a:t>24</a:t>
             </a:fld>
             <a:endParaRPr lang="ru-RU"/>
           </a:p>
@@ -2059,7 +2077,7 @@
     </p:spTree>
     <p:extLst>
       <p:ext uri="{BB962C8B-B14F-4D97-AF65-F5344CB8AC3E}">
-        <p14:creationId xmlns:p14="http://schemas.microsoft.com/office/powerpoint/2010/main" val="1201783379"/>
+        <p14:creationId xmlns:p14="http://schemas.microsoft.com/office/powerpoint/2010/main" val="4148140674"/>
       </p:ext>
     </p:extLst>
   </p:cSld>
@@ -2134,7 +2152,7 @@
           <a:p>
             <a:fld id="{C72A1285-F988-4153-B7C5-B887A867730D}" type="slidenum">
               <a:rPr lang="ru-RU" smtClean="0"/>
-              <a:t>26</a:t>
+              <a:t>25</a:t>
             </a:fld>
             <a:endParaRPr lang="ru-RU"/>
           </a:p>
@@ -2143,7 +2161,7 @@
     </p:spTree>
     <p:extLst>
       <p:ext uri="{BB962C8B-B14F-4D97-AF65-F5344CB8AC3E}">
-        <p14:creationId xmlns:p14="http://schemas.microsoft.com/office/powerpoint/2010/main" val="4147451257"/>
+        <p14:creationId xmlns:p14="http://schemas.microsoft.com/office/powerpoint/2010/main" val="1201783379"/>
       </p:ext>
     </p:extLst>
   </p:cSld>
@@ -2218,7 +2236,7 @@
           <a:p>
             <a:fld id="{C72A1285-F988-4153-B7C5-B887A867730D}" type="slidenum">
               <a:rPr lang="ru-RU" smtClean="0"/>
-              <a:t>27</a:t>
+              <a:t>26</a:t>
             </a:fld>
             <a:endParaRPr lang="ru-RU"/>
           </a:p>
@@ -2227,7 +2245,7 @@
     </p:spTree>
     <p:extLst>
       <p:ext uri="{BB962C8B-B14F-4D97-AF65-F5344CB8AC3E}">
-        <p14:creationId xmlns:p14="http://schemas.microsoft.com/office/powerpoint/2010/main" val="307526831"/>
+        <p14:creationId xmlns:p14="http://schemas.microsoft.com/office/powerpoint/2010/main" val="4147451257"/>
       </p:ext>
     </p:extLst>
   </p:cSld>
@@ -2302,7 +2320,7 @@
           <a:p>
             <a:fld id="{C72A1285-F988-4153-B7C5-B887A867730D}" type="slidenum">
               <a:rPr lang="ru-RU" smtClean="0"/>
-              <a:t>28</a:t>
+              <a:t>27</a:t>
             </a:fld>
             <a:endParaRPr lang="ru-RU"/>
           </a:p>
@@ -2311,7 +2329,7 @@
     </p:spTree>
     <p:extLst>
       <p:ext uri="{BB962C8B-B14F-4D97-AF65-F5344CB8AC3E}">
-        <p14:creationId xmlns:p14="http://schemas.microsoft.com/office/powerpoint/2010/main" val="3510889644"/>
+        <p14:creationId xmlns:p14="http://schemas.microsoft.com/office/powerpoint/2010/main" val="307526831"/>
       </p:ext>
     </p:extLst>
   </p:cSld>
@@ -2386,7 +2404,7 @@
           <a:p>
             <a:fld id="{C72A1285-F988-4153-B7C5-B887A867730D}" type="slidenum">
               <a:rPr lang="ru-RU" smtClean="0"/>
-              <a:t>29</a:t>
+              <a:t>28</a:t>
             </a:fld>
             <a:endParaRPr lang="ru-RU"/>
           </a:p>
@@ -2395,7 +2413,7 @@
     </p:spTree>
     <p:extLst>
       <p:ext uri="{BB962C8B-B14F-4D97-AF65-F5344CB8AC3E}">
-        <p14:creationId xmlns:p14="http://schemas.microsoft.com/office/powerpoint/2010/main" val="3383878606"/>
+        <p14:creationId xmlns:p14="http://schemas.microsoft.com/office/powerpoint/2010/main" val="3510889644"/>
       </p:ext>
     </p:extLst>
   </p:cSld>
@@ -2470,7 +2488,7 @@
           <a:p>
             <a:fld id="{C72A1285-F988-4153-B7C5-B887A867730D}" type="slidenum">
               <a:rPr lang="ru-RU" smtClean="0"/>
-              <a:t>30</a:t>
+              <a:t>29</a:t>
             </a:fld>
             <a:endParaRPr lang="ru-RU"/>
           </a:p>
@@ -2479,7 +2497,7 @@
     </p:spTree>
     <p:extLst>
       <p:ext uri="{BB962C8B-B14F-4D97-AF65-F5344CB8AC3E}">
-        <p14:creationId xmlns:p14="http://schemas.microsoft.com/office/powerpoint/2010/main" val="2289124403"/>
+        <p14:creationId xmlns:p14="http://schemas.microsoft.com/office/powerpoint/2010/main" val="3383878606"/>
       </p:ext>
     </p:extLst>
   </p:cSld>
@@ -2533,7 +2551,25 @@
           <a:bodyPr/>
           <a:lstStyle/>
           <a:p>
-            <a:endParaRPr lang="en-US"/>
+            <a:r>
+              <a:rPr lang="ru-RU" dirty="0"/>
+              <a:t>Паттерны проектирования — это не готовые куски кода, а проверенные временем решения типовых проблем. Они экономят нам время и силы, потому что вместо того, чтобы заново придумывать, как, например, разделить изменяемые и неизменяемые части программы, мы используем уже отработанный подход.</a:t>
+            </a:r>
+            <a:br>
+              <a:rPr lang="ru-RU" dirty="0"/>
+            </a:br>
+            <a:r>
+              <a:rPr lang="ru-RU" dirty="0"/>
+              <a:t>Кроме того, паттерны дают нам общий словарь. Когда мы говорим «здесь стоит применить стратегию», коллега сразу понимает, о чём речь, без длинных объяснений. Это сильно ускоряет командную работу.</a:t>
+            </a:r>
+            <a:br>
+              <a:rPr lang="ru-RU" dirty="0"/>
+            </a:br>
+            <a:r>
+              <a:rPr lang="ru-RU" dirty="0"/>
+              <a:t>Знание паттернов помогает писать код, который живёт годами и выдерживает изменения требований. А это именно то, что требуется от хорошего инженера.</a:t>
+            </a:r>
+            <a:endParaRPr lang="en-US" dirty="0"/>
           </a:p>
         </p:txBody>
       </p:sp>
@@ -2554,7 +2590,7 @@
           <a:p>
             <a:fld id="{C72A1285-F988-4153-B7C5-B887A867730D}" type="slidenum">
               <a:rPr lang="ru-RU" smtClean="0"/>
-              <a:t>4</a:t>
+              <a:t>3</a:t>
             </a:fld>
             <a:endParaRPr lang="ru-RU"/>
           </a:p>
@@ -2563,7 +2599,7 @@
     </p:spTree>
     <p:extLst>
       <p:ext uri="{BB962C8B-B14F-4D97-AF65-F5344CB8AC3E}">
-        <p14:creationId xmlns:p14="http://schemas.microsoft.com/office/powerpoint/2010/main" val="1096284306"/>
+        <p14:creationId xmlns:p14="http://schemas.microsoft.com/office/powerpoint/2010/main" val="2464941237"/>
       </p:ext>
     </p:extLst>
   </p:cSld>
@@ -2638,7 +2674,7 @@
           <a:p>
             <a:fld id="{C72A1285-F988-4153-B7C5-B887A867730D}" type="slidenum">
               <a:rPr lang="ru-RU" smtClean="0"/>
-              <a:t>31</a:t>
+              <a:t>30</a:t>
             </a:fld>
             <a:endParaRPr lang="ru-RU"/>
           </a:p>
@@ -2647,7 +2683,7 @@
     </p:spTree>
     <p:extLst>
       <p:ext uri="{BB962C8B-B14F-4D97-AF65-F5344CB8AC3E}">
-        <p14:creationId xmlns:p14="http://schemas.microsoft.com/office/powerpoint/2010/main" val="1507101850"/>
+        <p14:creationId xmlns:p14="http://schemas.microsoft.com/office/powerpoint/2010/main" val="2289124403"/>
       </p:ext>
     </p:extLst>
   </p:cSld>
@@ -2722,7 +2758,7 @@
           <a:p>
             <a:fld id="{C72A1285-F988-4153-B7C5-B887A867730D}" type="slidenum">
               <a:rPr lang="ru-RU" smtClean="0"/>
-              <a:t>32</a:t>
+              <a:t>31</a:t>
             </a:fld>
             <a:endParaRPr lang="ru-RU"/>
           </a:p>
@@ -2731,7 +2767,7 @@
     </p:spTree>
     <p:extLst>
       <p:ext uri="{BB962C8B-B14F-4D97-AF65-F5344CB8AC3E}">
-        <p14:creationId xmlns:p14="http://schemas.microsoft.com/office/powerpoint/2010/main" val="3062639874"/>
+        <p14:creationId xmlns:p14="http://schemas.microsoft.com/office/powerpoint/2010/main" val="1507101850"/>
       </p:ext>
     </p:extLst>
   </p:cSld>
@@ -2785,39 +2821,7 @@
           <a:bodyPr/>
           <a:lstStyle/>
           <a:p>
-            <a:r>
-              <a:rPr lang="ru-RU" dirty="0"/>
-              <a:t>Важно помнить: объектно-ориентированное программирование — это мощный инструмент, но не единственный. В современном мире всё больше проектов используют функциональный подход: неизменяемые данные, функции высшего порядка, композиция функций.</a:t>
-            </a:r>
-          </a:p>
-          <a:p>
-            <a:r>
-              <a:rPr lang="ru-RU" dirty="0"/>
-              <a:t>Знание ООП не мешает, а наоборот помогает — потому что вы начинаете видеть параллели. Например, паттерн «Стратегия» в функциональном стиле реализуется просто как передача функции. То есть идея одна и та же, но выражена другими средствами.</a:t>
-            </a:r>
-          </a:p>
-          <a:p>
-            <a:r>
-              <a:rPr lang="ru-RU" dirty="0"/>
-              <a:t>В нашем курсе мы будем рассматривать паттерны и в ООП, и в функциональной форме. Наша цель — не выучить десяток схем наизусть, а научиться понимать </a:t>
-            </a:r>
-            <a:r>
-              <a:rPr lang="ru-RU" b="1" dirty="0"/>
-              <a:t>принципы построения программных систем</a:t>
-            </a:r>
-            <a:r>
-              <a:rPr lang="ru-RU" dirty="0"/>
-              <a:t>: как отделять изменяемое от неизменяемого, как снижать связанность, как делать код гибким и расширяемым.</a:t>
-            </a:r>
-          </a:p>
-          <a:p>
-            <a:r>
-              <a:rPr lang="ru-RU" dirty="0"/>
-              <a:t>Таким образом, к концу курса у вас будет не только набор паттернов, а инструментальное мышление: вы сможете решать задачи и в объектно-ориентированном, и в функциональном стиле, в зависимости от того, какой подход лучше подходит в конкретной ситуации.</a:t>
-            </a:r>
-          </a:p>
-          <a:p>
-            <a:endParaRPr lang="en-US" dirty="0"/>
+            <a:endParaRPr lang="en-US"/>
           </a:p>
         </p:txBody>
       </p:sp>
@@ -2838,7 +2842,7 @@
           <a:p>
             <a:fld id="{C72A1285-F988-4153-B7C5-B887A867730D}" type="slidenum">
               <a:rPr lang="ru-RU" smtClean="0"/>
-              <a:t>33</a:t>
+              <a:t>32</a:t>
             </a:fld>
             <a:endParaRPr lang="ru-RU"/>
           </a:p>
@@ -2847,7 +2851,7 @@
     </p:spTree>
     <p:extLst>
       <p:ext uri="{BB962C8B-B14F-4D97-AF65-F5344CB8AC3E}">
-        <p14:creationId xmlns:p14="http://schemas.microsoft.com/office/powerpoint/2010/main" val="1124287938"/>
+        <p14:creationId xmlns:p14="http://schemas.microsoft.com/office/powerpoint/2010/main" val="3062639874"/>
       </p:ext>
     </p:extLst>
   </p:cSld>
@@ -2901,7 +2905,39 @@
           <a:bodyPr/>
           <a:lstStyle/>
           <a:p>
-            <a:endParaRPr lang="en-US"/>
+            <a:r>
+              <a:rPr lang="ru-RU" dirty="0"/>
+              <a:t>Важно помнить: объектно-ориентированное программирование — это мощный инструмент, но не единственный. В современном мире всё больше проектов используют функциональный подход: неизменяемые данные, функции высшего порядка, композиция функций.</a:t>
+            </a:r>
+          </a:p>
+          <a:p>
+            <a:r>
+              <a:rPr lang="ru-RU" dirty="0"/>
+              <a:t>Знание ООП не мешает, а наоборот помогает — потому что вы начинаете видеть параллели. Например, паттерн «Стратегия» в функциональном стиле реализуется просто как передача функции. То есть идея одна и та же, но выражена другими средствами.</a:t>
+            </a:r>
+          </a:p>
+          <a:p>
+            <a:r>
+              <a:rPr lang="ru-RU" dirty="0"/>
+              <a:t>В нашем курсе мы будем рассматривать паттерны и в ООП, и в функциональной форме. Наша цель — не выучить десяток схем наизусть, а научиться понимать </a:t>
+            </a:r>
+            <a:r>
+              <a:rPr lang="ru-RU" b="1" dirty="0"/>
+              <a:t>принципы построения программных систем</a:t>
+            </a:r>
+            <a:r>
+              <a:rPr lang="ru-RU" dirty="0"/>
+              <a:t>: как отделять изменяемое от неизменяемого, как снижать связанность, как делать код гибким и расширяемым.</a:t>
+            </a:r>
+          </a:p>
+          <a:p>
+            <a:r>
+              <a:rPr lang="ru-RU" dirty="0"/>
+              <a:t>Таким образом, к концу курса у вас будет не только набор паттернов, а инструментальное мышление: вы сможете решать задачи и в объектно-ориентированном, и в функциональном стиле, в зависимости от того, какой подход лучше подходит в конкретной ситуации.</a:t>
+            </a:r>
+          </a:p>
+          <a:p>
+            <a:endParaRPr lang="en-US" dirty="0"/>
           </a:p>
         </p:txBody>
       </p:sp>
@@ -2922,7 +2958,7 @@
           <a:p>
             <a:fld id="{C72A1285-F988-4153-B7C5-B887A867730D}" type="slidenum">
               <a:rPr lang="ru-RU" smtClean="0"/>
-              <a:t>34</a:t>
+              <a:t>33</a:t>
             </a:fld>
             <a:endParaRPr lang="ru-RU"/>
           </a:p>
@@ -2931,7 +2967,7 @@
     </p:spTree>
     <p:extLst>
       <p:ext uri="{BB962C8B-B14F-4D97-AF65-F5344CB8AC3E}">
-        <p14:creationId xmlns:p14="http://schemas.microsoft.com/office/powerpoint/2010/main" val="1062067812"/>
+        <p14:creationId xmlns:p14="http://schemas.microsoft.com/office/powerpoint/2010/main" val="1124287938"/>
       </p:ext>
     </p:extLst>
   </p:cSld>
@@ -3006,7 +3042,7 @@
           <a:p>
             <a:fld id="{C72A1285-F988-4153-B7C5-B887A867730D}" type="slidenum">
               <a:rPr lang="ru-RU" smtClean="0"/>
-              <a:t>35</a:t>
+              <a:t>34</a:t>
             </a:fld>
             <a:endParaRPr lang="ru-RU"/>
           </a:p>
@@ -3015,7 +3051,7 @@
     </p:spTree>
     <p:extLst>
       <p:ext uri="{BB962C8B-B14F-4D97-AF65-F5344CB8AC3E}">
-        <p14:creationId xmlns:p14="http://schemas.microsoft.com/office/powerpoint/2010/main" val="3822288984"/>
+        <p14:creationId xmlns:p14="http://schemas.microsoft.com/office/powerpoint/2010/main" val="1062067812"/>
       </p:ext>
     </p:extLst>
   </p:cSld>
@@ -3069,58 +3105,7 @@
           <a:bodyPr/>
           <a:lstStyle/>
           <a:p>
-            <a:r>
-              <a:rPr lang="ru-RU" dirty="0"/>
-              <a:t>Важно понимать: стратегии — это не только «безликие» классы с методом </a:t>
-            </a:r>
-            <a:r>
-              <a:rPr lang="ru-RU" dirty="0" err="1"/>
-              <a:t>Execute</a:t>
-            </a:r>
-            <a:r>
-              <a:rPr lang="ru-RU" dirty="0"/>
-              <a:t>(). Они могут иметь и внутреннее состояние, если это необходимо.</a:t>
-            </a:r>
-          </a:p>
-          <a:p>
-            <a:r>
-              <a:rPr lang="ru-RU" dirty="0"/>
-              <a:t>Например, представьте стратегию полёта утки, у которой есть запас энергии. Каждый вызов </a:t>
-            </a:r>
-            <a:r>
-              <a:rPr lang="ru-RU" dirty="0" err="1"/>
-              <a:t>Fly</a:t>
-            </a:r>
-            <a:r>
-              <a:rPr lang="ru-RU" dirty="0"/>
-              <a:t>() будет расходовать энергию, и в какой-то момент утка перестанет летать. Или стратегия кряканья, у которой громкость зависит от того, сколько раз подряд утка крякнула.</a:t>
-            </a:r>
-          </a:p>
-          <a:p>
-            <a:r>
-              <a:rPr lang="ru-RU" dirty="0"/>
-              <a:t>В более «серьёзных» приложениях состояние может быть конфигурацией алгоритма: сортировка с заданным порогом переключения на другой метод, стратегия кэширования с заданным размером буфера.</a:t>
-            </a:r>
-          </a:p>
-          <a:p>
-            <a:r>
-              <a:rPr lang="ru-RU" dirty="0"/>
-              <a:t>Однако здесь важно не переборщить. Если стратегия начинает хранить слишком много данных и бизнес-логики, то она перестаёт быть «алгоритмом» и превращается в самостоятельную сущность. Тогда стоит пересмотреть архитектуру и подумать, не лучше ли вынести это в отдельный класс.</a:t>
-            </a:r>
-          </a:p>
-          <a:p>
-            <a:r>
-              <a:rPr lang="ru-RU" dirty="0"/>
-              <a:t>Главная мысль: </a:t>
-            </a:r>
-            <a:r>
-              <a:rPr lang="ru-RU" b="1" dirty="0"/>
-              <a:t>стратегия может и должна иметь состояние тогда, когда это делает поведение более реалистичным, гибким или настраиваемым.</a:t>
-            </a:r>
-            <a:endParaRPr lang="ru-RU" dirty="0"/>
-          </a:p>
-          <a:p>
-            <a:endParaRPr lang="en-US" dirty="0"/>
+            <a:endParaRPr lang="en-US"/>
           </a:p>
         </p:txBody>
       </p:sp>
@@ -3141,7 +3126,7 @@
           <a:p>
             <a:fld id="{C72A1285-F988-4153-B7C5-B887A867730D}" type="slidenum">
               <a:rPr lang="ru-RU" smtClean="0"/>
-              <a:t>36</a:t>
+              <a:t>35</a:t>
             </a:fld>
             <a:endParaRPr lang="ru-RU"/>
           </a:p>
@@ -3150,7 +3135,7 @@
     </p:spTree>
     <p:extLst>
       <p:ext uri="{BB962C8B-B14F-4D97-AF65-F5344CB8AC3E}">
-        <p14:creationId xmlns:p14="http://schemas.microsoft.com/office/powerpoint/2010/main" val="1327394168"/>
+        <p14:creationId xmlns:p14="http://schemas.microsoft.com/office/powerpoint/2010/main" val="3822288984"/>
       </p:ext>
     </p:extLst>
   </p:cSld>
@@ -3206,35 +3191,21 @@
           <a:p>
             <a:r>
               <a:rPr lang="ru-RU" dirty="0"/>
-              <a:t>Когда мы говорим про хранение состояния, есть два основных пути.</a:t>
-            </a:r>
-          </a:p>
-          <a:p>
-            <a:r>
-              <a:rPr lang="ru-RU" dirty="0"/>
-              <a:t>Первый — </a:t>
-            </a:r>
-            <a:r>
-              <a:rPr lang="ru-RU" b="1" dirty="0"/>
-              <a:t>состояние в Контексте</a:t>
-            </a:r>
-            <a:r>
-              <a:rPr lang="ru-RU" dirty="0"/>
-              <a:t>. Контекст — это основной объект, он владеет всеми данными. Стратегия получает их только на входе, через параметры методов. Такой вариант хорош, когда стратегии являются максимально «чистыми»: они ничего не хранят, просто получают данные, что нужно, и возвращают результат. В этом случае стратегии легко подменяются, их поведение не зависит от истории вызовов.</a:t>
-            </a:r>
-          </a:p>
-          <a:p>
-            <a:r>
-              <a:rPr lang="ru-RU" dirty="0"/>
-              <a:t>Второй путь — </a:t>
-            </a:r>
-            <a:r>
-              <a:rPr lang="ru-RU" b="1" dirty="0"/>
-              <a:t>состояние в Стратегии</a:t>
-            </a:r>
-            <a:r>
-              <a:rPr lang="ru-RU" dirty="0"/>
-              <a:t>. Здесь стратегия хранит собственные данные. Например, стратегия полёта может хранить количество оставшихся «единиц энергии» или коэффициент усталости. Тогда при каждом вызове </a:t>
+              <a:t>Важно понимать: стратегии — это не только «безликие» классы с методом </a:t>
+            </a:r>
+            <a:r>
+              <a:rPr lang="ru-RU" dirty="0" err="1"/>
+              <a:t>Execute</a:t>
+            </a:r>
+            <a:r>
+              <a:rPr lang="ru-RU" dirty="0"/>
+              <a:t>(). Они могут иметь и внутреннее состояние, если это необходимо.</a:t>
+            </a:r>
+          </a:p>
+          <a:p>
+            <a:r>
+              <a:rPr lang="ru-RU" dirty="0"/>
+              <a:t>Например, представьте стратегию полёта утки, у которой есть запас энергии. Каждый вызов </a:t>
             </a:r>
             <a:r>
               <a:rPr lang="ru-RU" dirty="0" err="1"/>
@@ -3242,48 +3213,31 @@
             </a:r>
             <a:r>
               <a:rPr lang="ru-RU" dirty="0"/>
-              <a:t>() результат будет зависеть от накопленного состояния. В таких случаях передавать состояние через параметры методов неудобно, лучше, чтобы сама стратегия отвечала за него.</a:t>
-            </a:r>
-          </a:p>
-          <a:p>
-            <a:r>
-              <a:rPr lang="ru-RU" dirty="0"/>
-              <a:t>Можно и </a:t>
+              <a:t>() будет расходовать энергию, и в какой-то момент утка перестанет летать. Или стратегия кряканья, у которой громкость зависит от того, сколько раз подряд утка крякнула.</a:t>
+            </a:r>
+          </a:p>
+          <a:p>
+            <a:r>
+              <a:rPr lang="ru-RU" dirty="0"/>
+              <a:t>В более «серьёзных» приложениях состояние может быть конфигурацией алгоритма: сортировка с заданным порогом переключения на другой метод, стратегия кэширования с заданным размером буфера.</a:t>
+            </a:r>
+          </a:p>
+          <a:p>
+            <a:r>
+              <a:rPr lang="ru-RU" dirty="0"/>
+              <a:t>Однако здесь важно не переборщить. Если стратегия начинает хранить слишком много данных и бизнес-логики, то она перестаёт быть «алгоритмом» и превращается в самостоятельную сущность. Тогда стоит пересмотреть архитектуру и подумать, не лучше ли вынести это в отдельный класс.</a:t>
+            </a:r>
+          </a:p>
+          <a:p>
+            <a:r>
+              <a:rPr lang="ru-RU" dirty="0"/>
+              <a:t>Главная мысль: </a:t>
             </a:r>
             <a:r>
               <a:rPr lang="ru-RU" b="1" dirty="0"/>
-              <a:t>комбинировать подходы</a:t>
-            </a:r>
-            <a:r>
-              <a:rPr lang="ru-RU" dirty="0"/>
-              <a:t>. Обычно «основное» состояние, описывающее сущность, хранится в Контексте. Но специфические настройки алгоритмов или внутренняя история — внутри стратегий. Например, утка знает свой вес и возраст (контекст), а стратегия полёта хранит количество взмахов крыльев до усталости.</a:t>
-            </a:r>
-          </a:p>
-          <a:p>
-            <a:r>
-              <a:rPr lang="ru-RU" dirty="0"/>
-              <a:t>Важно уметь выбирать баланс:</a:t>
-            </a:r>
-          </a:p>
-          <a:p>
-            <a:r>
-              <a:rPr lang="ru-RU" dirty="0"/>
-              <a:t>если стратегия должна быть максимально универсальной и </a:t>
-            </a:r>
-            <a:r>
-              <a:rPr lang="ru-RU" dirty="0" err="1"/>
-              <a:t>переиспользуемой</a:t>
-            </a:r>
-            <a:r>
-              <a:rPr lang="ru-RU" dirty="0"/>
-              <a:t> — лучше не держать состояние;</a:t>
-            </a:r>
-          </a:p>
-          <a:p>
-            <a:r>
-              <a:rPr lang="ru-RU" dirty="0"/>
-              <a:t>если стратегия моделирует «живое» поведение или сложный алгоритм — внутреннее состояние оправдано.</a:t>
-            </a:r>
+              <a:t>стратегия может и должна иметь состояние тогда, когда это делает поведение более реалистичным, гибким или настраиваемым.</a:t>
+            </a:r>
+            <a:endParaRPr lang="ru-RU" dirty="0"/>
           </a:p>
           <a:p>
             <a:endParaRPr lang="en-US" dirty="0"/>
@@ -3307,7 +3261,7 @@
           <a:p>
             <a:fld id="{C72A1285-F988-4153-B7C5-B887A867730D}" type="slidenum">
               <a:rPr lang="ru-RU" smtClean="0"/>
-              <a:t>37</a:t>
+              <a:t>36</a:t>
             </a:fld>
             <a:endParaRPr lang="ru-RU"/>
           </a:p>
@@ -3316,7 +3270,7 @@
     </p:spTree>
     <p:extLst>
       <p:ext uri="{BB962C8B-B14F-4D97-AF65-F5344CB8AC3E}">
-        <p14:creationId xmlns:p14="http://schemas.microsoft.com/office/powerpoint/2010/main" val="2929697490"/>
+        <p14:creationId xmlns:p14="http://schemas.microsoft.com/office/powerpoint/2010/main" val="1327394168"/>
       </p:ext>
     </p:extLst>
   </p:cSld>
@@ -3371,186 +3325,88 @@
           <a:lstStyle/>
           <a:p>
             <a:r>
-              <a:rPr lang="ru-RU" b="0" dirty="0"/>
-              <a:t>Если мы ставим </a:t>
-            </a:r>
-            <a:r>
-              <a:rPr lang="ru-RU" b="0" dirty="0" err="1"/>
-              <a:t>const</a:t>
-            </a:r>
-            <a:r>
-              <a:rPr lang="ru-RU" b="0" dirty="0"/>
-              <a:t> у метода интерфейса стратегии, мы не диктуем, как писать код, мы формулируем гарантию для клиентов: этот вызов не меняет наблюдаемое состояние стратегии. Это ценно — такой метод можно безопасно вызывать из </a:t>
-            </a:r>
-            <a:r>
-              <a:rPr lang="ru-RU" b="0" dirty="0" err="1"/>
-              <a:t>const</a:t>
-            </a:r>
-            <a:r>
-              <a:rPr lang="ru-RU" b="0" dirty="0"/>
-              <a:t>-объектов, параллельно шарить экземпляры стратегии, легче тестировать и </a:t>
-            </a:r>
-            <a:r>
-              <a:rPr lang="ru-RU" b="0" dirty="0" err="1"/>
-              <a:t>переиспользовать</a:t>
-            </a:r>
-            <a:r>
-              <a:rPr lang="ru-RU" b="0" dirty="0"/>
-              <a:t>.</a:t>
-            </a:r>
-          </a:p>
-          <a:p>
-            <a:r>
-              <a:rPr lang="ru-RU" b="0" dirty="0"/>
-              <a:t>Важно отличать </a:t>
-            </a:r>
-            <a:r>
-              <a:rPr lang="ru-RU" b="0" dirty="0" err="1"/>
-              <a:t>query</a:t>
-            </a:r>
-            <a:r>
-              <a:rPr lang="ru-RU" b="0" dirty="0"/>
-              <a:t> и </a:t>
-            </a:r>
-            <a:r>
-              <a:rPr lang="ru-RU" b="0" dirty="0" err="1"/>
-              <a:t>command</a:t>
-            </a:r>
-            <a:r>
-              <a:rPr lang="ru-RU" b="0" dirty="0"/>
-              <a:t> (принцип CQS).</a:t>
-            </a:r>
-          </a:p>
-          <a:p>
-            <a:r>
-              <a:rPr lang="ru-RU" b="0" dirty="0"/>
-              <a:t>Если метод — “прочитать/посчитать” без эффекта, </a:t>
-            </a:r>
-            <a:r>
-              <a:rPr lang="ru-RU" b="0" dirty="0" err="1"/>
-              <a:t>const</a:t>
-            </a:r>
-            <a:r>
-              <a:rPr lang="ru-RU" b="0" dirty="0"/>
-              <a:t> полезен и честен.</a:t>
-            </a:r>
-          </a:p>
-          <a:p>
-            <a:r>
-              <a:rPr lang="ru-RU" b="0" dirty="0"/>
-              <a:t>Если метод — “сделать действие с прогрессом/историей” (например, полёт, который расходует энергию), заставлять его быть </a:t>
-            </a:r>
-            <a:r>
-              <a:rPr lang="ru-RU" b="0" dirty="0" err="1"/>
-              <a:t>const</a:t>
-            </a:r>
-            <a:r>
-              <a:rPr lang="ru-RU" b="0" dirty="0"/>
-              <a:t> — ложная гарантия. Здесь лучше оставить без </a:t>
-            </a:r>
-            <a:r>
-              <a:rPr lang="ru-RU" b="0" dirty="0" err="1"/>
-              <a:t>const</a:t>
-            </a:r>
-            <a:r>
-              <a:rPr lang="ru-RU" b="0" dirty="0"/>
-              <a:t> </a:t>
-            </a:r>
-            <a:r>
-              <a:rPr lang="ru-RU" b="0" i="1" dirty="0"/>
-              <a:t>или</a:t>
-            </a:r>
-            <a:r>
-              <a:rPr lang="ru-RU" b="0" dirty="0"/>
-              <a:t> отделить </a:t>
-            </a:r>
-            <a:r>
-              <a:rPr lang="ru-RU" b="0" dirty="0" err="1"/>
-              <a:t>мутабельную</a:t>
-            </a:r>
-            <a:r>
-              <a:rPr lang="ru-RU" b="0" dirty="0"/>
-              <a:t> конфигурацию (</a:t>
-            </a:r>
-            <a:r>
-              <a:rPr lang="ru-RU" b="0" dirty="0" err="1"/>
-              <a:t>Configure</a:t>
-            </a:r>
-            <a:r>
-              <a:rPr lang="ru-RU" b="0" dirty="0"/>
-              <a:t>) от константного исполнения (</a:t>
-            </a:r>
-            <a:r>
-              <a:rPr lang="ru-RU" b="0" dirty="0" err="1"/>
-              <a:t>Execute</a:t>
-            </a:r>
-            <a:r>
-              <a:rPr lang="ru-RU" b="0" dirty="0"/>
-              <a:t> </a:t>
-            </a:r>
-            <a:r>
-              <a:rPr lang="ru-RU" b="0" dirty="0" err="1"/>
-              <a:t>const</a:t>
-            </a:r>
-            <a:r>
-              <a:rPr lang="ru-RU" b="0" dirty="0"/>
-              <a:t>), когда это соответствует модели.</a:t>
-            </a:r>
-          </a:p>
-          <a:p>
-            <a:r>
-              <a:rPr lang="ru-RU" b="0" dirty="0"/>
-              <a:t>Опасный компромисс — </a:t>
-            </a:r>
-            <a:r>
-              <a:rPr lang="ru-RU" b="0" dirty="0" err="1"/>
-              <a:t>mutable</a:t>
-            </a:r>
-            <a:r>
-              <a:rPr lang="ru-RU" b="0" dirty="0"/>
-              <a:t> для кэша. Это допустимо как логическая константность, но увеличивает риск гонок и скрытых эффектов. Если нужна масштабируемая параллельность, старайтесь сохранять стратегии действительно “чистыми”.</a:t>
-            </a:r>
-          </a:p>
-          <a:p>
-            <a:r>
-              <a:rPr lang="ru-RU" b="0" dirty="0"/>
-              <a:t>Ключевой критерий: что важно клиенту абстракции? Если клиенту реально нужна гарантия неизменности при вызове — помечайте </a:t>
-            </a:r>
-            <a:r>
-              <a:rPr lang="ru-RU" b="0" dirty="0" err="1"/>
-              <a:t>const</a:t>
-            </a:r>
-            <a:r>
-              <a:rPr lang="ru-RU" b="0" dirty="0"/>
-              <a:t>. Если часть реализаций по замыслу должна мутировать своё состояние, не переносите их ограничение на всю абстракцию — держите метод </a:t>
-            </a:r>
-            <a:r>
-              <a:rPr lang="ru-RU" b="0" dirty="0" err="1"/>
-              <a:t>неконстантным</a:t>
-            </a:r>
-            <a:r>
-              <a:rPr lang="ru-RU" b="0" dirty="0"/>
-              <a:t>, либо разделите интерфейс (например, </a:t>
-            </a:r>
-            <a:r>
-              <a:rPr lang="ru-RU" b="0" dirty="0" err="1"/>
-              <a:t>IReadOnlyStrategy</a:t>
-            </a:r>
-            <a:r>
-              <a:rPr lang="ru-RU" b="0" dirty="0"/>
-              <a:t> и </a:t>
-            </a:r>
-            <a:r>
-              <a:rPr lang="ru-RU" b="0" dirty="0" err="1"/>
-              <a:t>IAdaptiveStrategy</a:t>
-            </a:r>
-            <a:r>
-              <a:rPr lang="ru-RU" b="0" dirty="0"/>
-              <a:t>) или вынесите изменяемое состояние в Контекст.</a:t>
-            </a:r>
-          </a:p>
-          <a:p>
-            <a:endParaRPr lang="en-US" b="0" dirty="0"/>
+              <a:rPr lang="ru-RU" dirty="0"/>
+              <a:t>Когда мы говорим про хранение состояния, есть два основных пути.</a:t>
+            </a:r>
+          </a:p>
+          <a:p>
+            <a:r>
+              <a:rPr lang="ru-RU" dirty="0"/>
+              <a:t>Первый — </a:t>
+            </a:r>
+            <a:r>
+              <a:rPr lang="ru-RU" b="1" dirty="0"/>
+              <a:t>состояние в Контексте</a:t>
+            </a:r>
+            <a:r>
+              <a:rPr lang="ru-RU" dirty="0"/>
+              <a:t>. Контекст — это основной объект, он владеет всеми данными. Стратегия получает их только на входе, через параметры методов. Такой вариант хорош, когда стратегии являются максимально «чистыми»: они ничего не хранят, просто получают данные, что нужно, и возвращают результат. В этом случае стратегии легко подменяются, их поведение не зависит от истории вызовов.</a:t>
+            </a:r>
+          </a:p>
+          <a:p>
+            <a:r>
+              <a:rPr lang="ru-RU" dirty="0"/>
+              <a:t>Второй путь — </a:t>
+            </a:r>
+            <a:r>
+              <a:rPr lang="ru-RU" b="1" dirty="0"/>
+              <a:t>состояние в Стратегии</a:t>
+            </a:r>
+            <a:r>
+              <a:rPr lang="ru-RU" dirty="0"/>
+              <a:t>. Здесь стратегия хранит собственные данные. Например, стратегия полёта может хранить количество оставшихся «единиц энергии» или коэффициент усталости. Тогда при каждом вызове </a:t>
+            </a:r>
+            <a:r>
+              <a:rPr lang="ru-RU" dirty="0" err="1"/>
+              <a:t>Fly</a:t>
+            </a:r>
+            <a:r>
+              <a:rPr lang="ru-RU" dirty="0"/>
+              <a:t>() результат будет зависеть от накопленного состояния. В таких случаях передавать состояние через параметры методов неудобно, лучше, чтобы сама стратегия отвечала за него.</a:t>
+            </a:r>
+          </a:p>
+          <a:p>
+            <a:r>
+              <a:rPr lang="ru-RU" dirty="0"/>
+              <a:t>Можно и </a:t>
+            </a:r>
+            <a:r>
+              <a:rPr lang="ru-RU" b="1" dirty="0"/>
+              <a:t>комбинировать подходы</a:t>
+            </a:r>
+            <a:r>
+              <a:rPr lang="ru-RU" dirty="0"/>
+              <a:t>. Обычно «основное» состояние, описывающее сущность, хранится в Контексте. Но специфические настройки алгоритмов или внутренняя история — внутри стратегий. Например, утка знает свой вес и возраст (контекст), а стратегия полёта хранит количество взмахов крыльев до усталости.</a:t>
+            </a:r>
+          </a:p>
+          <a:p>
+            <a:r>
+              <a:rPr lang="ru-RU" dirty="0"/>
+              <a:t>Важно уметь выбирать баланс:</a:t>
+            </a:r>
+          </a:p>
+          <a:p>
+            <a:r>
+              <a:rPr lang="ru-RU" dirty="0"/>
+              <a:t>если стратегия должна быть максимально универсальной и </a:t>
+            </a:r>
+            <a:r>
+              <a:rPr lang="ru-RU" dirty="0" err="1"/>
+              <a:t>переиспользуемой</a:t>
+            </a:r>
+            <a:r>
+              <a:rPr lang="ru-RU" dirty="0"/>
+              <a:t> — лучше не держать состояние;</a:t>
+            </a:r>
+          </a:p>
+          <a:p>
+            <a:r>
+              <a:rPr lang="ru-RU" dirty="0"/>
+              <a:t>если стратегия моделирует «живое» поведение или сложный алгоритм — внутреннее состояние оправдано.</a:t>
+            </a:r>
+          </a:p>
+          <a:p>
+            <a:endParaRPr lang="en-US" dirty="0"/>
           </a:p>
         </p:txBody>
       </p:sp>
@@ -3571,7 +3427,7 @@
           <a:p>
             <a:fld id="{C72A1285-F988-4153-B7C5-B887A867730D}" type="slidenum">
               <a:rPr lang="ru-RU" smtClean="0"/>
-              <a:t>38</a:t>
+              <a:t>37</a:t>
             </a:fld>
             <a:endParaRPr lang="ru-RU"/>
           </a:p>
@@ -3580,7 +3436,7 @@
     </p:spTree>
     <p:extLst>
       <p:ext uri="{BB962C8B-B14F-4D97-AF65-F5344CB8AC3E}">
-        <p14:creationId xmlns:p14="http://schemas.microsoft.com/office/powerpoint/2010/main" val="852001778"/>
+        <p14:creationId xmlns:p14="http://schemas.microsoft.com/office/powerpoint/2010/main" val="2929697490"/>
       </p:ext>
     </p:extLst>
   </p:cSld>
@@ -3634,7 +3490,187 @@
           <a:bodyPr/>
           <a:lstStyle/>
           <a:p>
-            <a:endParaRPr lang="en-US"/>
+            <a:r>
+              <a:rPr lang="ru-RU" b="0" dirty="0"/>
+              <a:t>Если мы ставим </a:t>
+            </a:r>
+            <a:r>
+              <a:rPr lang="ru-RU" b="0" dirty="0" err="1"/>
+              <a:t>const</a:t>
+            </a:r>
+            <a:r>
+              <a:rPr lang="ru-RU" b="0" dirty="0"/>
+              <a:t> у метода интерфейса стратегии, мы не диктуем, как писать код, мы формулируем гарантию для клиентов: этот вызов не меняет наблюдаемое состояние стратегии. Это ценно — такой метод можно безопасно вызывать из </a:t>
+            </a:r>
+            <a:r>
+              <a:rPr lang="ru-RU" b="0" dirty="0" err="1"/>
+              <a:t>const</a:t>
+            </a:r>
+            <a:r>
+              <a:rPr lang="ru-RU" b="0" dirty="0"/>
+              <a:t>-объектов, параллельно шарить экземпляры стратегии, легче тестировать и </a:t>
+            </a:r>
+            <a:r>
+              <a:rPr lang="ru-RU" b="0" dirty="0" err="1"/>
+              <a:t>переиспользовать</a:t>
+            </a:r>
+            <a:r>
+              <a:rPr lang="ru-RU" b="0" dirty="0"/>
+              <a:t>.</a:t>
+            </a:r>
+          </a:p>
+          <a:p>
+            <a:r>
+              <a:rPr lang="ru-RU" b="0" dirty="0"/>
+              <a:t>Важно отличать </a:t>
+            </a:r>
+            <a:r>
+              <a:rPr lang="ru-RU" b="0" dirty="0" err="1"/>
+              <a:t>query</a:t>
+            </a:r>
+            <a:r>
+              <a:rPr lang="ru-RU" b="0" dirty="0"/>
+              <a:t> и </a:t>
+            </a:r>
+            <a:r>
+              <a:rPr lang="ru-RU" b="0" dirty="0" err="1"/>
+              <a:t>command</a:t>
+            </a:r>
+            <a:r>
+              <a:rPr lang="ru-RU" b="0" dirty="0"/>
+              <a:t> (принцип CQS).</a:t>
+            </a:r>
+          </a:p>
+          <a:p>
+            <a:r>
+              <a:rPr lang="ru-RU" b="0" dirty="0"/>
+              <a:t>Если метод — “прочитать/посчитать” без эффекта, </a:t>
+            </a:r>
+            <a:r>
+              <a:rPr lang="ru-RU" b="0" dirty="0" err="1"/>
+              <a:t>const</a:t>
+            </a:r>
+            <a:r>
+              <a:rPr lang="ru-RU" b="0" dirty="0"/>
+              <a:t> полезен и честен.</a:t>
+            </a:r>
+          </a:p>
+          <a:p>
+            <a:r>
+              <a:rPr lang="ru-RU" b="0" dirty="0"/>
+              <a:t>Если метод — “сделать действие с прогрессом/историей” (например, полёт, который расходует энергию), заставлять его быть </a:t>
+            </a:r>
+            <a:r>
+              <a:rPr lang="ru-RU" b="0" dirty="0" err="1"/>
+              <a:t>const</a:t>
+            </a:r>
+            <a:r>
+              <a:rPr lang="ru-RU" b="0" dirty="0"/>
+              <a:t> — ложная гарантия. Здесь лучше оставить без </a:t>
+            </a:r>
+            <a:r>
+              <a:rPr lang="ru-RU" b="0" dirty="0" err="1"/>
+              <a:t>const</a:t>
+            </a:r>
+            <a:r>
+              <a:rPr lang="ru-RU" b="0" dirty="0"/>
+              <a:t> </a:t>
+            </a:r>
+            <a:r>
+              <a:rPr lang="ru-RU" b="0" i="1" dirty="0"/>
+              <a:t>или</a:t>
+            </a:r>
+            <a:r>
+              <a:rPr lang="ru-RU" b="0" dirty="0"/>
+              <a:t> отделить </a:t>
+            </a:r>
+            <a:r>
+              <a:rPr lang="ru-RU" b="0" dirty="0" err="1"/>
+              <a:t>мутабельную</a:t>
+            </a:r>
+            <a:r>
+              <a:rPr lang="ru-RU" b="0" dirty="0"/>
+              <a:t> конфигурацию (</a:t>
+            </a:r>
+            <a:r>
+              <a:rPr lang="ru-RU" b="0" dirty="0" err="1"/>
+              <a:t>Configure</a:t>
+            </a:r>
+            <a:r>
+              <a:rPr lang="ru-RU" b="0" dirty="0"/>
+              <a:t>) от константного исполнения (</a:t>
+            </a:r>
+            <a:r>
+              <a:rPr lang="ru-RU" b="0" dirty="0" err="1"/>
+              <a:t>Execute</a:t>
+            </a:r>
+            <a:r>
+              <a:rPr lang="ru-RU" b="0" dirty="0"/>
+              <a:t> </a:t>
+            </a:r>
+            <a:r>
+              <a:rPr lang="ru-RU" b="0" dirty="0" err="1"/>
+              <a:t>const</a:t>
+            </a:r>
+            <a:r>
+              <a:rPr lang="ru-RU" b="0" dirty="0"/>
+              <a:t>), когда это соответствует модели.</a:t>
+            </a:r>
+          </a:p>
+          <a:p>
+            <a:r>
+              <a:rPr lang="ru-RU" b="0" dirty="0"/>
+              <a:t>Опасный компромисс — </a:t>
+            </a:r>
+            <a:r>
+              <a:rPr lang="ru-RU" b="0" dirty="0" err="1"/>
+              <a:t>mutable</a:t>
+            </a:r>
+            <a:r>
+              <a:rPr lang="ru-RU" b="0" dirty="0"/>
+              <a:t> для кэша. Это допустимо как логическая константность, но увеличивает риск гонок и скрытых эффектов. Если нужна масштабируемая параллельность, старайтесь сохранять стратегии действительно “чистыми”.</a:t>
+            </a:r>
+          </a:p>
+          <a:p>
+            <a:r>
+              <a:rPr lang="ru-RU" b="0" dirty="0"/>
+              <a:t>Ключевой критерий: что важно клиенту абстракции? Если клиенту реально нужна гарантия неизменности при вызове — помечайте </a:t>
+            </a:r>
+            <a:r>
+              <a:rPr lang="ru-RU" b="0" dirty="0" err="1"/>
+              <a:t>const</a:t>
+            </a:r>
+            <a:r>
+              <a:rPr lang="ru-RU" b="0" dirty="0"/>
+              <a:t>. Если часть реализаций по замыслу должна мутировать своё состояние, не переносите их ограничение на всю абстракцию — держите метод </a:t>
+            </a:r>
+            <a:r>
+              <a:rPr lang="ru-RU" b="0" dirty="0" err="1"/>
+              <a:t>неконстантным</a:t>
+            </a:r>
+            <a:r>
+              <a:rPr lang="ru-RU" b="0" dirty="0"/>
+              <a:t>, либо разделите интерфейс (например, </a:t>
+            </a:r>
+            <a:r>
+              <a:rPr lang="ru-RU" b="0" dirty="0" err="1"/>
+              <a:t>IReadOnlyStrategy</a:t>
+            </a:r>
+            <a:r>
+              <a:rPr lang="ru-RU" b="0" dirty="0"/>
+              <a:t> и </a:t>
+            </a:r>
+            <a:r>
+              <a:rPr lang="ru-RU" b="0" dirty="0" err="1"/>
+              <a:t>IAdaptiveStrategy</a:t>
+            </a:r>
+            <a:r>
+              <a:rPr lang="ru-RU" b="0" dirty="0"/>
+              <a:t>) или вынесите изменяемое состояние в Контекст.</a:t>
+            </a:r>
+          </a:p>
+          <a:p>
+            <a:endParaRPr lang="en-US" b="0" dirty="0"/>
           </a:p>
         </p:txBody>
       </p:sp>
@@ -3655,7 +3691,7 @@
           <a:p>
             <a:fld id="{C72A1285-F988-4153-B7C5-B887A867730D}" type="slidenum">
               <a:rPr lang="ru-RU" smtClean="0"/>
-              <a:t>42</a:t>
+              <a:t>38</a:t>
             </a:fld>
             <a:endParaRPr lang="ru-RU"/>
           </a:p>
@@ -3664,7 +3700,7 @@
     </p:spTree>
     <p:extLst>
       <p:ext uri="{BB962C8B-B14F-4D97-AF65-F5344CB8AC3E}">
-        <p14:creationId xmlns:p14="http://schemas.microsoft.com/office/powerpoint/2010/main" val="1747255653"/>
+        <p14:creationId xmlns:p14="http://schemas.microsoft.com/office/powerpoint/2010/main" val="852001778"/>
       </p:ext>
     </p:extLst>
   </p:cSld>
@@ -3739,7 +3775,7 @@
           <a:p>
             <a:fld id="{C72A1285-F988-4153-B7C5-B887A867730D}" type="slidenum">
               <a:rPr lang="ru-RU" smtClean="0"/>
-              <a:t>43</a:t>
+              <a:t>39</a:t>
             </a:fld>
             <a:endParaRPr lang="ru-RU"/>
           </a:p>
@@ -3748,7 +3784,7 @@
     </p:spTree>
     <p:extLst>
       <p:ext uri="{BB962C8B-B14F-4D97-AF65-F5344CB8AC3E}">
-        <p14:creationId xmlns:p14="http://schemas.microsoft.com/office/powerpoint/2010/main" val="1391108666"/>
+        <p14:creationId xmlns:p14="http://schemas.microsoft.com/office/powerpoint/2010/main" val="2221828852"/>
       </p:ext>
     </p:extLst>
   </p:cSld>
@@ -3823,7 +3859,7 @@
           <a:p>
             <a:fld id="{C72A1285-F988-4153-B7C5-B887A867730D}" type="slidenum">
               <a:rPr lang="ru-RU" smtClean="0"/>
-              <a:t>5</a:t>
+              <a:t>4</a:t>
             </a:fld>
             <a:endParaRPr lang="ru-RU"/>
           </a:p>
@@ -3832,7 +3868,7 @@
     </p:spTree>
     <p:extLst>
       <p:ext uri="{BB962C8B-B14F-4D97-AF65-F5344CB8AC3E}">
-        <p14:creationId xmlns:p14="http://schemas.microsoft.com/office/powerpoint/2010/main" val="2911690699"/>
+        <p14:creationId xmlns:p14="http://schemas.microsoft.com/office/powerpoint/2010/main" val="1096284306"/>
       </p:ext>
     </p:extLst>
   </p:cSld>
@@ -3907,7 +3943,7 @@
           <a:p>
             <a:fld id="{C72A1285-F988-4153-B7C5-B887A867730D}" type="slidenum">
               <a:rPr lang="ru-RU" smtClean="0"/>
-              <a:t>44</a:t>
+              <a:t>40</a:t>
             </a:fld>
             <a:endParaRPr lang="ru-RU"/>
           </a:p>
@@ -3916,7 +3952,7 @@
     </p:spTree>
     <p:extLst>
       <p:ext uri="{BB962C8B-B14F-4D97-AF65-F5344CB8AC3E}">
-        <p14:creationId xmlns:p14="http://schemas.microsoft.com/office/powerpoint/2010/main" val="99460234"/>
+        <p14:creationId xmlns:p14="http://schemas.microsoft.com/office/powerpoint/2010/main" val="1280070499"/>
       </p:ext>
     </p:extLst>
   </p:cSld>
@@ -3991,7 +4027,7 @@
           <a:p>
             <a:fld id="{C72A1285-F988-4153-B7C5-B887A867730D}" type="slidenum">
               <a:rPr lang="ru-RU" smtClean="0"/>
-              <a:t>45</a:t>
+              <a:t>41</a:t>
             </a:fld>
             <a:endParaRPr lang="ru-RU"/>
           </a:p>
@@ -4000,7 +4036,7 @@
     </p:spTree>
     <p:extLst>
       <p:ext uri="{BB962C8B-B14F-4D97-AF65-F5344CB8AC3E}">
-        <p14:creationId xmlns:p14="http://schemas.microsoft.com/office/powerpoint/2010/main" val="1809406262"/>
+        <p14:creationId xmlns:p14="http://schemas.microsoft.com/office/powerpoint/2010/main" val="3221937992"/>
       </p:ext>
     </p:extLst>
   </p:cSld>
@@ -4075,7 +4111,7 @@
           <a:p>
             <a:fld id="{C72A1285-F988-4153-B7C5-B887A867730D}" type="slidenum">
               <a:rPr lang="ru-RU" smtClean="0"/>
-              <a:t>46</a:t>
+              <a:t>42</a:t>
             </a:fld>
             <a:endParaRPr lang="ru-RU"/>
           </a:p>
@@ -4084,7 +4120,7 @@
     </p:spTree>
     <p:extLst>
       <p:ext uri="{BB962C8B-B14F-4D97-AF65-F5344CB8AC3E}">
-        <p14:creationId xmlns:p14="http://schemas.microsoft.com/office/powerpoint/2010/main" val="3111320731"/>
+        <p14:creationId xmlns:p14="http://schemas.microsoft.com/office/powerpoint/2010/main" val="1747255653"/>
       </p:ext>
     </p:extLst>
   </p:cSld>
@@ -4138,7 +4174,7 @@
           <a:bodyPr/>
           <a:lstStyle/>
           <a:p>
-            <a:endParaRPr lang="en-US" dirty="0"/>
+            <a:endParaRPr lang="en-US"/>
           </a:p>
         </p:txBody>
       </p:sp>
@@ -4159,7 +4195,7 @@
           <a:p>
             <a:fld id="{C72A1285-F988-4153-B7C5-B887A867730D}" type="slidenum">
               <a:rPr lang="ru-RU" smtClean="0"/>
-              <a:t>47</a:t>
+              <a:t>43</a:t>
             </a:fld>
             <a:endParaRPr lang="ru-RU"/>
           </a:p>
@@ -4168,7 +4204,7 @@
     </p:spTree>
     <p:extLst>
       <p:ext uri="{BB962C8B-B14F-4D97-AF65-F5344CB8AC3E}">
-        <p14:creationId xmlns:p14="http://schemas.microsoft.com/office/powerpoint/2010/main" val="863844791"/>
+        <p14:creationId xmlns:p14="http://schemas.microsoft.com/office/powerpoint/2010/main" val="1391108666"/>
       </p:ext>
     </p:extLst>
   </p:cSld>
@@ -4243,7 +4279,7 @@
           <a:p>
             <a:fld id="{C72A1285-F988-4153-B7C5-B887A867730D}" type="slidenum">
               <a:rPr lang="ru-RU" smtClean="0"/>
-              <a:t>48</a:t>
+              <a:t>44</a:t>
             </a:fld>
             <a:endParaRPr lang="ru-RU"/>
           </a:p>
@@ -4252,7 +4288,7 @@
     </p:spTree>
     <p:extLst>
       <p:ext uri="{BB962C8B-B14F-4D97-AF65-F5344CB8AC3E}">
-        <p14:creationId xmlns:p14="http://schemas.microsoft.com/office/powerpoint/2010/main" val="1936818083"/>
+        <p14:creationId xmlns:p14="http://schemas.microsoft.com/office/powerpoint/2010/main" val="99460234"/>
       </p:ext>
     </p:extLst>
   </p:cSld>
@@ -4327,7 +4363,7 @@
           <a:p>
             <a:fld id="{C72A1285-F988-4153-B7C5-B887A867730D}" type="slidenum">
               <a:rPr lang="ru-RU" smtClean="0"/>
-              <a:t>49</a:t>
+              <a:t>45</a:t>
             </a:fld>
             <a:endParaRPr lang="ru-RU"/>
           </a:p>
@@ -4336,7 +4372,7 @@
     </p:spTree>
     <p:extLst>
       <p:ext uri="{BB962C8B-B14F-4D97-AF65-F5344CB8AC3E}">
-        <p14:creationId xmlns:p14="http://schemas.microsoft.com/office/powerpoint/2010/main" val="167817517"/>
+        <p14:creationId xmlns:p14="http://schemas.microsoft.com/office/powerpoint/2010/main" val="1809406262"/>
       </p:ext>
     </p:extLst>
   </p:cSld>
@@ -4411,7 +4447,7 @@
           <a:p>
             <a:fld id="{C72A1285-F988-4153-B7C5-B887A867730D}" type="slidenum">
               <a:rPr lang="ru-RU" smtClean="0"/>
-              <a:t>51</a:t>
+              <a:t>46</a:t>
             </a:fld>
             <a:endParaRPr lang="ru-RU"/>
           </a:p>
@@ -4420,7 +4456,7 @@
     </p:spTree>
     <p:extLst>
       <p:ext uri="{BB962C8B-B14F-4D97-AF65-F5344CB8AC3E}">
-        <p14:creationId xmlns:p14="http://schemas.microsoft.com/office/powerpoint/2010/main" val="1048541090"/>
+        <p14:creationId xmlns:p14="http://schemas.microsoft.com/office/powerpoint/2010/main" val="3111320731"/>
       </p:ext>
     </p:extLst>
   </p:cSld>
@@ -4474,7 +4510,7 @@
           <a:bodyPr/>
           <a:lstStyle/>
           <a:p>
-            <a:endParaRPr lang="en-US"/>
+            <a:endParaRPr lang="en-US" dirty="0"/>
           </a:p>
         </p:txBody>
       </p:sp>
@@ -4495,7 +4531,7 @@
           <a:p>
             <a:fld id="{C72A1285-F988-4153-B7C5-B887A867730D}" type="slidenum">
               <a:rPr lang="ru-RU" smtClean="0"/>
-              <a:t>52</a:t>
+              <a:t>47</a:t>
             </a:fld>
             <a:endParaRPr lang="ru-RU"/>
           </a:p>
@@ -4504,7 +4540,7 @@
     </p:spTree>
     <p:extLst>
       <p:ext uri="{BB962C8B-B14F-4D97-AF65-F5344CB8AC3E}">
-        <p14:creationId xmlns:p14="http://schemas.microsoft.com/office/powerpoint/2010/main" val="1020321465"/>
+        <p14:creationId xmlns:p14="http://schemas.microsoft.com/office/powerpoint/2010/main" val="863844791"/>
       </p:ext>
     </p:extLst>
   </p:cSld>
@@ -4558,87 +4594,7 @@
           <a:bodyPr/>
           <a:lstStyle/>
           <a:p>
-            <a:r>
-              <a:rPr lang="ru-RU" b="0" dirty="0"/>
-              <a:t>Когда мы говорим о паттерне «Стратегия», важно понимать: это не редкая экзотика, а один из рабочих инструментов, которые встречаются постоянно. Если вы его освоите, то получите универсальный способ решать задачи, где требуется гибкость поведения.</a:t>
-            </a:r>
-          </a:p>
-          <a:p>
-            <a:r>
-              <a:rPr lang="ru-RU" b="0" dirty="0"/>
-              <a:t>Стратегия разделяет что делает объект от того, как именно это делается. Это значит, что вы можете подменять алгоритмы на лету — и не переписывать классы при каждом новом требовании. Вы сразу начинаете писать код, который </a:t>
-            </a:r>
-            <a:r>
-              <a:rPr lang="ru-RU" b="0" i="1" dirty="0"/>
-              <a:t>готов к изменениям</a:t>
-            </a:r>
-            <a:r>
-              <a:rPr lang="ru-RU" b="0" dirty="0"/>
-              <a:t>.</a:t>
-            </a:r>
-          </a:p>
-          <a:p>
-            <a:r>
-              <a:rPr lang="ru-RU" b="0" dirty="0"/>
-              <a:t>Посмотрите вокруг: сортировка в стандартной библиотеке (</a:t>
-            </a:r>
-            <a:r>
-              <a:rPr lang="ru-RU" b="0" dirty="0" err="1"/>
-              <a:t>std</a:t>
-            </a:r>
-            <a:r>
-              <a:rPr lang="ru-RU" b="0" dirty="0"/>
-              <a:t>::</a:t>
-            </a:r>
-            <a:r>
-              <a:rPr lang="ru-RU" b="0" dirty="0" err="1"/>
-              <a:t>sort</a:t>
-            </a:r>
-            <a:r>
-              <a:rPr lang="ru-RU" b="0" dirty="0"/>
-              <a:t>), </a:t>
-            </a:r>
-            <a:r>
-              <a:rPr lang="ru-RU" b="0" dirty="0" err="1"/>
-              <a:t>аллокаторы</a:t>
-            </a:r>
-            <a:r>
-              <a:rPr lang="ru-RU" b="0" dirty="0"/>
-              <a:t> в контейнерах STL, стратегии авторизации в веб-фреймворках, разные алгоритмы рендеринга в графике — всё это вариации одной и той же идеи. Именно поэтому этот паттерн настолько часто встречается в продакшн-коде.</a:t>
-            </a:r>
-          </a:p>
-          <a:p>
-            <a:r>
-              <a:rPr lang="ru-RU" b="0" dirty="0"/>
-              <a:t>Освоив стратегию, вы сможете:</a:t>
-            </a:r>
-          </a:p>
-          <a:p>
-            <a:r>
-              <a:rPr lang="ru-RU" b="0" dirty="0"/>
-              <a:t>избавиться от дублирования кода в наследниках;</a:t>
-            </a:r>
-          </a:p>
-          <a:p>
-            <a:r>
-              <a:rPr lang="ru-RU" b="0" dirty="0"/>
-              <a:t>строить архитектуру, где новые требования не ломают старое;</a:t>
-            </a:r>
-          </a:p>
-          <a:p>
-            <a:r>
-              <a:rPr lang="ru-RU" b="0" dirty="0"/>
-              <a:t>писать программы, которые легко расширяются и настраиваются под пользователя или окружение.</a:t>
-            </a:r>
-          </a:p>
-          <a:p>
-            <a:r>
-              <a:rPr lang="ru-RU" b="0" dirty="0"/>
-              <a:t>Поэтому я хочу, чтобы вы вынесли из этой лекции простую мысль: паттерн «Стратегия» — это не теория, а практический инструмент, который многократно упростит вашу работу как инженера.</a:t>
-            </a:r>
-          </a:p>
-          <a:p>
-            <a:endParaRPr lang="en-US" b="0" dirty="0"/>
+            <a:endParaRPr lang="en-US"/>
           </a:p>
         </p:txBody>
       </p:sp>
@@ -4659,7 +4615,7 @@
           <a:p>
             <a:fld id="{C72A1285-F988-4153-B7C5-B887A867730D}" type="slidenum">
               <a:rPr lang="ru-RU" smtClean="0"/>
-              <a:t>53</a:t>
+              <a:t>48</a:t>
             </a:fld>
             <a:endParaRPr lang="ru-RU"/>
           </a:p>
@@ -4668,7 +4624,91 @@
     </p:spTree>
     <p:extLst>
       <p:ext uri="{BB962C8B-B14F-4D97-AF65-F5344CB8AC3E}">
-        <p14:creationId xmlns:p14="http://schemas.microsoft.com/office/powerpoint/2010/main" val="258049487"/>
+        <p14:creationId xmlns:p14="http://schemas.microsoft.com/office/powerpoint/2010/main" val="1936818083"/>
+      </p:ext>
+    </p:extLst>
+  </p:cSld>
+  <p:clrMapOvr>
+    <a:masterClrMapping/>
+  </p:clrMapOvr>
+</p:notes>
+</file>
+
+<file path=ppt/notesSlides/notesSlide49.xml><?xml version="1.0" encoding="utf-8"?>
+<p:notes xmlns:a="http://schemas.openxmlformats.org/drawingml/2006/main" xmlns:r="http://schemas.openxmlformats.org/officeDocument/2006/relationships" xmlns:p="http://schemas.openxmlformats.org/presentationml/2006/main">
+  <p:cSld>
+    <p:spTree>
+      <p:nvGrpSpPr>
+        <p:cNvPr id="1" name=""/>
+        <p:cNvGrpSpPr/>
+        <p:nvPr/>
+      </p:nvGrpSpPr>
+      <p:grpSpPr>
+        <a:xfrm>
+          <a:off x="0" y="0"/>
+          <a:ext cx="0" cy="0"/>
+          <a:chOff x="0" y="0"/>
+          <a:chExt cx="0" cy="0"/>
+        </a:xfrm>
+      </p:grpSpPr>
+      <p:sp>
+        <p:nvSpPr>
+          <p:cNvPr id="2" name="Slide Image Placeholder 1"/>
+          <p:cNvSpPr>
+            <a:spLocks noGrp="1" noRot="1" noChangeAspect="1"/>
+          </p:cNvSpPr>
+          <p:nvPr>
+            <p:ph type="sldImg"/>
+          </p:nvPr>
+        </p:nvSpPr>
+        <p:spPr/>
+      </p:sp>
+      <p:sp>
+        <p:nvSpPr>
+          <p:cNvPr id="3" name="Notes Placeholder 2"/>
+          <p:cNvSpPr>
+            <a:spLocks noGrp="1"/>
+          </p:cNvSpPr>
+          <p:nvPr>
+            <p:ph type="body" idx="1"/>
+          </p:nvPr>
+        </p:nvSpPr>
+        <p:spPr/>
+        <p:txBody>
+          <a:bodyPr/>
+          <a:lstStyle/>
+          <a:p>
+            <a:endParaRPr lang="en-US"/>
+          </a:p>
+        </p:txBody>
+      </p:sp>
+      <p:sp>
+        <p:nvSpPr>
+          <p:cNvPr id="4" name="Slide Number Placeholder 3"/>
+          <p:cNvSpPr>
+            <a:spLocks noGrp="1"/>
+          </p:cNvSpPr>
+          <p:nvPr>
+            <p:ph type="sldNum" sz="quarter" idx="5"/>
+          </p:nvPr>
+        </p:nvSpPr>
+        <p:spPr/>
+        <p:txBody>
+          <a:bodyPr/>
+          <a:lstStyle/>
+          <a:p>
+            <a:fld id="{C72A1285-F988-4153-B7C5-B887A867730D}" type="slidenum">
+              <a:rPr lang="ru-RU" smtClean="0"/>
+              <a:t>49</a:t>
+            </a:fld>
+            <a:endParaRPr lang="ru-RU"/>
+          </a:p>
+        </p:txBody>
+      </p:sp>
+    </p:spTree>
+    <p:extLst>
+      <p:ext uri="{BB962C8B-B14F-4D97-AF65-F5344CB8AC3E}">
+        <p14:creationId xmlns:p14="http://schemas.microsoft.com/office/powerpoint/2010/main" val="167817517"/>
       </p:ext>
     </p:extLst>
   </p:cSld>
@@ -4705,12 +4745,7 @@
             <p:ph type="sldImg"/>
           </p:nvPr>
         </p:nvSpPr>
-        <p:spPr>
-          <a:xfrm>
-            <a:off x="381000" y="685800"/>
-            <a:ext cx="6096000" cy="3429000"/>
-          </a:xfrm>
-        </p:spPr>
+        <p:spPr/>
       </p:sp>
       <p:sp>
         <p:nvSpPr>
@@ -4727,32 +4762,7 @@
           <a:bodyPr/>
           <a:lstStyle/>
           <a:p>
-            <a:r>
-              <a:rPr lang="ru-RU" dirty="0"/>
-              <a:t>Приложение работает с разными классами уток, которые плавают по пруду и крякают.</a:t>
-            </a:r>
-          </a:p>
-          <a:p>
-            <a:r>
-              <a:rPr lang="ru-RU" dirty="0"/>
-              <a:t>Уток можно отрисовывать методом </a:t>
-            </a:r>
-            <a:r>
-              <a:rPr lang="en-US" dirty="0"/>
-              <a:t>Draw.</a:t>
-            </a:r>
-            <a:r>
-              <a:rPr lang="ru-RU" dirty="0"/>
-              <a:t>  Разные типы уток рисуются по-разному. Поэтому метод </a:t>
-            </a:r>
-            <a:r>
-              <a:rPr lang="en-US" dirty="0"/>
-              <a:t>Display</a:t>
-            </a:r>
-            <a:r>
-              <a:rPr lang="ru-RU" dirty="0"/>
-              <a:t> объявлен чисто виртуальным и реализован в подклассах.</a:t>
-            </a:r>
+            <a:endParaRPr lang="en-US"/>
           </a:p>
         </p:txBody>
       </p:sp>
@@ -4763,7 +4773,7 @@
             <a:spLocks noGrp="1"/>
           </p:cNvSpPr>
           <p:nvPr>
-            <p:ph type="sldNum" sz="quarter" idx="10"/>
+            <p:ph type="sldNum" sz="quarter" idx="5"/>
           </p:nvPr>
         </p:nvSpPr>
         <p:spPr/>
@@ -4773,7 +4783,7 @@
           <a:p>
             <a:fld id="{C72A1285-F988-4153-B7C5-B887A867730D}" type="slidenum">
               <a:rPr lang="ru-RU" smtClean="0"/>
-              <a:t>6</a:t>
+              <a:t>5</a:t>
             </a:fld>
             <a:endParaRPr lang="ru-RU"/>
           </a:p>
@@ -4782,7 +4792,423 @@
     </p:spTree>
     <p:extLst>
       <p:ext uri="{BB962C8B-B14F-4D97-AF65-F5344CB8AC3E}">
-        <p14:creationId xmlns:p14="http://schemas.microsoft.com/office/powerpoint/2010/main" val="2754025"/>
+        <p14:creationId xmlns:p14="http://schemas.microsoft.com/office/powerpoint/2010/main" val="2911690699"/>
+      </p:ext>
+    </p:extLst>
+  </p:cSld>
+  <p:clrMapOvr>
+    <a:masterClrMapping/>
+  </p:clrMapOvr>
+</p:notes>
+</file>
+
+<file path=ppt/notesSlides/notesSlide50.xml><?xml version="1.0" encoding="utf-8"?>
+<p:notes xmlns:a="http://schemas.openxmlformats.org/drawingml/2006/main" xmlns:r="http://schemas.openxmlformats.org/officeDocument/2006/relationships" xmlns:p="http://schemas.openxmlformats.org/presentationml/2006/main">
+  <p:cSld>
+    <p:spTree>
+      <p:nvGrpSpPr>
+        <p:cNvPr id="1" name=""/>
+        <p:cNvGrpSpPr/>
+        <p:nvPr/>
+      </p:nvGrpSpPr>
+      <p:grpSpPr>
+        <a:xfrm>
+          <a:off x="0" y="0"/>
+          <a:ext cx="0" cy="0"/>
+          <a:chOff x="0" y="0"/>
+          <a:chExt cx="0" cy="0"/>
+        </a:xfrm>
+      </p:grpSpPr>
+      <p:sp>
+        <p:nvSpPr>
+          <p:cNvPr id="2" name="Slide Image Placeholder 1"/>
+          <p:cNvSpPr>
+            <a:spLocks noGrp="1" noRot="1" noChangeAspect="1"/>
+          </p:cNvSpPr>
+          <p:nvPr>
+            <p:ph type="sldImg"/>
+          </p:nvPr>
+        </p:nvSpPr>
+        <p:spPr/>
+      </p:sp>
+      <p:sp>
+        <p:nvSpPr>
+          <p:cNvPr id="3" name="Notes Placeholder 2"/>
+          <p:cNvSpPr>
+            <a:spLocks noGrp="1"/>
+          </p:cNvSpPr>
+          <p:nvPr>
+            <p:ph type="body" idx="1"/>
+          </p:nvPr>
+        </p:nvSpPr>
+        <p:spPr/>
+        <p:txBody>
+          <a:bodyPr/>
+          <a:lstStyle/>
+          <a:p>
+            <a:endParaRPr lang="en-US"/>
+          </a:p>
+        </p:txBody>
+      </p:sp>
+      <p:sp>
+        <p:nvSpPr>
+          <p:cNvPr id="4" name="Slide Number Placeholder 3"/>
+          <p:cNvSpPr>
+            <a:spLocks noGrp="1"/>
+          </p:cNvSpPr>
+          <p:nvPr>
+            <p:ph type="sldNum" sz="quarter" idx="5"/>
+          </p:nvPr>
+        </p:nvSpPr>
+        <p:spPr/>
+        <p:txBody>
+          <a:bodyPr/>
+          <a:lstStyle/>
+          <a:p>
+            <a:fld id="{C72A1285-F988-4153-B7C5-B887A867730D}" type="slidenum">
+              <a:rPr lang="ru-RU" smtClean="0"/>
+              <a:t>50</a:t>
+            </a:fld>
+            <a:endParaRPr lang="ru-RU"/>
+          </a:p>
+        </p:txBody>
+      </p:sp>
+    </p:spTree>
+    <p:extLst>
+      <p:ext uri="{BB962C8B-B14F-4D97-AF65-F5344CB8AC3E}">
+        <p14:creationId xmlns:p14="http://schemas.microsoft.com/office/powerpoint/2010/main" val="3300748576"/>
+      </p:ext>
+    </p:extLst>
+  </p:cSld>
+  <p:clrMapOvr>
+    <a:masterClrMapping/>
+  </p:clrMapOvr>
+</p:notes>
+</file>
+
+<file path=ppt/notesSlides/notesSlide51.xml><?xml version="1.0" encoding="utf-8"?>
+<p:notes xmlns:a="http://schemas.openxmlformats.org/drawingml/2006/main" xmlns:r="http://schemas.openxmlformats.org/officeDocument/2006/relationships" xmlns:p="http://schemas.openxmlformats.org/presentationml/2006/main">
+  <p:cSld>
+    <p:spTree>
+      <p:nvGrpSpPr>
+        <p:cNvPr id="1" name=""/>
+        <p:cNvGrpSpPr/>
+        <p:nvPr/>
+      </p:nvGrpSpPr>
+      <p:grpSpPr>
+        <a:xfrm>
+          <a:off x="0" y="0"/>
+          <a:ext cx="0" cy="0"/>
+          <a:chOff x="0" y="0"/>
+          <a:chExt cx="0" cy="0"/>
+        </a:xfrm>
+      </p:grpSpPr>
+      <p:sp>
+        <p:nvSpPr>
+          <p:cNvPr id="2" name="Slide Image Placeholder 1"/>
+          <p:cNvSpPr>
+            <a:spLocks noGrp="1" noRot="1" noChangeAspect="1"/>
+          </p:cNvSpPr>
+          <p:nvPr>
+            <p:ph type="sldImg"/>
+          </p:nvPr>
+        </p:nvSpPr>
+        <p:spPr/>
+      </p:sp>
+      <p:sp>
+        <p:nvSpPr>
+          <p:cNvPr id="3" name="Notes Placeholder 2"/>
+          <p:cNvSpPr>
+            <a:spLocks noGrp="1"/>
+          </p:cNvSpPr>
+          <p:nvPr>
+            <p:ph type="body" idx="1"/>
+          </p:nvPr>
+        </p:nvSpPr>
+        <p:spPr/>
+        <p:txBody>
+          <a:bodyPr/>
+          <a:lstStyle/>
+          <a:p>
+            <a:endParaRPr lang="en-US"/>
+          </a:p>
+        </p:txBody>
+      </p:sp>
+      <p:sp>
+        <p:nvSpPr>
+          <p:cNvPr id="4" name="Slide Number Placeholder 3"/>
+          <p:cNvSpPr>
+            <a:spLocks noGrp="1"/>
+          </p:cNvSpPr>
+          <p:nvPr>
+            <p:ph type="sldNum" sz="quarter" idx="5"/>
+          </p:nvPr>
+        </p:nvSpPr>
+        <p:spPr/>
+        <p:txBody>
+          <a:bodyPr/>
+          <a:lstStyle/>
+          <a:p>
+            <a:fld id="{C72A1285-F988-4153-B7C5-B887A867730D}" type="slidenum">
+              <a:rPr lang="ru-RU" smtClean="0"/>
+              <a:t>51</a:t>
+            </a:fld>
+            <a:endParaRPr lang="ru-RU"/>
+          </a:p>
+        </p:txBody>
+      </p:sp>
+    </p:spTree>
+    <p:extLst>
+      <p:ext uri="{BB962C8B-B14F-4D97-AF65-F5344CB8AC3E}">
+        <p14:creationId xmlns:p14="http://schemas.microsoft.com/office/powerpoint/2010/main" val="1048541090"/>
+      </p:ext>
+    </p:extLst>
+  </p:cSld>
+  <p:clrMapOvr>
+    <a:masterClrMapping/>
+  </p:clrMapOvr>
+</p:notes>
+</file>
+
+<file path=ppt/notesSlides/notesSlide52.xml><?xml version="1.0" encoding="utf-8"?>
+<p:notes xmlns:a="http://schemas.openxmlformats.org/drawingml/2006/main" xmlns:r="http://schemas.openxmlformats.org/officeDocument/2006/relationships" xmlns:p="http://schemas.openxmlformats.org/presentationml/2006/main">
+  <p:cSld>
+    <p:spTree>
+      <p:nvGrpSpPr>
+        <p:cNvPr id="1" name=""/>
+        <p:cNvGrpSpPr/>
+        <p:nvPr/>
+      </p:nvGrpSpPr>
+      <p:grpSpPr>
+        <a:xfrm>
+          <a:off x="0" y="0"/>
+          <a:ext cx="0" cy="0"/>
+          <a:chOff x="0" y="0"/>
+          <a:chExt cx="0" cy="0"/>
+        </a:xfrm>
+      </p:grpSpPr>
+      <p:sp>
+        <p:nvSpPr>
+          <p:cNvPr id="2" name="Slide Image Placeholder 1"/>
+          <p:cNvSpPr>
+            <a:spLocks noGrp="1" noRot="1" noChangeAspect="1"/>
+          </p:cNvSpPr>
+          <p:nvPr>
+            <p:ph type="sldImg"/>
+          </p:nvPr>
+        </p:nvSpPr>
+        <p:spPr/>
+      </p:sp>
+      <p:sp>
+        <p:nvSpPr>
+          <p:cNvPr id="3" name="Notes Placeholder 2"/>
+          <p:cNvSpPr>
+            <a:spLocks noGrp="1"/>
+          </p:cNvSpPr>
+          <p:nvPr>
+            <p:ph type="body" idx="1"/>
+          </p:nvPr>
+        </p:nvSpPr>
+        <p:spPr/>
+        <p:txBody>
+          <a:bodyPr/>
+          <a:lstStyle/>
+          <a:p>
+            <a:endParaRPr lang="en-US"/>
+          </a:p>
+        </p:txBody>
+      </p:sp>
+      <p:sp>
+        <p:nvSpPr>
+          <p:cNvPr id="4" name="Slide Number Placeholder 3"/>
+          <p:cNvSpPr>
+            <a:spLocks noGrp="1"/>
+          </p:cNvSpPr>
+          <p:nvPr>
+            <p:ph type="sldNum" sz="quarter" idx="5"/>
+          </p:nvPr>
+        </p:nvSpPr>
+        <p:spPr/>
+        <p:txBody>
+          <a:bodyPr/>
+          <a:lstStyle/>
+          <a:p>
+            <a:fld id="{C72A1285-F988-4153-B7C5-B887A867730D}" type="slidenum">
+              <a:rPr lang="ru-RU" smtClean="0"/>
+              <a:t>52</a:t>
+            </a:fld>
+            <a:endParaRPr lang="ru-RU"/>
+          </a:p>
+        </p:txBody>
+      </p:sp>
+    </p:spTree>
+    <p:extLst>
+      <p:ext uri="{BB962C8B-B14F-4D97-AF65-F5344CB8AC3E}">
+        <p14:creationId xmlns:p14="http://schemas.microsoft.com/office/powerpoint/2010/main" val="1020321465"/>
+      </p:ext>
+    </p:extLst>
+  </p:cSld>
+  <p:clrMapOvr>
+    <a:masterClrMapping/>
+  </p:clrMapOvr>
+</p:notes>
+</file>
+
+<file path=ppt/notesSlides/notesSlide53.xml><?xml version="1.0" encoding="utf-8"?>
+<p:notes xmlns:a="http://schemas.openxmlformats.org/drawingml/2006/main" xmlns:r="http://schemas.openxmlformats.org/officeDocument/2006/relationships" xmlns:p="http://schemas.openxmlformats.org/presentationml/2006/main">
+  <p:cSld>
+    <p:spTree>
+      <p:nvGrpSpPr>
+        <p:cNvPr id="1" name=""/>
+        <p:cNvGrpSpPr/>
+        <p:nvPr/>
+      </p:nvGrpSpPr>
+      <p:grpSpPr>
+        <a:xfrm>
+          <a:off x="0" y="0"/>
+          <a:ext cx="0" cy="0"/>
+          <a:chOff x="0" y="0"/>
+          <a:chExt cx="0" cy="0"/>
+        </a:xfrm>
+      </p:grpSpPr>
+      <p:sp>
+        <p:nvSpPr>
+          <p:cNvPr id="2" name="Slide Image Placeholder 1"/>
+          <p:cNvSpPr>
+            <a:spLocks noGrp="1" noRot="1" noChangeAspect="1"/>
+          </p:cNvSpPr>
+          <p:nvPr>
+            <p:ph type="sldImg"/>
+          </p:nvPr>
+        </p:nvSpPr>
+        <p:spPr/>
+      </p:sp>
+      <p:sp>
+        <p:nvSpPr>
+          <p:cNvPr id="3" name="Notes Placeholder 2"/>
+          <p:cNvSpPr>
+            <a:spLocks noGrp="1"/>
+          </p:cNvSpPr>
+          <p:nvPr>
+            <p:ph type="body" idx="1"/>
+          </p:nvPr>
+        </p:nvSpPr>
+        <p:spPr/>
+        <p:txBody>
+          <a:bodyPr/>
+          <a:lstStyle/>
+          <a:p>
+            <a:r>
+              <a:rPr lang="ru-RU" b="0" dirty="0"/>
+              <a:t>Когда мы говорим о паттерне «Стратегия», важно понимать: это не редкая экзотика, а один из рабочих инструментов, которые встречаются постоянно. Если вы его освоите, то получите универсальный способ решать задачи, где требуется гибкость поведения.</a:t>
+            </a:r>
+          </a:p>
+          <a:p>
+            <a:r>
+              <a:rPr lang="ru-RU" b="0" dirty="0"/>
+              <a:t>Стратегия разделяет что делает объект от того, как именно это делается. Это значит, что вы можете подменять алгоритмы на лету — и не переписывать классы при каждом новом требовании. Вы сразу начинаете писать код, который </a:t>
+            </a:r>
+            <a:r>
+              <a:rPr lang="ru-RU" b="0" i="1" dirty="0"/>
+              <a:t>готов к изменениям</a:t>
+            </a:r>
+            <a:r>
+              <a:rPr lang="ru-RU" b="0" dirty="0"/>
+              <a:t>.</a:t>
+            </a:r>
+          </a:p>
+          <a:p>
+            <a:r>
+              <a:rPr lang="ru-RU" b="0" dirty="0"/>
+              <a:t>Посмотрите вокруг: сортировка в стандартной библиотеке (</a:t>
+            </a:r>
+            <a:r>
+              <a:rPr lang="ru-RU" b="0" dirty="0" err="1"/>
+              <a:t>std</a:t>
+            </a:r>
+            <a:r>
+              <a:rPr lang="ru-RU" b="0" dirty="0"/>
+              <a:t>::</a:t>
+            </a:r>
+            <a:r>
+              <a:rPr lang="ru-RU" b="0" dirty="0" err="1"/>
+              <a:t>sort</a:t>
+            </a:r>
+            <a:r>
+              <a:rPr lang="ru-RU" b="0" dirty="0"/>
+              <a:t>), </a:t>
+            </a:r>
+            <a:r>
+              <a:rPr lang="ru-RU" b="0" dirty="0" err="1"/>
+              <a:t>аллокаторы</a:t>
+            </a:r>
+            <a:r>
+              <a:rPr lang="ru-RU" b="0" dirty="0"/>
+              <a:t> в контейнерах STL, стратегии авторизации в веб-фреймворках, разные алгоритмы рендеринга в графике — всё это вариации одной и той же идеи. Именно поэтому этот паттерн настолько часто встречается в продакшн-коде.</a:t>
+            </a:r>
+          </a:p>
+          <a:p>
+            <a:r>
+              <a:rPr lang="ru-RU" b="0" dirty="0"/>
+              <a:t>Освоив стратегию, вы сможете:</a:t>
+            </a:r>
+          </a:p>
+          <a:p>
+            <a:r>
+              <a:rPr lang="ru-RU" b="0" dirty="0"/>
+              <a:t>избавиться от дублирования кода в наследниках;</a:t>
+            </a:r>
+          </a:p>
+          <a:p>
+            <a:r>
+              <a:rPr lang="ru-RU" b="0" dirty="0"/>
+              <a:t>строить архитектуру, где новые требования не ломают старое;</a:t>
+            </a:r>
+          </a:p>
+          <a:p>
+            <a:r>
+              <a:rPr lang="ru-RU" b="0" dirty="0"/>
+              <a:t>писать программы, которые легко расширяются и настраиваются под пользователя или окружение.</a:t>
+            </a:r>
+          </a:p>
+          <a:p>
+            <a:r>
+              <a:rPr lang="ru-RU" b="0" dirty="0"/>
+              <a:t>Поэтому я хочу, чтобы вы вынесли из этой лекции простую мысль: паттерн «Стратегия» — это не теория, а практический инструмент, который многократно упростит вашу работу как инженера.</a:t>
+            </a:r>
+          </a:p>
+          <a:p>
+            <a:endParaRPr lang="en-US" b="0" dirty="0"/>
+          </a:p>
+        </p:txBody>
+      </p:sp>
+      <p:sp>
+        <p:nvSpPr>
+          <p:cNvPr id="4" name="Slide Number Placeholder 3"/>
+          <p:cNvSpPr>
+            <a:spLocks noGrp="1"/>
+          </p:cNvSpPr>
+          <p:nvPr>
+            <p:ph type="sldNum" sz="quarter" idx="5"/>
+          </p:nvPr>
+        </p:nvSpPr>
+        <p:spPr/>
+        <p:txBody>
+          <a:bodyPr/>
+          <a:lstStyle/>
+          <a:p>
+            <a:fld id="{C72A1285-F988-4153-B7C5-B887A867730D}" type="slidenum">
+              <a:rPr lang="ru-RU" smtClean="0"/>
+              <a:t>53</a:t>
+            </a:fld>
+            <a:endParaRPr lang="ru-RU"/>
+          </a:p>
+        </p:txBody>
+      </p:sp>
+    </p:spTree>
+    <p:extLst>
+      <p:ext uri="{BB962C8B-B14F-4D97-AF65-F5344CB8AC3E}">
+        <p14:creationId xmlns:p14="http://schemas.microsoft.com/office/powerpoint/2010/main" val="258049487"/>
       </p:ext>
     </p:extLst>
   </p:cSld>
@@ -4819,7 +5245,12 @@
             <p:ph type="sldImg"/>
           </p:nvPr>
         </p:nvSpPr>
-        <p:spPr/>
+        <p:spPr>
+          <a:xfrm>
+            <a:off x="381000" y="685800"/>
+            <a:ext cx="6096000" cy="3429000"/>
+          </a:xfrm>
+        </p:spPr>
       </p:sp>
       <p:sp>
         <p:nvSpPr>
@@ -4836,7 +5267,32 @@
           <a:bodyPr/>
           <a:lstStyle/>
           <a:p>
-            <a:endParaRPr lang="en-US"/>
+            <a:r>
+              <a:rPr lang="ru-RU" dirty="0"/>
+              <a:t>Приложение работает с разными классами уток, которые плавают по пруду и крякают.</a:t>
+            </a:r>
+          </a:p>
+          <a:p>
+            <a:r>
+              <a:rPr lang="ru-RU" dirty="0"/>
+              <a:t>Уток можно отрисовывать методом </a:t>
+            </a:r>
+            <a:r>
+              <a:rPr lang="en-US" dirty="0"/>
+              <a:t>Draw.</a:t>
+            </a:r>
+            <a:r>
+              <a:rPr lang="ru-RU" dirty="0"/>
+              <a:t>  Разные типы уток рисуются по-разному. Поэтому метод </a:t>
+            </a:r>
+            <a:r>
+              <a:rPr lang="en-US" dirty="0"/>
+              <a:t>Display</a:t>
+            </a:r>
+            <a:r>
+              <a:rPr lang="ru-RU" dirty="0"/>
+              <a:t> объявлен чисто виртуальным и реализован в подклассах.</a:t>
+            </a:r>
           </a:p>
         </p:txBody>
       </p:sp>
@@ -4847,7 +5303,7 @@
             <a:spLocks noGrp="1"/>
           </p:cNvSpPr>
           <p:nvPr>
-            <p:ph type="sldNum" sz="quarter" idx="5"/>
+            <p:ph type="sldNum" sz="quarter" idx="10"/>
           </p:nvPr>
         </p:nvSpPr>
         <p:spPr/>
@@ -4857,7 +5313,7 @@
           <a:p>
             <a:fld id="{C72A1285-F988-4153-B7C5-B887A867730D}" type="slidenum">
               <a:rPr lang="ru-RU" smtClean="0"/>
-              <a:t>7</a:t>
+              <a:t>6</a:t>
             </a:fld>
             <a:endParaRPr lang="ru-RU"/>
           </a:p>
@@ -4866,7 +5322,7 @@
     </p:spTree>
     <p:extLst>
       <p:ext uri="{BB962C8B-B14F-4D97-AF65-F5344CB8AC3E}">
-        <p14:creationId xmlns:p14="http://schemas.microsoft.com/office/powerpoint/2010/main" val="785421820"/>
+        <p14:creationId xmlns:p14="http://schemas.microsoft.com/office/powerpoint/2010/main" val="2754025"/>
       </p:ext>
     </p:extLst>
   </p:cSld>
@@ -4941,7 +5397,7 @@
           <a:p>
             <a:fld id="{C72A1285-F988-4153-B7C5-B887A867730D}" type="slidenum">
               <a:rPr lang="ru-RU" smtClean="0"/>
-              <a:t>8</a:t>
+              <a:t>7</a:t>
             </a:fld>
             <a:endParaRPr lang="ru-RU"/>
           </a:p>
@@ -4950,7 +5406,7 @@
     </p:spTree>
     <p:extLst>
       <p:ext uri="{BB962C8B-B14F-4D97-AF65-F5344CB8AC3E}">
-        <p14:creationId xmlns:p14="http://schemas.microsoft.com/office/powerpoint/2010/main" val="4019558780"/>
+        <p14:creationId xmlns:p14="http://schemas.microsoft.com/office/powerpoint/2010/main" val="785421820"/>
       </p:ext>
     </p:extLst>
   </p:cSld>
@@ -5025,7 +5481,7 @@
           <a:p>
             <a:fld id="{C72A1285-F988-4153-B7C5-B887A867730D}" type="slidenum">
               <a:rPr lang="ru-RU" smtClean="0"/>
-              <a:t>9</a:t>
+              <a:t>8</a:t>
             </a:fld>
             <a:endParaRPr lang="ru-RU"/>
           </a:p>
@@ -5034,7 +5490,7 @@
     </p:spTree>
     <p:extLst>
       <p:ext uri="{BB962C8B-B14F-4D97-AF65-F5344CB8AC3E}">
-        <p14:creationId xmlns:p14="http://schemas.microsoft.com/office/powerpoint/2010/main" val="704102633"/>
+        <p14:creationId xmlns:p14="http://schemas.microsoft.com/office/powerpoint/2010/main" val="4019558780"/>
       </p:ext>
     </p:extLst>
   </p:cSld>
@@ -5088,43 +5544,7 @@
           <a:bodyPr/>
           <a:lstStyle/>
           <a:p>
-            <a:r>
-              <a:rPr lang="ru-RU" dirty="0"/>
-              <a:t>Можно переопределить метод </a:t>
-            </a:r>
-            <a:r>
-              <a:rPr lang="en-US" dirty="0"/>
-              <a:t>Fly</a:t>
-            </a:r>
-            <a:r>
-              <a:rPr lang="ru-RU" dirty="0"/>
-              <a:t> для резиновых уток, которые не летает.</a:t>
-            </a:r>
-          </a:p>
-          <a:p>
-            <a:r>
-              <a:rPr lang="ru-RU" dirty="0"/>
-              <a:t>Однако это же придётся сделать и для деревянной утки. Более того, деревянные утки не умеют крякать. Для них также придётся переопределить метод </a:t>
-            </a:r>
-            <a:r>
-              <a:rPr lang="en-US" dirty="0"/>
-              <a:t>Quack.</a:t>
-            </a:r>
-          </a:p>
-          <a:p>
-            <a:r>
-              <a:rPr lang="ru-RU" dirty="0"/>
-              <a:t>Резиновые утки не крякают, а издают писк. Придётся переопределить </a:t>
-            </a:r>
-            <a:r>
-              <a:rPr lang="en-US" dirty="0"/>
-              <a:t>Quack </a:t>
-            </a:r>
-            <a:r>
-              <a:rPr lang="ru-RU" dirty="0"/>
-              <a:t>и для них.</a:t>
-            </a:r>
-            <a:endParaRPr lang="en-US" dirty="0"/>
+            <a:endParaRPr lang="en-US"/>
           </a:p>
         </p:txBody>
       </p:sp>
@@ -5145,7 +5565,7 @@
           <a:p>
             <a:fld id="{C72A1285-F988-4153-B7C5-B887A867730D}" type="slidenum">
               <a:rPr lang="ru-RU" smtClean="0"/>
-              <a:t>10</a:t>
+              <a:t>9</a:t>
             </a:fld>
             <a:endParaRPr lang="ru-RU"/>
           </a:p>
@@ -5154,7 +5574,7 @@
     </p:spTree>
     <p:extLst>
       <p:ext uri="{BB962C8B-B14F-4D97-AF65-F5344CB8AC3E}">
-        <p14:creationId xmlns:p14="http://schemas.microsoft.com/office/powerpoint/2010/main" val="1953917200"/>
+        <p14:creationId xmlns:p14="http://schemas.microsoft.com/office/powerpoint/2010/main" val="704102633"/>
       </p:ext>
     </p:extLst>
   </p:cSld>
@@ -23135,7 +23555,7 @@
           <p:nvPr/>
         </p:nvPicPr>
         <p:blipFill>
-          <a:blip r:embed="rId2" cstate="print">
+          <a:blip r:embed="rId3" cstate="print">
             <a:extLst>
               <a:ext uri="{28A0092B-C50C-407E-A947-70E740481C1C}">
                 <a14:useLocalDpi xmlns:a14="http://schemas.microsoft.com/office/drawing/2010/main" val="0"/>
